--- a/John's Presentation + DB Scan.pptx
+++ b/John's Presentation + DB Scan.pptx
@@ -5,22 +5,24 @@
     <p:sldMasterId id="2147483648" r:id="rId1"/>
   </p:sldMasterIdLst>
   <p:notesMasterIdLst>
-    <p:notesMasterId r:id="rId15"/>
+    <p:notesMasterId r:id="rId17"/>
   </p:notesMasterIdLst>
   <p:sldIdLst>
     <p:sldId id="257" r:id="rId2"/>
     <p:sldId id="264" r:id="rId3"/>
     <p:sldId id="258" r:id="rId4"/>
     <p:sldId id="267" r:id="rId5"/>
-    <p:sldId id="268" r:id="rId6"/>
-    <p:sldId id="269" r:id="rId7"/>
-    <p:sldId id="270" r:id="rId8"/>
-    <p:sldId id="272" r:id="rId9"/>
-    <p:sldId id="271" r:id="rId10"/>
-    <p:sldId id="274" r:id="rId11"/>
-    <p:sldId id="275" r:id="rId12"/>
-    <p:sldId id="276" r:id="rId13"/>
-    <p:sldId id="265" r:id="rId14"/>
+    <p:sldId id="277" r:id="rId6"/>
+    <p:sldId id="286" r:id="rId7"/>
+    <p:sldId id="285" r:id="rId8"/>
+    <p:sldId id="284" r:id="rId9"/>
+    <p:sldId id="283" r:id="rId10"/>
+    <p:sldId id="281" r:id="rId11"/>
+    <p:sldId id="290" r:id="rId12"/>
+    <p:sldId id="289" r:id="rId13"/>
+    <p:sldId id="279" r:id="rId14"/>
+    <p:sldId id="280" r:id="rId15"/>
+    <p:sldId id="265" r:id="rId16"/>
   </p:sldIdLst>
   <p:sldSz cx="12192000" cy="6858000"/>
   <p:notesSz cx="6858000" cy="9144000"/>
@@ -130,7 +132,7 @@
 <file path=ppt/revisionInfo.xml><?xml version="1.0" encoding="utf-8"?>
 <p1510:revInfo xmlns:a="http://schemas.openxmlformats.org/drawingml/2006/main" xmlns:r="http://schemas.openxmlformats.org/officeDocument/2006/relationships" xmlns:p1510="http://schemas.microsoft.com/office/powerpoint/2015/10/main">
   <p1510:revLst>
-    <p1510:client id="{FD96EE3B-3C13-43D1-BA8A-6725B7270236}" v="11" dt="2023-04-18T21:55:51.072"/>
+    <p1510:client id="{FD96EE3B-3C13-43D1-BA8A-6725B7270236}" v="42" dt="2023-04-23T05:05:13.245"/>
   </p1510:revLst>
 </p1510:revInfo>
 </file>
@@ -139,8 +141,8 @@
 <pc:chgInfo xmlns:a="http://schemas.openxmlformats.org/drawingml/2006/main" xmlns:r="http://schemas.openxmlformats.org/officeDocument/2006/relationships" xmlns:ac="http://schemas.microsoft.com/office/drawing/2013/main/command" xmlns:pc="http://schemas.microsoft.com/office/powerpoint/2013/main/command">
   <pc:docChgLst>
     <pc:chgData name="John Reynolds" userId="2858f4c311c921ca" providerId="LiveId" clId="{FD96EE3B-3C13-43D1-BA8A-6725B7270236}"/>
-    <pc:docChg chg="undo custSel addSld delSld modSld">
-      <pc:chgData name="John Reynolds" userId="2858f4c311c921ca" providerId="LiveId" clId="{FD96EE3B-3C13-43D1-BA8A-6725B7270236}" dt="2023-04-18T22:12:50.322" v="2324" actId="20577"/>
+    <pc:docChg chg="undo custSel addSld delSld modSld sldOrd">
+      <pc:chgData name="John Reynolds" userId="2858f4c311c921ca" providerId="LiveId" clId="{FD96EE3B-3C13-43D1-BA8A-6725B7270236}" dt="2023-04-23T05:05:37.426" v="4322" actId="14100"/>
       <pc:docMkLst>
         <pc:docMk/>
       </pc:docMkLst>
@@ -166,14 +168,59 @@
           <pc:sldMk cId="4118901844" sldId="267"/>
         </pc:sldMkLst>
       </pc:sldChg>
-      <pc:sldChg chg="addSp delSp modSp mod">
-        <pc:chgData name="John Reynolds" userId="2858f4c311c921ca" providerId="LiveId" clId="{FD96EE3B-3C13-43D1-BA8A-6725B7270236}" dt="2023-04-18T21:52:59.341" v="777" actId="1076"/>
+      <pc:sldChg chg="modSp del mod">
+        <pc:chgData name="John Reynolds" userId="2858f4c311c921ca" providerId="LiveId" clId="{FD96EE3B-3C13-43D1-BA8A-6725B7270236}" dt="2023-04-21T12:15:54.005" v="4012" actId="2696"/>
+        <pc:sldMkLst>
+          <pc:docMk/>
+          <pc:sldMk cId="4235645987" sldId="268"/>
+        </pc:sldMkLst>
+        <pc:spChg chg="mod">
+          <ac:chgData name="John Reynolds" userId="2858f4c311c921ca" providerId="LiveId" clId="{FD96EE3B-3C13-43D1-BA8A-6725B7270236}" dt="2023-04-21T12:14:45.977" v="3989" actId="1038"/>
+          <ac:spMkLst>
+            <pc:docMk/>
+            <pc:sldMk cId="4235645987" sldId="268"/>
+            <ac:spMk id="3" creationId="{24EC3D39-AF9A-CD00-4D45-AA3BDEAECA03}"/>
+          </ac:spMkLst>
+        </pc:spChg>
+        <pc:spChg chg="mod">
+          <ac:chgData name="John Reynolds" userId="2858f4c311c921ca" providerId="LiveId" clId="{FD96EE3B-3C13-43D1-BA8A-6725B7270236}" dt="2023-04-21T12:14:45.977" v="3989" actId="1038"/>
+          <ac:spMkLst>
+            <pc:docMk/>
+            <pc:sldMk cId="4235645987" sldId="268"/>
+            <ac:spMk id="26" creationId="{27ED0F80-138B-4A4E-B34B-8C68CC474DC4}"/>
+          </ac:spMkLst>
+        </pc:spChg>
+        <pc:picChg chg="mod">
+          <ac:chgData name="John Reynolds" userId="2858f4c311c921ca" providerId="LiveId" clId="{FD96EE3B-3C13-43D1-BA8A-6725B7270236}" dt="2023-04-21T12:14:45.977" v="3989" actId="1038"/>
+          <ac:picMkLst>
+            <pc:docMk/>
+            <pc:sldMk cId="4235645987" sldId="268"/>
+            <ac:picMk id="7" creationId="{59EF4242-B91D-4C92-3AA1-734CCAE80632}"/>
+          </ac:picMkLst>
+        </pc:picChg>
+      </pc:sldChg>
+      <pc:sldChg chg="del">
+        <pc:chgData name="John Reynolds" userId="2858f4c311c921ca" providerId="LiveId" clId="{FD96EE3B-3C13-43D1-BA8A-6725B7270236}" dt="2023-04-21T12:17:11.147" v="4029" actId="47"/>
+        <pc:sldMkLst>
+          <pc:docMk/>
+          <pc:sldMk cId="2134524787" sldId="269"/>
+        </pc:sldMkLst>
+      </pc:sldChg>
+      <pc:sldChg chg="del">
+        <pc:chgData name="John Reynolds" userId="2858f4c311c921ca" providerId="LiveId" clId="{FD96EE3B-3C13-43D1-BA8A-6725B7270236}" dt="2023-04-21T12:17:56.172" v="4086" actId="47"/>
+        <pc:sldMkLst>
+          <pc:docMk/>
+          <pc:sldMk cId="2748576771" sldId="270"/>
+        </pc:sldMkLst>
+      </pc:sldChg>
+      <pc:sldChg chg="addSp delSp modSp del mod">
+        <pc:chgData name="John Reynolds" userId="2858f4c311c921ca" providerId="LiveId" clId="{FD96EE3B-3C13-43D1-BA8A-6725B7270236}" dt="2023-04-21T12:19:36.054" v="4127" actId="47"/>
         <pc:sldMkLst>
           <pc:docMk/>
           <pc:sldMk cId="3772805219" sldId="271"/>
         </pc:sldMkLst>
         <pc:spChg chg="mod">
-          <ac:chgData name="John Reynolds" userId="2858f4c311c921ca" providerId="LiveId" clId="{FD96EE3B-3C13-43D1-BA8A-6725B7270236}" dt="2023-04-16T20:48:06.230" v="299" actId="33524"/>
+          <ac:chgData name="John Reynolds" userId="2858f4c311c921ca" providerId="LiveId" clId="{FD96EE3B-3C13-43D1-BA8A-6725B7270236}" dt="2023-04-21T12:19:04.405" v="4101" actId="1076"/>
           <ac:spMkLst>
             <pc:docMk/>
             <pc:sldMk cId="3772805219" sldId="271"/>
@@ -189,7 +236,7 @@
           </ac:spMkLst>
         </pc:spChg>
         <pc:spChg chg="mod">
-          <ac:chgData name="John Reynolds" userId="2858f4c311c921ca" providerId="LiveId" clId="{FD96EE3B-3C13-43D1-BA8A-6725B7270236}" dt="2023-04-16T20:45:27.947" v="117" actId="20577"/>
+          <ac:chgData name="John Reynolds" userId="2858f4c311c921ca" providerId="LiveId" clId="{FD96EE3B-3C13-43D1-BA8A-6725B7270236}" dt="2023-04-21T12:19:04.405" v="4101" actId="1076"/>
           <ac:spMkLst>
             <pc:docMk/>
             <pc:sldMk cId="3772805219" sldId="271"/>
@@ -197,7 +244,7 @@
           </ac:spMkLst>
         </pc:spChg>
         <pc:picChg chg="mod">
-          <ac:chgData name="John Reynolds" userId="2858f4c311c921ca" providerId="LiveId" clId="{FD96EE3B-3C13-43D1-BA8A-6725B7270236}" dt="2023-04-18T21:52:59.341" v="777" actId="1076"/>
+          <ac:chgData name="John Reynolds" userId="2858f4c311c921ca" providerId="LiveId" clId="{FD96EE3B-3C13-43D1-BA8A-6725B7270236}" dt="2023-04-21T12:19:04.405" v="4101" actId="1076"/>
           <ac:picMkLst>
             <pc:docMk/>
             <pc:sldMk cId="3772805219" sldId="271"/>
@@ -229,18 +276,50 @@
           </ac:picMkLst>
         </pc:picChg>
       </pc:sldChg>
-      <pc:sldChg chg="addSp delSp modSp mod">
-        <pc:chgData name="John Reynolds" userId="2858f4c311c921ca" providerId="LiveId" clId="{FD96EE3B-3C13-43D1-BA8A-6725B7270236}" dt="2023-04-16T20:45:08.001" v="111" actId="20577"/>
+      <pc:sldChg chg="addSp delSp modSp del mod">
+        <pc:chgData name="John Reynolds" userId="2858f4c311c921ca" providerId="LiveId" clId="{FD96EE3B-3C13-43D1-BA8A-6725B7270236}" dt="2023-04-21T12:18:43.494" v="4096" actId="47"/>
         <pc:sldMkLst>
           <pc:docMk/>
           <pc:sldMk cId="3520342423" sldId="272"/>
         </pc:sldMkLst>
         <pc:spChg chg="mod">
-          <ac:chgData name="John Reynolds" userId="2858f4c311c921ca" providerId="LiveId" clId="{FD96EE3B-3C13-43D1-BA8A-6725B7270236}" dt="2023-04-16T20:45:08.001" v="111" actId="20577"/>
+          <ac:chgData name="John Reynolds" userId="2858f4c311c921ca" providerId="LiveId" clId="{FD96EE3B-3C13-43D1-BA8A-6725B7270236}" dt="2023-04-21T12:18:33.457" v="4094" actId="1076"/>
+          <ac:spMkLst>
+            <pc:docMk/>
+            <pc:sldMk cId="3520342423" sldId="272"/>
+            <ac:spMk id="6" creationId="{E3E1CC66-826A-4CA8-2736-C4567DFA42E6}"/>
+          </ac:spMkLst>
+        </pc:spChg>
+        <pc:spChg chg="mod">
+          <ac:chgData name="John Reynolds" userId="2858f4c311c921ca" providerId="LiveId" clId="{FD96EE3B-3C13-43D1-BA8A-6725B7270236}" dt="2023-04-21T12:18:33.457" v="4094" actId="1076"/>
           <ac:spMkLst>
             <pc:docMk/>
             <pc:sldMk cId="3520342423" sldId="272"/>
             <ac:spMk id="11" creationId="{EB66A8A1-BD18-01A2-ECAC-7BCE5FDF3598}"/>
+          </ac:spMkLst>
+        </pc:spChg>
+        <pc:spChg chg="mod">
+          <ac:chgData name="John Reynolds" userId="2858f4c311c921ca" providerId="LiveId" clId="{FD96EE3B-3C13-43D1-BA8A-6725B7270236}" dt="2023-04-21T12:18:33.457" v="4094" actId="1076"/>
+          <ac:spMkLst>
+            <pc:docMk/>
+            <pc:sldMk cId="3520342423" sldId="272"/>
+            <ac:spMk id="14" creationId="{44435DC4-5E12-5313-2442-AFECDC02ED20}"/>
+          </ac:spMkLst>
+        </pc:spChg>
+        <pc:spChg chg="mod">
+          <ac:chgData name="John Reynolds" userId="2858f4c311c921ca" providerId="LiveId" clId="{FD96EE3B-3C13-43D1-BA8A-6725B7270236}" dt="2023-04-21T12:18:33.457" v="4094" actId="1076"/>
+          <ac:spMkLst>
+            <pc:docMk/>
+            <pc:sldMk cId="3520342423" sldId="272"/>
+            <ac:spMk id="15" creationId="{DC47BF33-00A6-B2DF-9357-236C69D12A01}"/>
+          </ac:spMkLst>
+        </pc:spChg>
+        <pc:spChg chg="mod">
+          <ac:chgData name="John Reynolds" userId="2858f4c311c921ca" providerId="LiveId" clId="{FD96EE3B-3C13-43D1-BA8A-6725B7270236}" dt="2023-04-21T12:18:33.457" v="4094" actId="1076"/>
+          <ac:spMkLst>
+            <pc:docMk/>
+            <pc:sldMk cId="3520342423" sldId="272"/>
+            <ac:spMk id="26" creationId="{27ED0F80-138B-4A4E-B34B-8C68CC474DC4}"/>
           </ac:spMkLst>
         </pc:spChg>
         <pc:picChg chg="add mod modCrop">
@@ -251,6 +330,14 @@
             <ac:picMk id="2" creationId="{D295EB13-C549-D1BC-66CE-F7BC257EC77C}"/>
           </ac:picMkLst>
         </pc:picChg>
+        <pc:picChg chg="mod">
+          <ac:chgData name="John Reynolds" userId="2858f4c311c921ca" providerId="LiveId" clId="{FD96EE3B-3C13-43D1-BA8A-6725B7270236}" dt="2023-04-21T12:18:33.457" v="4094" actId="1076"/>
+          <ac:picMkLst>
+            <pc:docMk/>
+            <pc:sldMk cId="3520342423" sldId="272"/>
+            <ac:picMk id="9" creationId="{13D8ECA4-3D22-A556-3847-B5F00A2FBD4C}"/>
+          </ac:picMkLst>
+        </pc:picChg>
         <pc:picChg chg="del">
           <ac:chgData name="John Reynolds" userId="2858f4c311c921ca" providerId="LiveId" clId="{FD96EE3B-3C13-43D1-BA8A-6725B7270236}" dt="2023-04-16T20:44:03.609" v="59" actId="478"/>
           <ac:picMkLst>
@@ -260,8 +347,8 @@
           </ac:picMkLst>
         </pc:picChg>
       </pc:sldChg>
-      <pc:sldChg chg="addSp delSp modSp mod">
-        <pc:chgData name="John Reynolds" userId="2858f4c311c921ca" providerId="LiveId" clId="{FD96EE3B-3C13-43D1-BA8A-6725B7270236}" dt="2023-04-18T21:55:33.523" v="1060" actId="20577"/>
+      <pc:sldChg chg="addSp delSp modSp del mod">
+        <pc:chgData name="John Reynolds" userId="2858f4c311c921ca" providerId="LiveId" clId="{FD96EE3B-3C13-43D1-BA8A-6725B7270236}" dt="2023-04-21T12:20:17.185" v="4147" actId="47"/>
         <pc:sldMkLst>
           <pc:docMk/>
           <pc:sldMk cId="1135084300" sldId="274"/>
@@ -403,14 +490,14 @@
           </ac:picMkLst>
         </pc:picChg>
       </pc:sldChg>
-      <pc:sldChg chg="addSp delSp modSp mod">
-        <pc:chgData name="John Reynolds" userId="2858f4c311c921ca" providerId="LiveId" clId="{FD96EE3B-3C13-43D1-BA8A-6725B7270236}" dt="2023-04-18T22:06:37.637" v="2310" actId="1076"/>
+      <pc:sldChg chg="addSp delSp modSp del mod">
+        <pc:chgData name="John Reynolds" userId="2858f4c311c921ca" providerId="LiveId" clId="{FD96EE3B-3C13-43D1-BA8A-6725B7270236}" dt="2023-04-21T12:21:20.354" v="4210" actId="47"/>
         <pc:sldMkLst>
           <pc:docMk/>
           <pc:sldMk cId="812677070" sldId="275"/>
         </pc:sldMkLst>
         <pc:spChg chg="mod">
-          <ac:chgData name="John Reynolds" userId="2858f4c311c921ca" providerId="LiveId" clId="{FD96EE3B-3C13-43D1-BA8A-6725B7270236}" dt="2023-04-18T22:06:35.013" v="2309" actId="20577"/>
+          <ac:chgData name="John Reynolds" userId="2858f4c311c921ca" providerId="LiveId" clId="{FD96EE3B-3C13-43D1-BA8A-6725B7270236}" dt="2023-04-21T09:11:05.209" v="2327" actId="20577"/>
           <ac:spMkLst>
             <pc:docMk/>
             <pc:sldMk cId="812677070" sldId="275"/>
@@ -520,14 +607,14 @@
           <pc:sldMk cId="2074738818" sldId="276"/>
         </pc:sldMkLst>
       </pc:sldChg>
-      <pc:sldChg chg="addSp delSp modSp add mod">
-        <pc:chgData name="John Reynolds" userId="2858f4c311c921ca" providerId="LiveId" clId="{FD96EE3B-3C13-43D1-BA8A-6725B7270236}" dt="2023-04-18T22:12:50.322" v="2324" actId="20577"/>
+      <pc:sldChg chg="addSp delSp modSp add del mod">
+        <pc:chgData name="John Reynolds" userId="2858f4c311c921ca" providerId="LiveId" clId="{FD96EE3B-3C13-43D1-BA8A-6725B7270236}" dt="2023-04-21T12:11:56.767" v="3859" actId="47"/>
         <pc:sldMkLst>
           <pc:docMk/>
           <pc:sldMk cId="2599489625" sldId="276"/>
         </pc:sldMkLst>
         <pc:spChg chg="mod">
-          <ac:chgData name="John Reynolds" userId="2858f4c311c921ca" providerId="LiveId" clId="{FD96EE3B-3C13-43D1-BA8A-6725B7270236}" dt="2023-04-18T22:12:50.322" v="2324" actId="20577"/>
+          <ac:chgData name="John Reynolds" userId="2858f4c311c921ca" providerId="LiveId" clId="{FD96EE3B-3C13-43D1-BA8A-6725B7270236}" dt="2023-04-21T11:50:13.919" v="3139"/>
           <ac:spMkLst>
             <pc:docMk/>
             <pc:sldMk cId="2599489625" sldId="276"/>
@@ -542,8 +629,8 @@
             <ac:spMk id="26" creationId="{27ED0F80-138B-4A4E-B34B-8C68CC474DC4}"/>
           </ac:spMkLst>
         </pc:spChg>
-        <pc:picChg chg="add mod modCrop">
-          <ac:chgData name="John Reynolds" userId="2858f4c311c921ca" providerId="LiveId" clId="{FD96EE3B-3C13-43D1-BA8A-6725B7270236}" dt="2023-04-18T22:12:09.184" v="2317" actId="1076"/>
+        <pc:picChg chg="add del mod modCrop">
+          <ac:chgData name="John Reynolds" userId="2858f4c311c921ca" providerId="LiveId" clId="{FD96EE3B-3C13-43D1-BA8A-6725B7270236}" dt="2023-04-21T12:11:26.165" v="3786" actId="21"/>
           <ac:picMkLst>
             <pc:docMk/>
             <pc:sldMk cId="2599489625" sldId="276"/>
@@ -574,6 +661,84 @@
           <pc:sldMk cId="1710391779" sldId="277"/>
         </pc:sldMkLst>
       </pc:sldChg>
+      <pc:sldChg chg="addSp delSp modSp add mod">
+        <pc:chgData name="John Reynolds" userId="2858f4c311c921ca" providerId="LiveId" clId="{FD96EE3B-3C13-43D1-BA8A-6725B7270236}" dt="2023-04-21T12:06:52.606" v="3659" actId="20577"/>
+        <pc:sldMkLst>
+          <pc:docMk/>
+          <pc:sldMk cId="1977064590" sldId="277"/>
+        </pc:sldMkLst>
+        <pc:spChg chg="del">
+          <ac:chgData name="John Reynolds" userId="2858f4c311c921ca" providerId="LiveId" clId="{FD96EE3B-3C13-43D1-BA8A-6725B7270236}" dt="2023-04-21T11:56:51.912" v="3141" actId="478"/>
+          <ac:spMkLst>
+            <pc:docMk/>
+            <pc:sldMk cId="1977064590" sldId="277"/>
+            <ac:spMk id="2" creationId="{5CE332D7-1B42-CBD1-0D76-502EBF25FCFA}"/>
+          </ac:spMkLst>
+        </pc:spChg>
+        <pc:spChg chg="mod">
+          <ac:chgData name="John Reynolds" userId="2858f4c311c921ca" providerId="LiveId" clId="{FD96EE3B-3C13-43D1-BA8A-6725B7270236}" dt="2023-04-21T12:06:52.606" v="3659" actId="20577"/>
+          <ac:spMkLst>
+            <pc:docMk/>
+            <pc:sldMk cId="1977064590" sldId="277"/>
+            <ac:spMk id="3" creationId="{24EC3D39-AF9A-CD00-4D45-AA3BDEAECA03}"/>
+          </ac:spMkLst>
+        </pc:spChg>
+        <pc:spChg chg="add del mod">
+          <ac:chgData name="John Reynolds" userId="2858f4c311c921ca" providerId="LiveId" clId="{FD96EE3B-3C13-43D1-BA8A-6725B7270236}" dt="2023-04-21T11:56:55.545" v="3142" actId="478"/>
+          <ac:spMkLst>
+            <pc:docMk/>
+            <pc:sldMk cId="1977064590" sldId="277"/>
+            <ac:spMk id="5" creationId="{D7BE3BC7-0919-DA6A-25AE-24E081517CE9}"/>
+          </ac:spMkLst>
+        </pc:spChg>
+        <pc:spChg chg="mod">
+          <ac:chgData name="John Reynolds" userId="2858f4c311c921ca" providerId="LiveId" clId="{FD96EE3B-3C13-43D1-BA8A-6725B7270236}" dt="2023-04-21T11:57:06.199" v="3164" actId="20577"/>
+          <ac:spMkLst>
+            <pc:docMk/>
+            <pc:sldMk cId="1977064590" sldId="277"/>
+            <ac:spMk id="26" creationId="{27ED0F80-138B-4A4E-B34B-8C68CC474DC4}"/>
+          </ac:spMkLst>
+        </pc:spChg>
+        <pc:spChg chg="del">
+          <ac:chgData name="John Reynolds" userId="2858f4c311c921ca" providerId="LiveId" clId="{FD96EE3B-3C13-43D1-BA8A-6725B7270236}" dt="2023-04-21T11:56:51.912" v="3141" actId="478"/>
+          <ac:spMkLst>
+            <pc:docMk/>
+            <pc:sldMk cId="1977064590" sldId="277"/>
+            <ac:spMk id="27" creationId="{3AFAB89C-2CD9-4C64-8509-75920527BE13}"/>
+          </ac:spMkLst>
+        </pc:spChg>
+      </pc:sldChg>
+      <pc:sldChg chg="delSp modSp add del mod">
+        <pc:chgData name="John Reynolds" userId="2858f4c311c921ca" providerId="LiveId" clId="{FD96EE3B-3C13-43D1-BA8A-6725B7270236}" dt="2023-04-21T12:12:30.152" v="3886" actId="47"/>
+        <pc:sldMkLst>
+          <pc:docMk/>
+          <pc:sldMk cId="3244890584" sldId="278"/>
+        </pc:sldMkLst>
+        <pc:spChg chg="mod">
+          <ac:chgData name="John Reynolds" userId="2858f4c311c921ca" providerId="LiveId" clId="{FD96EE3B-3C13-43D1-BA8A-6725B7270236}" dt="2023-04-21T12:08:31.535" v="3737" actId="20577"/>
+          <ac:spMkLst>
+            <pc:docMk/>
+            <pc:sldMk cId="3244890584" sldId="278"/>
+            <ac:spMk id="3" creationId="{24EC3D39-AF9A-CD00-4D45-AA3BDEAECA03}"/>
+          </ac:spMkLst>
+        </pc:spChg>
+        <pc:spChg chg="mod">
+          <ac:chgData name="John Reynolds" userId="2858f4c311c921ca" providerId="LiveId" clId="{FD96EE3B-3C13-43D1-BA8A-6725B7270236}" dt="2023-04-21T12:12:05.896" v="3861" actId="1076"/>
+          <ac:spMkLst>
+            <pc:docMk/>
+            <pc:sldMk cId="3244890584" sldId="278"/>
+            <ac:spMk id="26" creationId="{27ED0F80-138B-4A4E-B34B-8C68CC474DC4}"/>
+          </ac:spMkLst>
+        </pc:spChg>
+        <pc:picChg chg="del">
+          <ac:chgData name="John Reynolds" userId="2858f4c311c921ca" providerId="LiveId" clId="{FD96EE3B-3C13-43D1-BA8A-6725B7270236}" dt="2023-04-21T12:07:33.849" v="3661" actId="478"/>
+          <ac:picMkLst>
+            <pc:docMk/>
+            <pc:sldMk cId="3244890584" sldId="278"/>
+            <ac:picMk id="4" creationId="{DFAFD751-C732-576C-E991-E807C3B97278}"/>
+          </ac:picMkLst>
+        </pc:picChg>
+      </pc:sldChg>
       <pc:sldChg chg="del">
         <pc:chgData name="John Reynolds" userId="2858f4c311c921ca" providerId="LiveId" clId="{FD96EE3B-3C13-43D1-BA8A-6725B7270236}" dt="2023-04-16T20:18:44.094" v="1" actId="47"/>
         <pc:sldMkLst>
@@ -581,12 +746,314 @@
           <pc:sldMk cId="3562029006" sldId="278"/>
         </pc:sldMkLst>
       </pc:sldChg>
+      <pc:sldChg chg="addSp delSp modSp add mod ord">
+        <pc:chgData name="John Reynolds" userId="2858f4c311c921ca" providerId="LiveId" clId="{FD96EE3B-3C13-43D1-BA8A-6725B7270236}" dt="2023-04-21T12:40:43.510" v="4301" actId="14100"/>
+        <pc:sldMkLst>
+          <pc:docMk/>
+          <pc:sldMk cId="2875600140" sldId="279"/>
+        </pc:sldMkLst>
+        <pc:spChg chg="del">
+          <ac:chgData name="John Reynolds" userId="2858f4c311c921ca" providerId="LiveId" clId="{FD96EE3B-3C13-43D1-BA8A-6725B7270236}" dt="2023-04-21T12:09:19.884" v="3760" actId="478"/>
+          <ac:spMkLst>
+            <pc:docMk/>
+            <pc:sldMk cId="2875600140" sldId="279"/>
+            <ac:spMk id="3" creationId="{24EC3D39-AF9A-CD00-4D45-AA3BDEAECA03}"/>
+          </ac:spMkLst>
+        </pc:spChg>
+        <pc:spChg chg="add del mod">
+          <ac:chgData name="John Reynolds" userId="2858f4c311c921ca" providerId="LiveId" clId="{FD96EE3B-3C13-43D1-BA8A-6725B7270236}" dt="2023-04-21T12:09:17.414" v="3759" actId="478"/>
+          <ac:spMkLst>
+            <pc:docMk/>
+            <pc:sldMk cId="2875600140" sldId="279"/>
+            <ac:spMk id="4" creationId="{E47601F3-F1BD-0D50-2395-37EB234FD9FD}"/>
+          </ac:spMkLst>
+        </pc:spChg>
+        <pc:spChg chg="add del mod">
+          <ac:chgData name="John Reynolds" userId="2858f4c311c921ca" providerId="LiveId" clId="{FD96EE3B-3C13-43D1-BA8A-6725B7270236}" dt="2023-04-21T12:09:22.620" v="3762"/>
+          <ac:spMkLst>
+            <pc:docMk/>
+            <pc:sldMk cId="2875600140" sldId="279"/>
+            <ac:spMk id="5" creationId="{408DF3FF-F1BE-DBE3-2B85-55DC57E05C4C}"/>
+          </ac:spMkLst>
+        </pc:spChg>
+        <pc:spChg chg="add del mod">
+          <ac:chgData name="John Reynolds" userId="2858f4c311c921ca" providerId="LiveId" clId="{FD96EE3B-3C13-43D1-BA8A-6725B7270236}" dt="2023-04-21T12:09:22.620" v="3762"/>
+          <ac:spMkLst>
+            <pc:docMk/>
+            <pc:sldMk cId="2875600140" sldId="279"/>
+            <ac:spMk id="6" creationId="{B4889693-ECD1-D8AA-E00E-49F24CCF8853}"/>
+          </ac:spMkLst>
+        </pc:spChg>
+        <pc:spChg chg="add del mod">
+          <ac:chgData name="John Reynolds" userId="2858f4c311c921ca" providerId="LiveId" clId="{FD96EE3B-3C13-43D1-BA8A-6725B7270236}" dt="2023-04-21T12:09:22.620" v="3762"/>
+          <ac:spMkLst>
+            <pc:docMk/>
+            <pc:sldMk cId="2875600140" sldId="279"/>
+            <ac:spMk id="7" creationId="{BB0D7219-BA14-4010-942A-C6587DD15FA7}"/>
+          </ac:spMkLst>
+        </pc:spChg>
+        <pc:spChg chg="add del mod">
+          <ac:chgData name="John Reynolds" userId="2858f4c311c921ca" providerId="LiveId" clId="{FD96EE3B-3C13-43D1-BA8A-6725B7270236}" dt="2023-04-21T12:09:22.620" v="3762"/>
+          <ac:spMkLst>
+            <pc:docMk/>
+            <pc:sldMk cId="2875600140" sldId="279"/>
+            <ac:spMk id="8" creationId="{75E6EDD6-B41A-3AFA-7FF9-1B96FAD4255C}"/>
+          </ac:spMkLst>
+        </pc:spChg>
+        <pc:spChg chg="add del mod">
+          <ac:chgData name="John Reynolds" userId="2858f4c311c921ca" providerId="LiveId" clId="{FD96EE3B-3C13-43D1-BA8A-6725B7270236}" dt="2023-04-21T12:09:43.363" v="3771"/>
+          <ac:spMkLst>
+            <pc:docMk/>
+            <pc:sldMk cId="2875600140" sldId="279"/>
+            <ac:spMk id="10" creationId="{985989F7-1580-24CE-4A68-A0B5F59BD519}"/>
+          </ac:spMkLst>
+        </pc:spChg>
+        <pc:spChg chg="add del mod">
+          <ac:chgData name="John Reynolds" userId="2858f4c311c921ca" providerId="LiveId" clId="{FD96EE3B-3C13-43D1-BA8A-6725B7270236}" dt="2023-04-21T12:09:43.363" v="3771"/>
+          <ac:spMkLst>
+            <pc:docMk/>
+            <pc:sldMk cId="2875600140" sldId="279"/>
+            <ac:spMk id="11" creationId="{76C7705A-9C78-8D80-FC57-73F06F748F28}"/>
+          </ac:spMkLst>
+        </pc:spChg>
+        <pc:spChg chg="add del mod">
+          <ac:chgData name="John Reynolds" userId="2858f4c311c921ca" providerId="LiveId" clId="{FD96EE3B-3C13-43D1-BA8A-6725B7270236}" dt="2023-04-21T12:09:43.363" v="3771"/>
+          <ac:spMkLst>
+            <pc:docMk/>
+            <pc:sldMk cId="2875600140" sldId="279"/>
+            <ac:spMk id="12" creationId="{4EE4A295-7AC5-8AFF-BB3A-8181D4378B1E}"/>
+          </ac:spMkLst>
+        </pc:spChg>
+        <pc:spChg chg="add del mod">
+          <ac:chgData name="John Reynolds" userId="2858f4c311c921ca" providerId="LiveId" clId="{FD96EE3B-3C13-43D1-BA8A-6725B7270236}" dt="2023-04-21T12:09:43.363" v="3771"/>
+          <ac:spMkLst>
+            <pc:docMk/>
+            <pc:sldMk cId="2875600140" sldId="279"/>
+            <ac:spMk id="13" creationId="{61CE3089-B307-75EC-BDC0-834971139987}"/>
+          </ac:spMkLst>
+        </pc:spChg>
+        <pc:spChg chg="add del mod">
+          <ac:chgData name="John Reynolds" userId="2858f4c311c921ca" providerId="LiveId" clId="{FD96EE3B-3C13-43D1-BA8A-6725B7270236}" dt="2023-04-21T12:10:26.895" v="3777"/>
+          <ac:spMkLst>
+            <pc:docMk/>
+            <pc:sldMk cId="2875600140" sldId="279"/>
+            <ac:spMk id="15" creationId="{CEC34FA2-65C3-4013-22AA-BB8223B2534C}"/>
+          </ac:spMkLst>
+        </pc:spChg>
+        <pc:spChg chg="add del mod">
+          <ac:chgData name="John Reynolds" userId="2858f4c311c921ca" providerId="LiveId" clId="{FD96EE3B-3C13-43D1-BA8A-6725B7270236}" dt="2023-04-21T12:10:26.895" v="3777"/>
+          <ac:spMkLst>
+            <pc:docMk/>
+            <pc:sldMk cId="2875600140" sldId="279"/>
+            <ac:spMk id="16" creationId="{ABF01CB4-2CCC-FA14-8D37-4F96AE3BB8A4}"/>
+          </ac:spMkLst>
+        </pc:spChg>
+        <pc:spChg chg="add del mod">
+          <ac:chgData name="John Reynolds" userId="2858f4c311c921ca" providerId="LiveId" clId="{FD96EE3B-3C13-43D1-BA8A-6725B7270236}" dt="2023-04-21T12:10:26.895" v="3777"/>
+          <ac:spMkLst>
+            <pc:docMk/>
+            <pc:sldMk cId="2875600140" sldId="279"/>
+            <ac:spMk id="17" creationId="{24355295-8301-B9D5-044B-8EE53EDD9772}"/>
+          </ac:spMkLst>
+        </pc:spChg>
+        <pc:spChg chg="add del mod">
+          <ac:chgData name="John Reynolds" userId="2858f4c311c921ca" providerId="LiveId" clId="{FD96EE3B-3C13-43D1-BA8A-6725B7270236}" dt="2023-04-21T12:10:26.895" v="3777"/>
+          <ac:spMkLst>
+            <pc:docMk/>
+            <pc:sldMk cId="2875600140" sldId="279"/>
+            <ac:spMk id="18" creationId="{5CA201BB-F22D-798B-3CB5-456BFB607DD6}"/>
+          </ac:spMkLst>
+        </pc:spChg>
+        <pc:spChg chg="add del mod">
+          <ac:chgData name="John Reynolds" userId="2858f4c311c921ca" providerId="LiveId" clId="{FD96EE3B-3C13-43D1-BA8A-6725B7270236}" dt="2023-04-21T12:10:26.635" v="3776" actId="478"/>
+          <ac:spMkLst>
+            <pc:docMk/>
+            <pc:sldMk cId="2875600140" sldId="279"/>
+            <ac:spMk id="21" creationId="{4AA42524-BE79-C997-DD62-BF7B690D7155}"/>
+          </ac:spMkLst>
+        </pc:spChg>
+        <pc:spChg chg="add del mod">
+          <ac:chgData name="John Reynolds" userId="2858f4c311c921ca" providerId="LiveId" clId="{FD96EE3B-3C13-43D1-BA8A-6725B7270236}" dt="2023-04-21T12:10:59.280" v="3781"/>
+          <ac:spMkLst>
+            <pc:docMk/>
+            <pc:sldMk cId="2875600140" sldId="279"/>
+            <ac:spMk id="22" creationId="{55E2B329-C1AD-6B33-766D-FEBA174308D9}"/>
+          </ac:spMkLst>
+        </pc:spChg>
+        <pc:spChg chg="add del mod">
+          <ac:chgData name="John Reynolds" userId="2858f4c311c921ca" providerId="LiveId" clId="{FD96EE3B-3C13-43D1-BA8A-6725B7270236}" dt="2023-04-21T12:10:59.280" v="3781"/>
+          <ac:spMkLst>
+            <pc:docMk/>
+            <pc:sldMk cId="2875600140" sldId="279"/>
+            <ac:spMk id="23" creationId="{F9F288F8-4EEB-69BB-92F1-7CCD9569C368}"/>
+          </ac:spMkLst>
+        </pc:spChg>
+        <pc:spChg chg="add del mod">
+          <ac:chgData name="John Reynolds" userId="2858f4c311c921ca" providerId="LiveId" clId="{FD96EE3B-3C13-43D1-BA8A-6725B7270236}" dt="2023-04-21T12:10:59.280" v="3781"/>
+          <ac:spMkLst>
+            <pc:docMk/>
+            <pc:sldMk cId="2875600140" sldId="279"/>
+            <ac:spMk id="24" creationId="{8538A02F-82AB-0CFA-4729-70F1AF1CB607}"/>
+          </ac:spMkLst>
+        </pc:spChg>
+        <pc:spChg chg="del">
+          <ac:chgData name="John Reynolds" userId="2858f4c311c921ca" providerId="LiveId" clId="{FD96EE3B-3C13-43D1-BA8A-6725B7270236}" dt="2023-04-21T12:09:13.776" v="3758" actId="478"/>
+          <ac:spMkLst>
+            <pc:docMk/>
+            <pc:sldMk cId="2875600140" sldId="279"/>
+            <ac:spMk id="26" creationId="{27ED0F80-138B-4A4E-B34B-8C68CC474DC4}"/>
+          </ac:spMkLst>
+        </pc:spChg>
+        <pc:spChg chg="add del mod">
+          <ac:chgData name="John Reynolds" userId="2858f4c311c921ca" providerId="LiveId" clId="{FD96EE3B-3C13-43D1-BA8A-6725B7270236}" dt="2023-04-21T12:11:01.427" v="3783"/>
+          <ac:spMkLst>
+            <pc:docMk/>
+            <pc:sldMk cId="2875600140" sldId="279"/>
+            <ac:spMk id="27" creationId="{E324B5B4-773A-ACB4-D6C2-84867F4128C8}"/>
+          </ac:spMkLst>
+        </pc:spChg>
+        <pc:spChg chg="add del mod">
+          <ac:chgData name="John Reynolds" userId="2858f4c311c921ca" providerId="LiveId" clId="{FD96EE3B-3C13-43D1-BA8A-6725B7270236}" dt="2023-04-21T12:11:01.427" v="3783"/>
+          <ac:spMkLst>
+            <pc:docMk/>
+            <pc:sldMk cId="2875600140" sldId="279"/>
+            <ac:spMk id="28" creationId="{10ED3FC8-87E0-C875-4AAF-8C2D8443851D}"/>
+          </ac:spMkLst>
+        </pc:spChg>
+        <pc:spChg chg="add del mod">
+          <ac:chgData name="John Reynolds" userId="2858f4c311c921ca" providerId="LiveId" clId="{FD96EE3B-3C13-43D1-BA8A-6725B7270236}" dt="2023-04-21T12:11:01.427" v="3783"/>
+          <ac:spMkLst>
+            <pc:docMk/>
+            <pc:sldMk cId="2875600140" sldId="279"/>
+            <ac:spMk id="29" creationId="{581B1A0C-B2A2-6130-795F-59B5A6482F60}"/>
+          </ac:spMkLst>
+        </pc:spChg>
+        <pc:spChg chg="add mod">
+          <ac:chgData name="John Reynolds" userId="2858f4c311c921ca" providerId="LiveId" clId="{FD96EE3B-3C13-43D1-BA8A-6725B7270236}" dt="2023-04-21T12:23:55.941" v="4298" actId="1035"/>
+          <ac:spMkLst>
+            <pc:docMk/>
+            <pc:sldMk cId="2875600140" sldId="279"/>
+            <ac:spMk id="31" creationId="{1B2460AA-06DF-0AFD-0BC7-7ADCDC3B07A2}"/>
+          </ac:spMkLst>
+        </pc:spChg>
+        <pc:spChg chg="add mod">
+          <ac:chgData name="John Reynolds" userId="2858f4c311c921ca" providerId="LiveId" clId="{FD96EE3B-3C13-43D1-BA8A-6725B7270236}" dt="2023-04-21T12:40:43.510" v="4301" actId="14100"/>
+          <ac:spMkLst>
+            <pc:docMk/>
+            <pc:sldMk cId="2875600140" sldId="279"/>
+            <ac:spMk id="32" creationId="{9AF22635-8B84-1A97-5FBB-952243903C13}"/>
+          </ac:spMkLst>
+        </pc:spChg>
+        <pc:picChg chg="add del mod">
+          <ac:chgData name="John Reynolds" userId="2858f4c311c921ca" providerId="LiveId" clId="{FD96EE3B-3C13-43D1-BA8A-6725B7270236}" dt="2023-04-21T12:09:22.620" v="3762"/>
+          <ac:picMkLst>
+            <pc:docMk/>
+            <pc:sldMk cId="2875600140" sldId="279"/>
+            <ac:picMk id="9" creationId="{938DF238-F7C8-4C71-BA7E-0D6B5F0DEDA2}"/>
+          </ac:picMkLst>
+        </pc:picChg>
+        <pc:picChg chg="add del mod">
+          <ac:chgData name="John Reynolds" userId="2858f4c311c921ca" providerId="LiveId" clId="{FD96EE3B-3C13-43D1-BA8A-6725B7270236}" dt="2023-04-21T12:09:43.363" v="3771"/>
+          <ac:picMkLst>
+            <pc:docMk/>
+            <pc:sldMk cId="2875600140" sldId="279"/>
+            <ac:picMk id="14" creationId="{9E083990-5E17-381C-782B-681A91BBAF8F}"/>
+          </ac:picMkLst>
+        </pc:picChg>
+        <pc:picChg chg="add del mod">
+          <ac:chgData name="John Reynolds" userId="2858f4c311c921ca" providerId="LiveId" clId="{FD96EE3B-3C13-43D1-BA8A-6725B7270236}" dt="2023-04-21T12:10:26.895" v="3777"/>
+          <ac:picMkLst>
+            <pc:docMk/>
+            <pc:sldMk cId="2875600140" sldId="279"/>
+            <ac:picMk id="19" creationId="{18E5FA24-FE34-2CC6-99AB-A7F494B9F8F5}"/>
+          </ac:picMkLst>
+        </pc:picChg>
+        <pc:picChg chg="add del mod">
+          <ac:chgData name="John Reynolds" userId="2858f4c311c921ca" providerId="LiveId" clId="{FD96EE3B-3C13-43D1-BA8A-6725B7270236}" dt="2023-04-21T12:10:59.280" v="3781"/>
+          <ac:picMkLst>
+            <pc:docMk/>
+            <pc:sldMk cId="2875600140" sldId="279"/>
+            <ac:picMk id="25" creationId="{7800C83B-C51C-89DF-894F-76287F33FEF0}"/>
+          </ac:picMkLst>
+        </pc:picChg>
+        <pc:picChg chg="add del mod">
+          <ac:chgData name="John Reynolds" userId="2858f4c311c921ca" providerId="LiveId" clId="{FD96EE3B-3C13-43D1-BA8A-6725B7270236}" dt="2023-04-21T12:11:01.427" v="3783"/>
+          <ac:picMkLst>
+            <pc:docMk/>
+            <pc:sldMk cId="2875600140" sldId="279"/>
+            <ac:picMk id="30" creationId="{E857C30D-0197-C811-0538-A18EC7601A71}"/>
+          </ac:picMkLst>
+        </pc:picChg>
+        <pc:picChg chg="add mod">
+          <ac:chgData name="John Reynolds" userId="2858f4c311c921ca" providerId="LiveId" clId="{FD96EE3B-3C13-43D1-BA8A-6725B7270236}" dt="2023-04-21T12:21:44.433" v="4277" actId="1038"/>
+          <ac:picMkLst>
+            <pc:docMk/>
+            <pc:sldMk cId="2875600140" sldId="279"/>
+            <ac:picMk id="33" creationId="{16FD20E6-7902-E0BB-0F00-107456CDB827}"/>
+          </ac:picMkLst>
+        </pc:picChg>
+      </pc:sldChg>
       <pc:sldChg chg="del">
         <pc:chgData name="John Reynolds" userId="2858f4c311c921ca" providerId="LiveId" clId="{FD96EE3B-3C13-43D1-BA8A-6725B7270236}" dt="2023-04-16T20:18:41.421" v="0" actId="47"/>
         <pc:sldMkLst>
           <pc:docMk/>
           <pc:sldMk cId="3962736764" sldId="279"/>
         </pc:sldMkLst>
+      </pc:sldChg>
+      <pc:sldChg chg="addSp delSp modSp add mod">
+        <pc:chgData name="John Reynolds" userId="2858f4c311c921ca" providerId="LiveId" clId="{FD96EE3B-3C13-43D1-BA8A-6725B7270236}" dt="2023-04-21T12:12:25.848" v="3885" actId="1037"/>
+        <pc:sldMkLst>
+          <pc:docMk/>
+          <pc:sldMk cId="2761724064" sldId="280"/>
+        </pc:sldMkLst>
+        <pc:spChg chg="add del mod">
+          <ac:chgData name="John Reynolds" userId="2858f4c311c921ca" providerId="LiveId" clId="{FD96EE3B-3C13-43D1-BA8A-6725B7270236}" dt="2023-04-21T12:12:19.058" v="3863" actId="478"/>
+          <ac:spMkLst>
+            <pc:docMk/>
+            <pc:sldMk cId="2761724064" sldId="280"/>
+            <ac:spMk id="3" creationId="{40E8E27C-01BD-BCCE-A730-15644F92A0D4}"/>
+          </ac:spMkLst>
+        </pc:spChg>
+        <pc:spChg chg="add mod">
+          <ac:chgData name="John Reynolds" userId="2858f4c311c921ca" providerId="LiveId" clId="{FD96EE3B-3C13-43D1-BA8A-6725B7270236}" dt="2023-04-21T12:12:25.848" v="3885" actId="1037"/>
+          <ac:spMkLst>
+            <pc:docMk/>
+            <pc:sldMk cId="2761724064" sldId="280"/>
+            <ac:spMk id="4" creationId="{A973B429-07E2-01A6-E7A4-5B2F10DD694F}"/>
+          </ac:spMkLst>
+        </pc:spChg>
+        <pc:spChg chg="add mod">
+          <ac:chgData name="John Reynolds" userId="2858f4c311c921ca" providerId="LiveId" clId="{FD96EE3B-3C13-43D1-BA8A-6725B7270236}" dt="2023-04-21T12:12:25.848" v="3885" actId="1037"/>
+          <ac:spMkLst>
+            <pc:docMk/>
+            <pc:sldMk cId="2761724064" sldId="280"/>
+            <ac:spMk id="5" creationId="{FF9150DF-A432-8323-4D96-5C49E3F63381}"/>
+          </ac:spMkLst>
+        </pc:spChg>
+        <pc:spChg chg="del">
+          <ac:chgData name="John Reynolds" userId="2858f4c311c921ca" providerId="LiveId" clId="{FD96EE3B-3C13-43D1-BA8A-6725B7270236}" dt="2023-04-21T12:12:16.836" v="3862" actId="478"/>
+          <ac:spMkLst>
+            <pc:docMk/>
+            <pc:sldMk cId="2761724064" sldId="280"/>
+            <ac:spMk id="31" creationId="{1B2460AA-06DF-0AFD-0BC7-7ADCDC3B07A2}"/>
+          </ac:spMkLst>
+        </pc:spChg>
+        <pc:spChg chg="del">
+          <ac:chgData name="John Reynolds" userId="2858f4c311c921ca" providerId="LiveId" clId="{FD96EE3B-3C13-43D1-BA8A-6725B7270236}" dt="2023-04-21T12:12:16.836" v="3862" actId="478"/>
+          <ac:spMkLst>
+            <pc:docMk/>
+            <pc:sldMk cId="2761724064" sldId="280"/>
+            <ac:spMk id="32" creationId="{9AF22635-8B84-1A97-5FBB-952243903C13}"/>
+          </ac:spMkLst>
+        </pc:spChg>
+        <pc:picChg chg="del">
+          <ac:chgData name="John Reynolds" userId="2858f4c311c921ca" providerId="LiveId" clId="{FD96EE3B-3C13-43D1-BA8A-6725B7270236}" dt="2023-04-21T12:12:16.836" v="3862" actId="478"/>
+          <ac:picMkLst>
+            <pc:docMk/>
+            <pc:sldMk cId="2761724064" sldId="280"/>
+            <ac:picMk id="33" creationId="{16FD20E6-7902-E0BB-0F00-107456CDB827}"/>
+          </ac:picMkLst>
+        </pc:picChg>
       </pc:sldChg>
       <pc:sldChg chg="del">
         <pc:chgData name="John Reynolds" userId="2858f4c311c921ca" providerId="LiveId" clId="{FD96EE3B-3C13-43D1-BA8A-6725B7270236}" dt="2023-04-16T20:18:41.421" v="0" actId="47"/>
@@ -601,6 +1068,692 @@
           <pc:docMk/>
           <pc:sldMk cId="1310404061" sldId="281"/>
         </pc:sldMkLst>
+      </pc:sldChg>
+      <pc:sldChg chg="addSp delSp modSp add mod">
+        <pc:chgData name="John Reynolds" userId="2858f4c311c921ca" providerId="LiveId" clId="{FD96EE3B-3C13-43D1-BA8A-6725B7270236}" dt="2023-04-21T12:19:32.650" v="4126" actId="1037"/>
+        <pc:sldMkLst>
+          <pc:docMk/>
+          <pc:sldMk cId="2912860317" sldId="281"/>
+        </pc:sldMkLst>
+        <pc:spChg chg="del">
+          <ac:chgData name="John Reynolds" userId="2858f4c311c921ca" providerId="LiveId" clId="{FD96EE3B-3C13-43D1-BA8A-6725B7270236}" dt="2023-04-21T12:12:47.169" v="3890" actId="478"/>
+          <ac:spMkLst>
+            <pc:docMk/>
+            <pc:sldMk cId="2912860317" sldId="281"/>
+            <ac:spMk id="3" creationId="{24EC3D39-AF9A-CD00-4D45-AA3BDEAECA03}"/>
+          </ac:spMkLst>
+        </pc:spChg>
+        <pc:spChg chg="add del mod">
+          <ac:chgData name="John Reynolds" userId="2858f4c311c921ca" providerId="LiveId" clId="{FD96EE3B-3C13-43D1-BA8A-6725B7270236}" dt="2023-04-21T12:12:46.078" v="3889" actId="478"/>
+          <ac:spMkLst>
+            <pc:docMk/>
+            <pc:sldMk cId="2912860317" sldId="281"/>
+            <ac:spMk id="4" creationId="{CD802692-D338-7A5B-3496-A919FBD49A60}"/>
+          </ac:spMkLst>
+        </pc:spChg>
+        <pc:spChg chg="add mod">
+          <ac:chgData name="John Reynolds" userId="2858f4c311c921ca" providerId="LiveId" clId="{FD96EE3B-3C13-43D1-BA8A-6725B7270236}" dt="2023-04-21T12:19:32.650" v="4126" actId="1037"/>
+          <ac:spMkLst>
+            <pc:docMk/>
+            <pc:sldMk cId="2912860317" sldId="281"/>
+            <ac:spMk id="5" creationId="{EA5D001C-3D1D-C409-C8BD-CD74E5D89C8E}"/>
+          </ac:spMkLst>
+        </pc:spChg>
+        <pc:spChg chg="add mod">
+          <ac:chgData name="John Reynolds" userId="2858f4c311c921ca" providerId="LiveId" clId="{FD96EE3B-3C13-43D1-BA8A-6725B7270236}" dt="2023-04-21T12:19:32.650" v="4126" actId="1037"/>
+          <ac:spMkLst>
+            <pc:docMk/>
+            <pc:sldMk cId="2912860317" sldId="281"/>
+            <ac:spMk id="6" creationId="{2E72F1F0-2D43-90A8-B070-5ADE24C8D7E7}"/>
+          </ac:spMkLst>
+        </pc:spChg>
+        <pc:spChg chg="add del">
+          <ac:chgData name="John Reynolds" userId="2858f4c311c921ca" providerId="LiveId" clId="{FD96EE3B-3C13-43D1-BA8A-6725B7270236}" dt="2023-04-21T12:19:13.201" v="4104" actId="26606"/>
+          <ac:spMkLst>
+            <pc:docMk/>
+            <pc:sldMk cId="2912860317" sldId="281"/>
+            <ac:spMk id="13" creationId="{AAAE94E3-A7DB-4868-B1E3-E49703488BBC}"/>
+          </ac:spMkLst>
+        </pc:spChg>
+        <pc:spChg chg="add del">
+          <ac:chgData name="John Reynolds" userId="2858f4c311c921ca" providerId="LiveId" clId="{FD96EE3B-3C13-43D1-BA8A-6725B7270236}" dt="2023-04-21T12:19:13.201" v="4104" actId="26606"/>
+          <ac:spMkLst>
+            <pc:docMk/>
+            <pc:sldMk cId="2912860317" sldId="281"/>
+            <ac:spMk id="19" creationId="{3873B707-463F-40B0-8227-E8CC6C67EB25}"/>
+          </ac:spMkLst>
+        </pc:spChg>
+        <pc:spChg chg="add del">
+          <ac:chgData name="John Reynolds" userId="2858f4c311c921ca" providerId="LiveId" clId="{FD96EE3B-3C13-43D1-BA8A-6725B7270236}" dt="2023-04-21T12:19:13.201" v="4104" actId="26606"/>
+          <ac:spMkLst>
+            <pc:docMk/>
+            <pc:sldMk cId="2912860317" sldId="281"/>
+            <ac:spMk id="21" creationId="{C13237C8-E62C-4F0D-A318-BD6FB6C2D138}"/>
+          </ac:spMkLst>
+        </pc:spChg>
+        <pc:spChg chg="add del">
+          <ac:chgData name="John Reynolds" userId="2858f4c311c921ca" providerId="LiveId" clId="{FD96EE3B-3C13-43D1-BA8A-6725B7270236}" dt="2023-04-21T12:19:13.201" v="4104" actId="26606"/>
+          <ac:spMkLst>
+            <pc:docMk/>
+            <pc:sldMk cId="2912860317" sldId="281"/>
+            <ac:spMk id="23" creationId="{19C9EAEA-39D0-4B0E-A0EB-51E7B26740B1}"/>
+          </ac:spMkLst>
+        </pc:spChg>
+        <pc:spChg chg="add del">
+          <ac:chgData name="John Reynolds" userId="2858f4c311c921ca" providerId="LiveId" clId="{FD96EE3B-3C13-43D1-BA8A-6725B7270236}" dt="2023-04-21T12:19:13.201" v="4104" actId="26606"/>
+          <ac:spMkLst>
+            <pc:docMk/>
+            <pc:sldMk cId="2912860317" sldId="281"/>
+            <ac:spMk id="25" creationId="{8CB5D2D7-DF65-4E86-BFBA-FFB9B5ACEB64}"/>
+          </ac:spMkLst>
+        </pc:spChg>
+        <pc:spChg chg="del">
+          <ac:chgData name="John Reynolds" userId="2858f4c311c921ca" providerId="LiveId" clId="{FD96EE3B-3C13-43D1-BA8A-6725B7270236}" dt="2023-04-21T12:12:43.245" v="3888" actId="478"/>
+          <ac:spMkLst>
+            <pc:docMk/>
+            <pc:sldMk cId="2912860317" sldId="281"/>
+            <ac:spMk id="26" creationId="{27ED0F80-138B-4A4E-B34B-8C68CC474DC4}"/>
+          </ac:spMkLst>
+        </pc:spChg>
+        <pc:grpChg chg="add del">
+          <ac:chgData name="John Reynolds" userId="2858f4c311c921ca" providerId="LiveId" clId="{FD96EE3B-3C13-43D1-BA8A-6725B7270236}" dt="2023-04-21T12:19:13.201" v="4104" actId="26606"/>
+          <ac:grpSpMkLst>
+            <pc:docMk/>
+            <pc:sldMk cId="2912860317" sldId="281"/>
+            <ac:grpSpMk id="15" creationId="{1DE889C7-FAD6-4397-98E2-05D503484459}"/>
+          </ac:grpSpMkLst>
+        </pc:grpChg>
+        <pc:picChg chg="add mod ord">
+          <ac:chgData name="John Reynolds" userId="2858f4c311c921ca" providerId="LiveId" clId="{FD96EE3B-3C13-43D1-BA8A-6725B7270236}" dt="2023-04-21T12:19:32.650" v="4126" actId="1037"/>
+          <ac:picMkLst>
+            <pc:docMk/>
+            <pc:sldMk cId="2912860317" sldId="281"/>
+            <ac:picMk id="7" creationId="{7313649D-5190-6D5E-1C5F-4F3501DB8FC8}"/>
+          </ac:picMkLst>
+        </pc:picChg>
+        <pc:picChg chg="add mod">
+          <ac:chgData name="John Reynolds" userId="2858f4c311c921ca" providerId="LiveId" clId="{FD96EE3B-3C13-43D1-BA8A-6725B7270236}" dt="2023-04-21T12:19:32.650" v="4126" actId="1037"/>
+          <ac:picMkLst>
+            <pc:docMk/>
+            <pc:sldMk cId="2912860317" sldId="281"/>
+            <ac:picMk id="8" creationId="{1B0DF855-38B4-B535-FE12-FF596885CEA9}"/>
+          </ac:picMkLst>
+        </pc:picChg>
+      </pc:sldChg>
+      <pc:sldChg chg="add del">
+        <pc:chgData name="John Reynolds" userId="2858f4c311c921ca" providerId="LiveId" clId="{FD96EE3B-3C13-43D1-BA8A-6725B7270236}" dt="2023-04-21T12:21:26.731" v="4211" actId="47"/>
+        <pc:sldMkLst>
+          <pc:docMk/>
+          <pc:sldMk cId="644735969" sldId="282"/>
+        </pc:sldMkLst>
+      </pc:sldChg>
+      <pc:sldChg chg="addSp delSp modSp add ord">
+        <pc:chgData name="John Reynolds" userId="2858f4c311c921ca" providerId="LiveId" clId="{FD96EE3B-3C13-43D1-BA8A-6725B7270236}" dt="2023-04-21T12:18:46.666" v="4098"/>
+        <pc:sldMkLst>
+          <pc:docMk/>
+          <pc:sldMk cId="778179245" sldId="283"/>
+        </pc:sldMkLst>
+        <pc:spChg chg="add del mod">
+          <ac:chgData name="John Reynolds" userId="2858f4c311c921ca" providerId="LiveId" clId="{FD96EE3B-3C13-43D1-BA8A-6725B7270236}" dt="2023-04-21T12:18:15.584" v="4090"/>
+          <ac:spMkLst>
+            <pc:docMk/>
+            <pc:sldMk cId="778179245" sldId="283"/>
+            <ac:spMk id="2" creationId="{653E7314-C71C-5D2F-DDBC-FDF8E93046BF}"/>
+          </ac:spMkLst>
+        </pc:spChg>
+        <pc:spChg chg="add del mod">
+          <ac:chgData name="John Reynolds" userId="2858f4c311c921ca" providerId="LiveId" clId="{FD96EE3B-3C13-43D1-BA8A-6725B7270236}" dt="2023-04-21T12:18:15.584" v="4090"/>
+          <ac:spMkLst>
+            <pc:docMk/>
+            <pc:sldMk cId="778179245" sldId="283"/>
+            <ac:spMk id="3" creationId="{D8246091-67DA-0F34-BC5C-13023FEDEFF7}"/>
+          </ac:spMkLst>
+        </pc:spChg>
+        <pc:spChg chg="add del mod">
+          <ac:chgData name="John Reynolds" userId="2858f4c311c921ca" providerId="LiveId" clId="{FD96EE3B-3C13-43D1-BA8A-6725B7270236}" dt="2023-04-21T12:18:15.584" v="4090"/>
+          <ac:spMkLst>
+            <pc:docMk/>
+            <pc:sldMk cId="778179245" sldId="283"/>
+            <ac:spMk id="5" creationId="{DBF9AF55-7D79-3E80-D238-3816AC38AC1F}"/>
+          </ac:spMkLst>
+        </pc:spChg>
+        <pc:spChg chg="add del mod">
+          <ac:chgData name="John Reynolds" userId="2858f4c311c921ca" providerId="LiveId" clId="{FD96EE3B-3C13-43D1-BA8A-6725B7270236}" dt="2023-04-21T12:18:15.584" v="4090"/>
+          <ac:spMkLst>
+            <pc:docMk/>
+            <pc:sldMk cId="778179245" sldId="283"/>
+            <ac:spMk id="7" creationId="{3D6A0ED8-E8F2-4DE0-1E7B-F088B1ABE61B}"/>
+          </ac:spMkLst>
+        </pc:spChg>
+        <pc:spChg chg="add del mod">
+          <ac:chgData name="John Reynolds" userId="2858f4c311c921ca" providerId="LiveId" clId="{FD96EE3B-3C13-43D1-BA8A-6725B7270236}" dt="2023-04-21T12:18:15.584" v="4090"/>
+          <ac:spMkLst>
+            <pc:docMk/>
+            <pc:sldMk cId="778179245" sldId="283"/>
+            <ac:spMk id="8" creationId="{A12311C7-2AA9-50DF-5F37-EDC1D4724C72}"/>
+          </ac:spMkLst>
+        </pc:spChg>
+        <pc:spChg chg="add del mod">
+          <ac:chgData name="John Reynolds" userId="2858f4c311c921ca" providerId="LiveId" clId="{FD96EE3B-3C13-43D1-BA8A-6725B7270236}" dt="2023-04-21T12:18:15.584" v="4090"/>
+          <ac:spMkLst>
+            <pc:docMk/>
+            <pc:sldMk cId="778179245" sldId="283"/>
+            <ac:spMk id="9" creationId="{573A0A2F-944D-E43A-37CB-365B43FE0D5A}"/>
+          </ac:spMkLst>
+        </pc:spChg>
+        <pc:spChg chg="add del mod">
+          <ac:chgData name="John Reynolds" userId="2858f4c311c921ca" providerId="LiveId" clId="{FD96EE3B-3C13-43D1-BA8A-6725B7270236}" dt="2023-04-21T12:18:18.902" v="4092"/>
+          <ac:spMkLst>
+            <pc:docMk/>
+            <pc:sldMk cId="778179245" sldId="283"/>
+            <ac:spMk id="11" creationId="{E7DC3AF5-84A0-DED1-517F-EBB2B14C0B5B}"/>
+          </ac:spMkLst>
+        </pc:spChg>
+        <pc:spChg chg="add del mod">
+          <ac:chgData name="John Reynolds" userId="2858f4c311c921ca" providerId="LiveId" clId="{FD96EE3B-3C13-43D1-BA8A-6725B7270236}" dt="2023-04-21T12:18:18.902" v="4092"/>
+          <ac:spMkLst>
+            <pc:docMk/>
+            <pc:sldMk cId="778179245" sldId="283"/>
+            <ac:spMk id="12" creationId="{CA8D1FED-F032-9FD7-BDA6-996F525DDA9C}"/>
+          </ac:spMkLst>
+        </pc:spChg>
+        <pc:spChg chg="add del mod">
+          <ac:chgData name="John Reynolds" userId="2858f4c311c921ca" providerId="LiveId" clId="{FD96EE3B-3C13-43D1-BA8A-6725B7270236}" dt="2023-04-21T12:18:18.902" v="4092"/>
+          <ac:spMkLst>
+            <pc:docMk/>
+            <pc:sldMk cId="778179245" sldId="283"/>
+            <ac:spMk id="14" creationId="{6E135700-4741-E0E4-B052-764DF0F0A8E7}"/>
+          </ac:spMkLst>
+        </pc:spChg>
+        <pc:spChg chg="add del mod">
+          <ac:chgData name="John Reynolds" userId="2858f4c311c921ca" providerId="LiveId" clId="{FD96EE3B-3C13-43D1-BA8A-6725B7270236}" dt="2023-04-21T12:18:18.902" v="4092"/>
+          <ac:spMkLst>
+            <pc:docMk/>
+            <pc:sldMk cId="778179245" sldId="283"/>
+            <ac:spMk id="16" creationId="{442CE666-053A-BF93-A008-A0E7CB42B76B}"/>
+          </ac:spMkLst>
+        </pc:spChg>
+        <pc:spChg chg="add del mod">
+          <ac:chgData name="John Reynolds" userId="2858f4c311c921ca" providerId="LiveId" clId="{FD96EE3B-3C13-43D1-BA8A-6725B7270236}" dt="2023-04-21T12:18:18.902" v="4092"/>
+          <ac:spMkLst>
+            <pc:docMk/>
+            <pc:sldMk cId="778179245" sldId="283"/>
+            <ac:spMk id="17" creationId="{2F137475-F15A-C279-BB26-F599F50404EA}"/>
+          </ac:spMkLst>
+        </pc:spChg>
+        <pc:spChg chg="add del mod">
+          <ac:chgData name="John Reynolds" userId="2858f4c311c921ca" providerId="LiveId" clId="{FD96EE3B-3C13-43D1-BA8A-6725B7270236}" dt="2023-04-21T12:18:18.902" v="4092"/>
+          <ac:spMkLst>
+            <pc:docMk/>
+            <pc:sldMk cId="778179245" sldId="283"/>
+            <ac:spMk id="18" creationId="{D9E33730-70A7-B8A4-4CAC-A30562926E20}"/>
+          </ac:spMkLst>
+        </pc:spChg>
+        <pc:spChg chg="add mod">
+          <ac:chgData name="John Reynolds" userId="2858f4c311c921ca" providerId="LiveId" clId="{FD96EE3B-3C13-43D1-BA8A-6725B7270236}" dt="2023-04-21T12:18:38.351" v="4095"/>
+          <ac:spMkLst>
+            <pc:docMk/>
+            <pc:sldMk cId="778179245" sldId="283"/>
+            <ac:spMk id="20" creationId="{3AD00AD5-2A5F-8CFB-59DB-4E67594191BD}"/>
+          </ac:spMkLst>
+        </pc:spChg>
+        <pc:spChg chg="add mod">
+          <ac:chgData name="John Reynolds" userId="2858f4c311c921ca" providerId="LiveId" clId="{FD96EE3B-3C13-43D1-BA8A-6725B7270236}" dt="2023-04-21T12:18:38.351" v="4095"/>
+          <ac:spMkLst>
+            <pc:docMk/>
+            <pc:sldMk cId="778179245" sldId="283"/>
+            <ac:spMk id="22" creationId="{1ADBFBC1-E67D-DC06-7C42-6D0BCD112B27}"/>
+          </ac:spMkLst>
+        </pc:spChg>
+        <pc:spChg chg="add mod">
+          <ac:chgData name="John Reynolds" userId="2858f4c311c921ca" providerId="LiveId" clId="{FD96EE3B-3C13-43D1-BA8A-6725B7270236}" dt="2023-04-21T12:18:38.351" v="4095"/>
+          <ac:spMkLst>
+            <pc:docMk/>
+            <pc:sldMk cId="778179245" sldId="283"/>
+            <ac:spMk id="24" creationId="{CE9F1DC6-C960-E5DA-5AC0-8335D07B3800}"/>
+          </ac:spMkLst>
+        </pc:spChg>
+        <pc:spChg chg="add mod">
+          <ac:chgData name="John Reynolds" userId="2858f4c311c921ca" providerId="LiveId" clId="{FD96EE3B-3C13-43D1-BA8A-6725B7270236}" dt="2023-04-21T12:18:38.351" v="4095"/>
+          <ac:spMkLst>
+            <pc:docMk/>
+            <pc:sldMk cId="778179245" sldId="283"/>
+            <ac:spMk id="25" creationId="{8F202EFD-0B01-CA55-2086-954AFA33A196}"/>
+          </ac:spMkLst>
+        </pc:spChg>
+        <pc:spChg chg="add mod">
+          <ac:chgData name="John Reynolds" userId="2858f4c311c921ca" providerId="LiveId" clId="{FD96EE3B-3C13-43D1-BA8A-6725B7270236}" dt="2023-04-21T12:18:38.351" v="4095"/>
+          <ac:spMkLst>
+            <pc:docMk/>
+            <pc:sldMk cId="778179245" sldId="283"/>
+            <ac:spMk id="26" creationId="{D0CCE131-232F-147D-5016-4D60E5717052}"/>
+          </ac:spMkLst>
+        </pc:spChg>
+        <pc:picChg chg="add del mod">
+          <ac:chgData name="John Reynolds" userId="2858f4c311c921ca" providerId="LiveId" clId="{FD96EE3B-3C13-43D1-BA8A-6725B7270236}" dt="2023-04-21T12:18:15.584" v="4090"/>
+          <ac:picMkLst>
+            <pc:docMk/>
+            <pc:sldMk cId="778179245" sldId="283"/>
+            <ac:picMk id="4" creationId="{384D3E29-F0FD-C959-4331-7E68FCB382AB}"/>
+          </ac:picMkLst>
+        </pc:picChg>
+        <pc:picChg chg="add del mod">
+          <ac:chgData name="John Reynolds" userId="2858f4c311c921ca" providerId="LiveId" clId="{FD96EE3B-3C13-43D1-BA8A-6725B7270236}" dt="2023-04-21T12:18:15.584" v="4090"/>
+          <ac:picMkLst>
+            <pc:docMk/>
+            <pc:sldMk cId="778179245" sldId="283"/>
+            <ac:picMk id="6" creationId="{EE18D30B-A85A-E55F-5CBC-1D1FBE45059E}"/>
+          </ac:picMkLst>
+        </pc:picChg>
+        <pc:picChg chg="add del mod">
+          <ac:chgData name="John Reynolds" userId="2858f4c311c921ca" providerId="LiveId" clId="{FD96EE3B-3C13-43D1-BA8A-6725B7270236}" dt="2023-04-21T12:18:15.584" v="4090"/>
+          <ac:picMkLst>
+            <pc:docMk/>
+            <pc:sldMk cId="778179245" sldId="283"/>
+            <ac:picMk id="10" creationId="{DD2BB17A-7897-F489-60AB-3B5AE581FFAC}"/>
+          </ac:picMkLst>
+        </pc:picChg>
+        <pc:picChg chg="add del mod">
+          <ac:chgData name="John Reynolds" userId="2858f4c311c921ca" providerId="LiveId" clId="{FD96EE3B-3C13-43D1-BA8A-6725B7270236}" dt="2023-04-21T12:18:18.902" v="4092"/>
+          <ac:picMkLst>
+            <pc:docMk/>
+            <pc:sldMk cId="778179245" sldId="283"/>
+            <ac:picMk id="13" creationId="{CEE9BF25-7148-4C00-28DF-8F880A7E448B}"/>
+          </ac:picMkLst>
+        </pc:picChg>
+        <pc:picChg chg="add del mod">
+          <ac:chgData name="John Reynolds" userId="2858f4c311c921ca" providerId="LiveId" clId="{FD96EE3B-3C13-43D1-BA8A-6725B7270236}" dt="2023-04-21T12:18:18.902" v="4092"/>
+          <ac:picMkLst>
+            <pc:docMk/>
+            <pc:sldMk cId="778179245" sldId="283"/>
+            <ac:picMk id="15" creationId="{80B9B8A9-62E6-3CB5-A450-15EE3DC3C064}"/>
+          </ac:picMkLst>
+        </pc:picChg>
+        <pc:picChg chg="add del mod">
+          <ac:chgData name="John Reynolds" userId="2858f4c311c921ca" providerId="LiveId" clId="{FD96EE3B-3C13-43D1-BA8A-6725B7270236}" dt="2023-04-21T12:18:18.902" v="4092"/>
+          <ac:picMkLst>
+            <pc:docMk/>
+            <pc:sldMk cId="778179245" sldId="283"/>
+            <ac:picMk id="19" creationId="{00A6DAFF-60D3-944F-C4A4-0F49262D0291}"/>
+          </ac:picMkLst>
+        </pc:picChg>
+        <pc:picChg chg="add mod">
+          <ac:chgData name="John Reynolds" userId="2858f4c311c921ca" providerId="LiveId" clId="{FD96EE3B-3C13-43D1-BA8A-6725B7270236}" dt="2023-04-21T12:18:38.351" v="4095"/>
+          <ac:picMkLst>
+            <pc:docMk/>
+            <pc:sldMk cId="778179245" sldId="283"/>
+            <ac:picMk id="21" creationId="{06D638C0-E988-1B33-E3F9-F86E10D9F5A4}"/>
+          </ac:picMkLst>
+        </pc:picChg>
+        <pc:picChg chg="add mod">
+          <ac:chgData name="John Reynolds" userId="2858f4c311c921ca" providerId="LiveId" clId="{FD96EE3B-3C13-43D1-BA8A-6725B7270236}" dt="2023-04-21T12:18:38.351" v="4095"/>
+          <ac:picMkLst>
+            <pc:docMk/>
+            <pc:sldMk cId="778179245" sldId="283"/>
+            <ac:picMk id="23" creationId="{D03075C9-1391-7455-8B4A-13048D6CE258}"/>
+          </ac:picMkLst>
+        </pc:picChg>
+        <pc:picChg chg="add mod">
+          <ac:chgData name="John Reynolds" userId="2858f4c311c921ca" providerId="LiveId" clId="{FD96EE3B-3C13-43D1-BA8A-6725B7270236}" dt="2023-04-21T12:18:38.351" v="4095"/>
+          <ac:picMkLst>
+            <pc:docMk/>
+            <pc:sldMk cId="778179245" sldId="283"/>
+            <ac:picMk id="27" creationId="{58E30080-E9DF-2161-F910-7C5FCC8228AA}"/>
+          </ac:picMkLst>
+        </pc:picChg>
+      </pc:sldChg>
+      <pc:sldChg chg="addSp modSp add mod ord replId">
+        <pc:chgData name="John Reynolds" userId="2858f4c311c921ca" providerId="LiveId" clId="{FD96EE3B-3C13-43D1-BA8A-6725B7270236}" dt="2023-04-21T12:18:00.326" v="4088"/>
+        <pc:sldMkLst>
+          <pc:docMk/>
+          <pc:sldMk cId="578221060" sldId="284"/>
+        </pc:sldMkLst>
+        <pc:spChg chg="add mod">
+          <ac:chgData name="John Reynolds" userId="2858f4c311c921ca" providerId="LiveId" clId="{FD96EE3B-3C13-43D1-BA8A-6725B7270236}" dt="2023-04-21T12:17:25.588" v="4032"/>
+          <ac:spMkLst>
+            <pc:docMk/>
+            <pc:sldMk cId="578221060" sldId="284"/>
+            <ac:spMk id="2" creationId="{23797068-7A20-F32D-9416-868C3C2B1BBC}"/>
+          </ac:spMkLst>
+        </pc:spChg>
+        <pc:spChg chg="add mod">
+          <ac:chgData name="John Reynolds" userId="2858f4c311c921ca" providerId="LiveId" clId="{FD96EE3B-3C13-43D1-BA8A-6725B7270236}" dt="2023-04-21T12:17:25.588" v="4032"/>
+          <ac:spMkLst>
+            <pc:docMk/>
+            <pc:sldMk cId="578221060" sldId="284"/>
+            <ac:spMk id="4" creationId="{F18A42C8-D7A7-E567-4508-164677BEA752}"/>
+          </ac:spMkLst>
+        </pc:spChg>
+        <pc:picChg chg="add mod">
+          <ac:chgData name="John Reynolds" userId="2858f4c311c921ca" providerId="LiveId" clId="{FD96EE3B-3C13-43D1-BA8A-6725B7270236}" dt="2023-04-21T12:17:48.891" v="4085" actId="1035"/>
+          <ac:picMkLst>
+            <pc:docMk/>
+            <pc:sldMk cId="578221060" sldId="284"/>
+            <ac:picMk id="3" creationId="{E3A0556B-06B8-90EC-D1E8-CE5322EBABF0}"/>
+          </ac:picMkLst>
+        </pc:picChg>
+        <pc:picChg chg="add mod">
+          <ac:chgData name="John Reynolds" userId="2858f4c311c921ca" providerId="LiveId" clId="{FD96EE3B-3C13-43D1-BA8A-6725B7270236}" dt="2023-04-21T12:17:39.981" v="4064" actId="1036"/>
+          <ac:picMkLst>
+            <pc:docMk/>
+            <pc:sldMk cId="578221060" sldId="284"/>
+            <ac:picMk id="5" creationId="{5F585B27-EEF3-2E92-8A6F-57F381D01B75}"/>
+          </ac:picMkLst>
+        </pc:picChg>
+      </pc:sldChg>
+      <pc:sldChg chg="addSp modSp add mod ord">
+        <pc:chgData name="John Reynolds" userId="2858f4c311c921ca" providerId="LiveId" clId="{FD96EE3B-3C13-43D1-BA8A-6725B7270236}" dt="2023-04-21T12:17:15.072" v="4031"/>
+        <pc:sldMkLst>
+          <pc:docMk/>
+          <pc:sldMk cId="4186582154" sldId="285"/>
+        </pc:sldMkLst>
+        <pc:spChg chg="add mod">
+          <ac:chgData name="John Reynolds" userId="2858f4c311c921ca" providerId="LiveId" clId="{FD96EE3B-3C13-43D1-BA8A-6725B7270236}" dt="2023-04-21T12:16:53.823" v="4024" actId="14100"/>
+          <ac:spMkLst>
+            <pc:docMk/>
+            <pc:sldMk cId="4186582154" sldId="285"/>
+            <ac:spMk id="2" creationId="{F93D84B4-C992-B090-208C-4021F1EFB053}"/>
+          </ac:spMkLst>
+        </pc:spChg>
+        <pc:spChg chg="add mod">
+          <ac:chgData name="John Reynolds" userId="2858f4c311c921ca" providerId="LiveId" clId="{FD96EE3B-3C13-43D1-BA8A-6725B7270236}" dt="2023-04-21T12:16:53.823" v="4024" actId="14100"/>
+          <ac:spMkLst>
+            <pc:docMk/>
+            <pc:sldMk cId="4186582154" sldId="285"/>
+            <ac:spMk id="3" creationId="{EC88592C-5EBF-079D-BD42-4604D3481D4C}"/>
+          </ac:spMkLst>
+        </pc:spChg>
+        <pc:spChg chg="add mod">
+          <ac:chgData name="John Reynolds" userId="2858f4c311c921ca" providerId="LiveId" clId="{FD96EE3B-3C13-43D1-BA8A-6725B7270236}" dt="2023-04-21T12:16:53.823" v="4024" actId="14100"/>
+          <ac:spMkLst>
+            <pc:docMk/>
+            <pc:sldMk cId="4186582154" sldId="285"/>
+            <ac:spMk id="4" creationId="{6DCE2FE5-503C-CA02-D184-C46CC90C42D5}"/>
+          </ac:spMkLst>
+        </pc:spChg>
+        <pc:spChg chg="add mod">
+          <ac:chgData name="John Reynolds" userId="2858f4c311c921ca" providerId="LiveId" clId="{FD96EE3B-3C13-43D1-BA8A-6725B7270236}" dt="2023-04-21T12:16:53.823" v="4024" actId="14100"/>
+          <ac:spMkLst>
+            <pc:docMk/>
+            <pc:sldMk cId="4186582154" sldId="285"/>
+            <ac:spMk id="7" creationId="{B244F343-257F-C22B-8565-060846452768}"/>
+          </ac:spMkLst>
+        </pc:spChg>
+        <pc:spChg chg="add mod">
+          <ac:chgData name="John Reynolds" userId="2858f4c311c921ca" providerId="LiveId" clId="{FD96EE3B-3C13-43D1-BA8A-6725B7270236}" dt="2023-04-21T12:16:53.823" v="4024" actId="14100"/>
+          <ac:spMkLst>
+            <pc:docMk/>
+            <pc:sldMk cId="4186582154" sldId="285"/>
+            <ac:spMk id="8" creationId="{FC5E1DC8-E661-C0AF-451F-D73AED1EE268}"/>
+          </ac:spMkLst>
+        </pc:spChg>
+        <pc:spChg chg="add mod">
+          <ac:chgData name="John Reynolds" userId="2858f4c311c921ca" providerId="LiveId" clId="{FD96EE3B-3C13-43D1-BA8A-6725B7270236}" dt="2023-04-21T12:16:53.823" v="4024" actId="14100"/>
+          <ac:spMkLst>
+            <pc:docMk/>
+            <pc:sldMk cId="4186582154" sldId="285"/>
+            <ac:spMk id="9" creationId="{1C9F8A2F-70A3-13B5-5F90-88CBE4CD3DF9}"/>
+          </ac:spMkLst>
+        </pc:spChg>
+        <pc:picChg chg="add mod">
+          <ac:chgData name="John Reynolds" userId="2858f4c311c921ca" providerId="LiveId" clId="{FD96EE3B-3C13-43D1-BA8A-6725B7270236}" dt="2023-04-21T12:16:53.823" v="4024" actId="14100"/>
+          <ac:picMkLst>
+            <pc:docMk/>
+            <pc:sldMk cId="4186582154" sldId="285"/>
+            <ac:picMk id="5" creationId="{BECBD433-C4B1-6209-99C0-07A225581C13}"/>
+          </ac:picMkLst>
+        </pc:picChg>
+        <pc:picChg chg="add mod">
+          <ac:chgData name="John Reynolds" userId="2858f4c311c921ca" providerId="LiveId" clId="{FD96EE3B-3C13-43D1-BA8A-6725B7270236}" dt="2023-04-21T12:16:53.823" v="4024" actId="14100"/>
+          <ac:picMkLst>
+            <pc:docMk/>
+            <pc:sldMk cId="4186582154" sldId="285"/>
+            <ac:picMk id="6" creationId="{99CCE716-8C1E-A8F1-0E21-D2BA9D95FA7D}"/>
+          </ac:picMkLst>
+        </pc:picChg>
+      </pc:sldChg>
+      <pc:sldChg chg="addSp delSp modSp add mod ord replId">
+        <pc:chgData name="John Reynolds" userId="2858f4c311c921ca" providerId="LiveId" clId="{FD96EE3B-3C13-43D1-BA8A-6725B7270236}" dt="2023-04-21T12:15:58.506" v="4014"/>
+        <pc:sldMkLst>
+          <pc:docMk/>
+          <pc:sldMk cId="493145435" sldId="286"/>
+        </pc:sldMkLst>
+        <pc:spChg chg="add del mod">
+          <ac:chgData name="John Reynolds" userId="2858f4c311c921ca" providerId="LiveId" clId="{FD96EE3B-3C13-43D1-BA8A-6725B7270236}" dt="2023-04-21T12:14:28.470" v="3950" actId="478"/>
+          <ac:spMkLst>
+            <pc:docMk/>
+            <pc:sldMk cId="493145435" sldId="286"/>
+            <ac:spMk id="2" creationId="{D0792891-0448-BEA8-5900-8EB3A36BEC90}"/>
+          </ac:spMkLst>
+        </pc:spChg>
+        <pc:spChg chg="add del mod">
+          <ac:chgData name="John Reynolds" userId="2858f4c311c921ca" providerId="LiveId" clId="{FD96EE3B-3C13-43D1-BA8A-6725B7270236}" dt="2023-04-21T12:14:28.470" v="3950" actId="478"/>
+          <ac:spMkLst>
+            <pc:docMk/>
+            <pc:sldMk cId="493145435" sldId="286"/>
+            <ac:spMk id="3" creationId="{2490E07F-ECF1-A0F9-B67F-2A62D0A3FBE4}"/>
+          </ac:spMkLst>
+        </pc:spChg>
+        <pc:spChg chg="add del mod">
+          <ac:chgData name="John Reynolds" userId="2858f4c311c921ca" providerId="LiveId" clId="{FD96EE3B-3C13-43D1-BA8A-6725B7270236}" dt="2023-04-21T12:14:28.470" v="3950" actId="478"/>
+          <ac:spMkLst>
+            <pc:docMk/>
+            <pc:sldMk cId="493145435" sldId="286"/>
+            <ac:spMk id="4" creationId="{AE2F5FAD-CE66-286D-6CB3-B1C863796B6B}"/>
+          </ac:spMkLst>
+        </pc:spChg>
+        <pc:spChg chg="add del mod">
+          <ac:chgData name="John Reynolds" userId="2858f4c311c921ca" providerId="LiveId" clId="{FD96EE3B-3C13-43D1-BA8A-6725B7270236}" dt="2023-04-21T12:14:28.470" v="3950" actId="478"/>
+          <ac:spMkLst>
+            <pc:docMk/>
+            <pc:sldMk cId="493145435" sldId="286"/>
+            <ac:spMk id="5" creationId="{3FA6C3A2-4FEE-0550-A328-D84421544B2E}"/>
+          </ac:spMkLst>
+        </pc:spChg>
+        <pc:spChg chg="add del mod">
+          <ac:chgData name="John Reynolds" userId="2858f4c311c921ca" providerId="LiveId" clId="{FD96EE3B-3C13-43D1-BA8A-6725B7270236}" dt="2023-04-21T12:14:31.791" v="3951" actId="478"/>
+          <ac:spMkLst>
+            <pc:docMk/>
+            <pc:sldMk cId="493145435" sldId="286"/>
+            <ac:spMk id="8" creationId="{9EF1FE54-73FB-C8A9-C2A5-12CF7B030443}"/>
+          </ac:spMkLst>
+        </pc:spChg>
+        <pc:spChg chg="add del mod">
+          <ac:chgData name="John Reynolds" userId="2858f4c311c921ca" providerId="LiveId" clId="{FD96EE3B-3C13-43D1-BA8A-6725B7270236}" dt="2023-04-21T12:15:27.827" v="4009"/>
+          <ac:spMkLst>
+            <pc:docMk/>
+            <pc:sldMk cId="493145435" sldId="286"/>
+            <ac:spMk id="9" creationId="{4B735757-A375-E30D-77FC-7E80E9032F16}"/>
+          </ac:spMkLst>
+        </pc:spChg>
+        <pc:spChg chg="add del mod">
+          <ac:chgData name="John Reynolds" userId="2858f4c311c921ca" providerId="LiveId" clId="{FD96EE3B-3C13-43D1-BA8A-6725B7270236}" dt="2023-04-21T12:15:27.827" v="4009"/>
+          <ac:spMkLst>
+            <pc:docMk/>
+            <pc:sldMk cId="493145435" sldId="286"/>
+            <ac:spMk id="10" creationId="{0E1C183D-F184-82B7-D8E6-8349140A2FA7}"/>
+          </ac:spMkLst>
+        </pc:spChg>
+        <pc:spChg chg="add del mod">
+          <ac:chgData name="John Reynolds" userId="2858f4c311c921ca" providerId="LiveId" clId="{FD96EE3B-3C13-43D1-BA8A-6725B7270236}" dt="2023-04-21T12:15:27.827" v="4009"/>
+          <ac:spMkLst>
+            <pc:docMk/>
+            <pc:sldMk cId="493145435" sldId="286"/>
+            <ac:spMk id="11" creationId="{04FFD303-180B-C68E-C515-489F389C67BE}"/>
+          </ac:spMkLst>
+        </pc:spChg>
+        <pc:spChg chg="add del mod">
+          <ac:chgData name="John Reynolds" userId="2858f4c311c921ca" providerId="LiveId" clId="{FD96EE3B-3C13-43D1-BA8A-6725B7270236}" dt="2023-04-21T12:15:27.827" v="4009"/>
+          <ac:spMkLst>
+            <pc:docMk/>
+            <pc:sldMk cId="493145435" sldId="286"/>
+            <ac:spMk id="12" creationId="{2CC2D7C2-375E-DAA9-EF69-A785B80FA782}"/>
+          </ac:spMkLst>
+        </pc:spChg>
+        <pc:spChg chg="add mod">
+          <ac:chgData name="John Reynolds" userId="2858f4c311c921ca" providerId="LiveId" clId="{FD96EE3B-3C13-43D1-BA8A-6725B7270236}" dt="2023-04-21T12:15:45.318" v="4011" actId="1076"/>
+          <ac:spMkLst>
+            <pc:docMk/>
+            <pc:sldMk cId="493145435" sldId="286"/>
+            <ac:spMk id="14" creationId="{DDB05034-10CA-BC18-5D88-402D40CD0A40}"/>
+          </ac:spMkLst>
+        </pc:spChg>
+        <pc:spChg chg="add mod">
+          <ac:chgData name="John Reynolds" userId="2858f4c311c921ca" providerId="LiveId" clId="{FD96EE3B-3C13-43D1-BA8A-6725B7270236}" dt="2023-04-21T12:15:45.318" v="4011" actId="1076"/>
+          <ac:spMkLst>
+            <pc:docMk/>
+            <pc:sldMk cId="493145435" sldId="286"/>
+            <ac:spMk id="15" creationId="{BBC5B560-A82F-8C3B-7F8D-2B68CF908BFC}"/>
+          </ac:spMkLst>
+        </pc:spChg>
+        <pc:picChg chg="add del mod">
+          <ac:chgData name="John Reynolds" userId="2858f4c311c921ca" providerId="LiveId" clId="{FD96EE3B-3C13-43D1-BA8A-6725B7270236}" dt="2023-04-21T12:14:28.470" v="3950" actId="478"/>
+          <ac:picMkLst>
+            <pc:docMk/>
+            <pc:sldMk cId="493145435" sldId="286"/>
+            <ac:picMk id="6" creationId="{53D1098F-76D1-0481-1B4F-A408E9D91A24}"/>
+          </ac:picMkLst>
+        </pc:picChg>
+        <pc:picChg chg="add del mod">
+          <ac:chgData name="John Reynolds" userId="2858f4c311c921ca" providerId="LiveId" clId="{FD96EE3B-3C13-43D1-BA8A-6725B7270236}" dt="2023-04-21T12:15:27.827" v="4009"/>
+          <ac:picMkLst>
+            <pc:docMk/>
+            <pc:sldMk cId="493145435" sldId="286"/>
+            <ac:picMk id="13" creationId="{8B681C40-3E1C-BD86-0CF7-22250B6A3FCE}"/>
+          </ac:picMkLst>
+        </pc:picChg>
+        <pc:picChg chg="add mod">
+          <ac:chgData name="John Reynolds" userId="2858f4c311c921ca" providerId="LiveId" clId="{FD96EE3B-3C13-43D1-BA8A-6725B7270236}" dt="2023-04-21T12:15:45.318" v="4011" actId="1076"/>
+          <ac:picMkLst>
+            <pc:docMk/>
+            <pc:sldMk cId="493145435" sldId="286"/>
+            <ac:picMk id="16" creationId="{B3A8A4A3-CBEA-39F2-36B1-7E5F2FEFA7DA}"/>
+          </ac:picMkLst>
+        </pc:picChg>
+      </pc:sldChg>
+      <pc:sldChg chg="add del">
+        <pc:chgData name="John Reynolds" userId="2858f4c311c921ca" providerId="LiveId" clId="{FD96EE3B-3C13-43D1-BA8A-6725B7270236}" dt="2023-04-21T12:21:26.731" v="4211" actId="47"/>
+        <pc:sldMkLst>
+          <pc:docMk/>
+          <pc:sldMk cId="3341727061" sldId="287"/>
+        </pc:sldMkLst>
+      </pc:sldChg>
+      <pc:sldChg chg="add del replId">
+        <pc:chgData name="John Reynolds" userId="2858f4c311c921ca" providerId="LiveId" clId="{FD96EE3B-3C13-43D1-BA8A-6725B7270236}" dt="2023-04-21T12:21:26.731" v="4211" actId="47"/>
+        <pc:sldMkLst>
+          <pc:docMk/>
+          <pc:sldMk cId="1824290640" sldId="288"/>
+        </pc:sldMkLst>
+      </pc:sldChg>
+      <pc:sldChg chg="addSp delSp modSp add mod">
+        <pc:chgData name="John Reynolds" userId="2858f4c311c921ca" providerId="LiveId" clId="{FD96EE3B-3C13-43D1-BA8A-6725B7270236}" dt="2023-04-23T05:05:37.426" v="4322" actId="14100"/>
+        <pc:sldMkLst>
+          <pc:docMk/>
+          <pc:sldMk cId="904314509" sldId="289"/>
+        </pc:sldMkLst>
+        <pc:spChg chg="add mod">
+          <ac:chgData name="John Reynolds" userId="2858f4c311c921ca" providerId="LiveId" clId="{FD96EE3B-3C13-43D1-BA8A-6725B7270236}" dt="2023-04-21T12:21:08.991" v="4203" actId="1037"/>
+          <ac:spMkLst>
+            <pc:docMk/>
+            <pc:sldMk cId="904314509" sldId="289"/>
+            <ac:spMk id="2" creationId="{1E433D2D-05DF-EFC0-7C25-161B167B56A7}"/>
+          </ac:spMkLst>
+        </pc:spChg>
+        <pc:spChg chg="add mod">
+          <ac:chgData name="John Reynolds" userId="2858f4c311c921ca" providerId="LiveId" clId="{FD96EE3B-3C13-43D1-BA8A-6725B7270236}" dt="2023-04-21T12:21:14.830" v="4209" actId="1036"/>
+          <ac:spMkLst>
+            <pc:docMk/>
+            <pc:sldMk cId="904314509" sldId="289"/>
+            <ac:spMk id="3" creationId="{224E1FD6-10CC-6101-2992-ECB43A543321}"/>
+          </ac:spMkLst>
+        </pc:spChg>
+        <pc:picChg chg="add del mod">
+          <ac:chgData name="John Reynolds" userId="2858f4c311c921ca" providerId="LiveId" clId="{FD96EE3B-3C13-43D1-BA8A-6725B7270236}" dt="2023-04-23T05:05:08.006" v="4312" actId="478"/>
+          <ac:picMkLst>
+            <pc:docMk/>
+            <pc:sldMk cId="904314509" sldId="289"/>
+            <ac:picMk id="4" creationId="{AAAB65C1-D7F1-2A6E-761D-5E11E0608188}"/>
+          </ac:picMkLst>
+        </pc:picChg>
+        <pc:picChg chg="add del mod">
+          <ac:chgData name="John Reynolds" userId="2858f4c311c921ca" providerId="LiveId" clId="{FD96EE3B-3C13-43D1-BA8A-6725B7270236}" dt="2023-04-23T05:05:08.006" v="4312" actId="478"/>
+          <ac:picMkLst>
+            <pc:docMk/>
+            <pc:sldMk cId="904314509" sldId="289"/>
+            <ac:picMk id="5" creationId="{246C7954-6395-CC8A-8C4B-EF628BB7616A}"/>
+          </ac:picMkLst>
+        </pc:picChg>
+        <pc:picChg chg="add mod">
+          <ac:chgData name="John Reynolds" userId="2858f4c311c921ca" providerId="LiveId" clId="{FD96EE3B-3C13-43D1-BA8A-6725B7270236}" dt="2023-04-23T05:05:37.426" v="4322" actId="14100"/>
+          <ac:picMkLst>
+            <pc:docMk/>
+            <pc:sldMk cId="904314509" sldId="289"/>
+            <ac:picMk id="7" creationId="{3185375E-68BE-EC88-89C8-E010F1DD1B36}"/>
+          </ac:picMkLst>
+        </pc:picChg>
+        <pc:picChg chg="add mod">
+          <ac:chgData name="John Reynolds" userId="2858f4c311c921ca" providerId="LiveId" clId="{FD96EE3B-3C13-43D1-BA8A-6725B7270236}" dt="2023-04-23T05:05:37.426" v="4322" actId="14100"/>
+          <ac:picMkLst>
+            <pc:docMk/>
+            <pc:sldMk cId="904314509" sldId="289"/>
+            <ac:picMk id="9" creationId="{CEEC0334-E013-0E2C-867E-ACBB15F603E7}"/>
+          </ac:picMkLst>
+        </pc:picChg>
+      </pc:sldChg>
+      <pc:sldChg chg="addSp delSp modSp add mod ord replId">
+        <pc:chgData name="John Reynolds" userId="2858f4c311c921ca" providerId="LiveId" clId="{FD96EE3B-3C13-43D1-BA8A-6725B7270236}" dt="2023-04-23T05:05:00.343" v="4311" actId="1076"/>
+        <pc:sldMkLst>
+          <pc:docMk/>
+          <pc:sldMk cId="4084799214" sldId="290"/>
+        </pc:sldMkLst>
+        <pc:spChg chg="add mod">
+          <ac:chgData name="John Reynolds" userId="2858f4c311c921ca" providerId="LiveId" clId="{FD96EE3B-3C13-43D1-BA8A-6725B7270236}" dt="2023-04-21T12:20:04.619" v="4132" actId="14100"/>
+          <ac:spMkLst>
+            <pc:docMk/>
+            <pc:sldMk cId="4084799214" sldId="290"/>
+            <ac:spMk id="2" creationId="{12A7BC12-2A41-309B-5EB6-6096DE6A9AC2}"/>
+          </ac:spMkLst>
+        </pc:spChg>
+        <pc:spChg chg="add mod">
+          <ac:chgData name="John Reynolds" userId="2858f4c311c921ca" providerId="LiveId" clId="{FD96EE3B-3C13-43D1-BA8A-6725B7270236}" dt="2023-04-21T12:20:11.406" v="4146" actId="1038"/>
+          <ac:spMkLst>
+            <pc:docMk/>
+            <pc:sldMk cId="4084799214" sldId="290"/>
+            <ac:spMk id="3" creationId="{B58A45BD-703D-EA94-B428-32802C15E137}"/>
+          </ac:spMkLst>
+        </pc:spChg>
+        <pc:picChg chg="add del mod">
+          <ac:chgData name="John Reynolds" userId="2858f4c311c921ca" providerId="LiveId" clId="{FD96EE3B-3C13-43D1-BA8A-6725B7270236}" dt="2023-04-23T05:04:39.425" v="4307" actId="478"/>
+          <ac:picMkLst>
+            <pc:docMk/>
+            <pc:sldMk cId="4084799214" sldId="290"/>
+            <ac:picMk id="4" creationId="{B0EB495A-E66A-682A-955E-C81BAC1E994E}"/>
+          </ac:picMkLst>
+        </pc:picChg>
+        <pc:picChg chg="add del mod">
+          <ac:chgData name="John Reynolds" userId="2858f4c311c921ca" providerId="LiveId" clId="{FD96EE3B-3C13-43D1-BA8A-6725B7270236}" dt="2023-04-23T05:04:39.425" v="4307" actId="478"/>
+          <ac:picMkLst>
+            <pc:docMk/>
+            <pc:sldMk cId="4084799214" sldId="290"/>
+            <ac:picMk id="5" creationId="{EF8613D6-5D6B-FF56-0273-F140EA1DA7DA}"/>
+          </ac:picMkLst>
+        </pc:picChg>
+        <pc:picChg chg="add mod">
+          <ac:chgData name="John Reynolds" userId="2858f4c311c921ca" providerId="LiveId" clId="{FD96EE3B-3C13-43D1-BA8A-6725B7270236}" dt="2023-04-23T05:05:00.343" v="4311" actId="1076"/>
+          <ac:picMkLst>
+            <pc:docMk/>
+            <pc:sldMk cId="4084799214" sldId="290"/>
+            <ac:picMk id="7" creationId="{F2F88168-7923-8051-C220-9B88DCD0C99A}"/>
+          </ac:picMkLst>
+        </pc:picChg>
+        <pc:picChg chg="add mod">
+          <ac:chgData name="John Reynolds" userId="2858f4c311c921ca" providerId="LiveId" clId="{FD96EE3B-3C13-43D1-BA8A-6725B7270236}" dt="2023-04-23T05:05:00.343" v="4311" actId="1076"/>
+          <ac:picMkLst>
+            <pc:docMk/>
+            <pc:sldMk cId="4084799214" sldId="290"/>
+            <ac:picMk id="9" creationId="{401299D1-A41C-943F-A2F5-8DA4148F3951}"/>
+          </ac:picMkLst>
+        </pc:picChg>
       </pc:sldChg>
     </pc:docChg>
   </pc:docChgLst>
@@ -689,7 +1842,7 @@
           <a:p>
             <a:fld id="{3647088C-F4A7-4A3F-BB8E-1865206E7261}" type="datetimeFigureOut">
               <a:rPr lang="en-US" smtClean="0"/>
-              <a:t>4/19/2023</a:t>
+              <a:t>4/23/2023</a:t>
             </a:fld>
             <a:endParaRPr lang="en-US"/>
           </a:p>
@@ -1103,7 +2256,7 @@
           <a:p>
             <a:fld id="{1EF44048-03F3-40F0-BB0C-BE8A840A2D31}" type="datetimeFigureOut">
               <a:rPr lang="en-US" smtClean="0"/>
-              <a:t>4/19/2023</a:t>
+              <a:t>4/23/2023</a:t>
             </a:fld>
             <a:endParaRPr lang="en-US"/>
           </a:p>
@@ -1301,7 +2454,7 @@
           <a:p>
             <a:fld id="{1EF44048-03F3-40F0-BB0C-BE8A840A2D31}" type="datetimeFigureOut">
               <a:rPr lang="en-US" smtClean="0"/>
-              <a:t>4/19/2023</a:t>
+              <a:t>4/23/2023</a:t>
             </a:fld>
             <a:endParaRPr lang="en-US"/>
           </a:p>
@@ -1509,7 +2662,7 @@
           <a:p>
             <a:fld id="{1EF44048-03F3-40F0-BB0C-BE8A840A2D31}" type="datetimeFigureOut">
               <a:rPr lang="en-US" smtClean="0"/>
-              <a:t>4/19/2023</a:t>
+              <a:t>4/23/2023</a:t>
             </a:fld>
             <a:endParaRPr lang="en-US"/>
           </a:p>
@@ -1663,7 +2816,7 @@
           <a:p>
             <a:fld id="{516E5C65-A6A4-4D7E-A8A9-35240D7FED8F}" type="datetimeFigureOut">
               <a:rPr lang="en-US" smtClean="0"/>
-              <a:t>4/19/2023</a:t>
+              <a:t>4/23/2023</a:t>
             </a:fld>
             <a:endParaRPr lang="en-US"/>
           </a:p>
@@ -2073,7 +3226,7 @@
           <a:p>
             <a:fld id="{516E5C65-A6A4-4D7E-A8A9-35240D7FED8F}" type="datetimeFigureOut">
               <a:rPr lang="en-US" smtClean="0"/>
-              <a:t>4/19/2023</a:t>
+              <a:t>4/23/2023</a:t>
             </a:fld>
             <a:endParaRPr lang="en-US"/>
           </a:p>
@@ -2712,7 +3865,7 @@
           <a:p>
             <a:fld id="{1EF44048-03F3-40F0-BB0C-BE8A840A2D31}" type="datetimeFigureOut">
               <a:rPr lang="en-US" smtClean="0"/>
-              <a:t>4/19/2023</a:t>
+              <a:t>4/23/2023</a:t>
             </a:fld>
             <a:endParaRPr lang="en-US"/>
           </a:p>
@@ -2987,7 +4140,7 @@
           <a:p>
             <a:fld id="{1EF44048-03F3-40F0-BB0C-BE8A840A2D31}" type="datetimeFigureOut">
               <a:rPr lang="en-US" smtClean="0"/>
-              <a:t>4/19/2023</a:t>
+              <a:t>4/23/2023</a:t>
             </a:fld>
             <a:endParaRPr lang="en-US"/>
           </a:p>
@@ -3252,7 +4405,7 @@
           <a:p>
             <a:fld id="{1EF44048-03F3-40F0-BB0C-BE8A840A2D31}" type="datetimeFigureOut">
               <a:rPr lang="en-US" smtClean="0"/>
-              <a:t>4/19/2023</a:t>
+              <a:t>4/23/2023</a:t>
             </a:fld>
             <a:endParaRPr lang="en-US"/>
           </a:p>
@@ -3664,7 +4817,7 @@
           <a:p>
             <a:fld id="{1EF44048-03F3-40F0-BB0C-BE8A840A2D31}" type="datetimeFigureOut">
               <a:rPr lang="en-US" smtClean="0"/>
-              <a:t>4/19/2023</a:t>
+              <a:t>4/23/2023</a:t>
             </a:fld>
             <a:endParaRPr lang="en-US"/>
           </a:p>
@@ -3805,7 +4958,7 @@
           <a:p>
             <a:fld id="{1EF44048-03F3-40F0-BB0C-BE8A840A2D31}" type="datetimeFigureOut">
               <a:rPr lang="en-US" smtClean="0"/>
-              <a:t>4/19/2023</a:t>
+              <a:t>4/23/2023</a:t>
             </a:fld>
             <a:endParaRPr lang="en-US"/>
           </a:p>
@@ -3918,7 +5071,7 @@
           <a:p>
             <a:fld id="{1EF44048-03F3-40F0-BB0C-BE8A840A2D31}" type="datetimeFigureOut">
               <a:rPr lang="en-US" smtClean="0"/>
-              <a:t>4/19/2023</a:t>
+              <a:t>4/23/2023</a:t>
             </a:fld>
             <a:endParaRPr lang="en-US"/>
           </a:p>
@@ -4229,7 +5382,7 @@
           <a:p>
             <a:fld id="{1EF44048-03F3-40F0-BB0C-BE8A840A2D31}" type="datetimeFigureOut">
               <a:rPr lang="en-US" smtClean="0"/>
-              <a:t>4/19/2023</a:t>
+              <a:t>4/23/2023</a:t>
             </a:fld>
             <a:endParaRPr lang="en-US"/>
           </a:p>
@@ -4517,7 +5670,7 @@
           <a:p>
             <a:fld id="{1EF44048-03F3-40F0-BB0C-BE8A840A2D31}" type="datetimeFigureOut">
               <a:rPr lang="en-US" smtClean="0"/>
-              <a:t>4/19/2023</a:t>
+              <a:t>4/23/2023</a:t>
             </a:fld>
             <a:endParaRPr lang="en-US"/>
           </a:p>
@@ -4758,7 +5911,7 @@
           <a:p>
             <a:fld id="{1EF44048-03F3-40F0-BB0C-BE8A840A2D31}" type="datetimeFigureOut">
               <a:rPr lang="en-US" smtClean="0"/>
-              <a:t>4/19/2023</a:t>
+              <a:t>4/23/2023</a:t>
             </a:fld>
             <a:endParaRPr lang="en-US"/>
           </a:p>
@@ -5961,72 +7114,12 @@
           <a:chExt cx="0" cy="0"/>
         </a:xfrm>
       </p:grpSpPr>
-      <p:sp useBgFill="1">
-        <p:nvSpPr>
-          <p:cNvPr id="54" name="Rectangle 51">
-            <a:extLst>
-              <a:ext uri="{FF2B5EF4-FFF2-40B4-BE49-F238E27FC236}">
-                <a16:creationId xmlns:a16="http://schemas.microsoft.com/office/drawing/2014/main" id="{0AAD52C3-F510-4AD2-8B1D-7D8A574BA0F3}"/>
-              </a:ext>
-              <a:ext uri="{C183D7F6-B498-43B3-948B-1728B52AA6E4}">
-                <adec:decorative xmlns:adec="http://schemas.microsoft.com/office/drawing/2017/decorative" val="1"/>
-              </a:ext>
-            </a:extLst>
-          </p:cNvPr>
-          <p:cNvSpPr>
-            <a:spLocks noGrp="1" noRot="1" noChangeAspect="1" noMove="1" noResize="1" noEditPoints="1" noAdjustHandles="1" noChangeArrowheads="1" noChangeShapeType="1" noTextEdit="1"/>
-          </p:cNvSpPr>
-          <p:nvPr>
-            <p:extLst>
-              <p:ext uri="{386F3935-93C4-4BCD-93E2-E3B085C9AB24}">
-                <p16:designElem xmlns:p16="http://schemas.microsoft.com/office/powerpoint/2015/main" val="1"/>
-              </p:ext>
-            </p:extLst>
-          </p:nvPr>
-        </p:nvSpPr>
-        <p:spPr>
-          <a:xfrm>
-            <a:off x="-1" y="0"/>
-            <a:ext cx="12188952" cy="6858000"/>
-          </a:xfrm>
-          <a:prstGeom prst="rect">
-            <a:avLst/>
-          </a:prstGeom>
-          <a:ln>
-            <a:noFill/>
-          </a:ln>
-        </p:spPr>
-        <p:style>
-          <a:lnRef idx="2">
-            <a:schemeClr val="accent1">
-              <a:shade val="50000"/>
-            </a:schemeClr>
-          </a:lnRef>
-          <a:fillRef idx="1">
-            <a:schemeClr val="accent1"/>
-          </a:fillRef>
-          <a:effectRef idx="0">
-            <a:schemeClr val="accent1"/>
-          </a:effectRef>
-          <a:fontRef idx="minor">
-            <a:schemeClr val="lt1"/>
-          </a:fontRef>
-        </p:style>
-        <p:txBody>
-          <a:bodyPr rtlCol="0" anchor="ctr"/>
-          <a:lstStyle/>
-          <a:p>
-            <a:pPr algn="ctr"/>
-            <a:endParaRPr lang="en-US"/>
-          </a:p>
-        </p:txBody>
-      </p:sp>
       <p:sp>
         <p:nvSpPr>
-          <p:cNvPr id="26" name="Title 25">
+          <p:cNvPr id="5" name="Title 25">
             <a:extLst>
               <a:ext uri="{FF2B5EF4-FFF2-40B4-BE49-F238E27FC236}">
-                <a16:creationId xmlns:a16="http://schemas.microsoft.com/office/drawing/2014/main" id="{27ED0F80-138B-4A4E-B34B-8C68CC474DC4}"/>
+                <a16:creationId xmlns:a16="http://schemas.microsoft.com/office/drawing/2014/main" id="{EA5D001C-3D1D-C409-C8BD-CD74E5D89C8E}"/>
               </a:ext>
             </a:extLst>
           </p:cNvPr>
@@ -6039,34 +7132,57 @@
         </p:nvSpPr>
         <p:spPr>
           <a:xfrm>
-            <a:off x="375917" y="275565"/>
+            <a:off x="876297" y="512451"/>
             <a:ext cx="5171299" cy="933173"/>
           </a:xfrm>
         </p:spPr>
         <p:txBody>
           <a:bodyPr vert="horz" lIns="91440" tIns="45720" rIns="91440" bIns="45720" rtlCol="0" anchor="ctr">
-            <a:normAutofit fontScale="90000"/>
+            <a:normAutofit/>
           </a:bodyPr>
           <a:lstStyle/>
           <a:p>
             <a:r>
-              <a:rPr lang="en-US" sz="3700" dirty="0">
-                <a:solidFill>
-                  <a:schemeClr val="tx1"/>
-                </a:solidFill>
-                <a:latin typeface="Avenir Next LT Pro" panose="020B0504020202020204" pitchFamily="34" charset="0"/>
+              <a:rPr lang="en-US" sz="3700" b="1" dirty="0">
+                <a:solidFill>
+                  <a:schemeClr val="tx1"/>
+                </a:solidFill>
+                <a:latin typeface="+mj-lt"/>
               </a:rPr>
-              <a:t>Business Insights in Clusters</a:t>
-            </a:r>
+              <a:t>Clustering</a:t>
+            </a:r>
+            <a:br>
+              <a:rPr lang="en-US" sz="3700" b="1">
+                <a:solidFill>
+                  <a:schemeClr val="tx1"/>
+                </a:solidFill>
+                <a:latin typeface="+mj-lt"/>
+              </a:rPr>
+            </a:br>
+            <a:r>
+              <a:rPr lang="en-US" sz="1500" b="1">
+                <a:solidFill>
+                  <a:schemeClr val="tx1"/>
+                </a:solidFill>
+                <a:latin typeface="+mj-lt"/>
+              </a:rPr>
+              <a:t>(K- means Method)</a:t>
+            </a:r>
+            <a:endParaRPr lang="en-US" sz="3700" b="1" dirty="0">
+              <a:solidFill>
+                <a:schemeClr val="tx1"/>
+              </a:solidFill>
+              <a:latin typeface="+mj-lt"/>
+            </a:endParaRPr>
           </a:p>
         </p:txBody>
       </p:sp>
       <p:sp>
         <p:nvSpPr>
-          <p:cNvPr id="3" name="Text Placeholder 26">
+          <p:cNvPr id="6" name="Text Placeholder 26">
             <a:extLst>
               <a:ext uri="{FF2B5EF4-FFF2-40B4-BE49-F238E27FC236}">
-                <a16:creationId xmlns:a16="http://schemas.microsoft.com/office/drawing/2014/main" id="{24EC3D39-AF9A-CD00-4D45-AA3BDEAECA03}"/>
+                <a16:creationId xmlns:a16="http://schemas.microsoft.com/office/drawing/2014/main" id="{2E72F1F0-2D43-90A8-B070-5ADE24C8D7E7}"/>
               </a:ext>
             </a:extLst>
           </p:cNvPr>
@@ -6077,8 +7193,8 @@
         </p:nvSpPr>
         <p:spPr>
           <a:xfrm>
-            <a:off x="210589" y="822960"/>
-            <a:ext cx="6313893" cy="5963920"/>
+            <a:off x="881579" y="1363924"/>
+            <a:ext cx="5669581" cy="4613361"/>
           </a:xfrm>
           <a:prstGeom prst="rect">
             <a:avLst/>
@@ -6086,7 +7202,7 @@
         </p:spPr>
         <p:txBody>
           <a:bodyPr vert="horz" lIns="91440" tIns="45720" rIns="91440" bIns="45720" rtlCol="0" anchor="ctr">
-            <a:normAutofit/>
+            <a:normAutofit fontScale="92500" lnSpcReduction="10000"/>
           </a:bodyPr>
           <a:lstStyle>
             <a:lvl1pPr marL="228600" indent="-228600" algn="l" defTabSz="914400" rtl="0" eaLnBrk="1" latinLnBrk="0" hangingPunct="1">
@@ -6272,7 +7388,7 @@
             </a:lvl9pPr>
           </a:lstStyle>
           <a:p>
-            <a:pPr marL="0" indent="0" algn="ctr">
+            <a:pPr marL="0" indent="0">
               <a:spcBef>
                 <a:spcPts val="300"/>
               </a:spcBef>
@@ -6281,19 +7397,38 @@
               </a:spcAft>
               <a:buNone/>
             </a:pPr>
-            <a:r>
-              <a:rPr lang="en-US" sz="1500" dirty="0">
+            <a:endParaRPr lang="en-US" sz="1700" dirty="0">
+              <a:solidFill>
+                <a:schemeClr val="tx1"/>
+              </a:solidFill>
+              <a:latin typeface="Avenir Next LT Pro" panose="020B0504020202020204" pitchFamily="34" charset="0"/>
+              <a:cs typeface="Levenim MT" panose="020B0604020202020204" pitchFamily="2" charset="-79"/>
+            </a:endParaRPr>
+          </a:p>
+          <a:p>
+            <a:pPr>
+              <a:spcBef>
+                <a:spcPts val="300"/>
+              </a:spcBef>
+              <a:spcAft>
+                <a:spcPts val="300"/>
+              </a:spcAft>
+              <a:buFont typeface="Arial" panose="020B0604020202020204" pitchFamily="34" charset="0"/>
+              <a:buChar char="•"/>
+            </a:pPr>
+            <a:r>
+              <a:rPr lang="en-US" sz="1700" dirty="0">
                 <a:solidFill>
                   <a:schemeClr val="tx1"/>
                 </a:solidFill>
                 <a:latin typeface="Avenir Next LT Pro" panose="020B0504020202020204" pitchFamily="34" charset="0"/>
                 <a:cs typeface="Levenim MT" panose="020B0604020202020204" pitchFamily="2" charset="-79"/>
               </a:rPr>
-              <a:t>Cluster 1 (Low operating margin and high averages of other features) </a:t>
-            </a:r>
-          </a:p>
-          <a:p>
-            <a:pPr lvl="1">
+              <a:t>K-means clustering has been chosen considering its clear distinguishing feature of each cluster characteristics</a:t>
+            </a:r>
+          </a:p>
+          <a:p>
+            <a:pPr>
               <a:spcBef>
                 <a:spcPts val="300"/>
               </a:spcBef>
@@ -6303,19 +7438,54 @@
               <a:buFont typeface="Arial" panose="020B0604020202020204" pitchFamily="34" charset="0"/>
               <a:buChar char="•"/>
             </a:pPr>
-            <a:r>
-              <a:rPr lang="en-US" sz="1500" dirty="0">
+            <a:endParaRPr lang="en-US" sz="1700" dirty="0">
+              <a:solidFill>
+                <a:schemeClr val="tx1"/>
+              </a:solidFill>
+              <a:latin typeface="Avenir Next LT Pro" panose="020B0504020202020204" pitchFamily="34" charset="0"/>
+              <a:cs typeface="Levenim MT" panose="020B0604020202020204" pitchFamily="2" charset="-79"/>
+            </a:endParaRPr>
+          </a:p>
+          <a:p>
+            <a:pPr>
+              <a:spcBef>
+                <a:spcPts val="300"/>
+              </a:spcBef>
+              <a:spcAft>
+                <a:spcPts val="300"/>
+              </a:spcAft>
+              <a:buFont typeface="Arial" panose="020B0604020202020204" pitchFamily="34" charset="0"/>
+              <a:buChar char="•"/>
+            </a:pPr>
+            <a:r>
+              <a:rPr lang="en-US" sz="1700" dirty="0">
                 <a:solidFill>
                   <a:schemeClr val="tx1"/>
                 </a:solidFill>
                 <a:latin typeface="Avenir Next LT Pro" panose="020B0504020202020204" pitchFamily="34" charset="0"/>
                 <a:cs typeface="Levenim MT" panose="020B0604020202020204" pitchFamily="2" charset="-79"/>
               </a:rPr>
-              <a:t>Sales methods are almost evenly distributed, outlet being highest</a:t>
-            </a:r>
-          </a:p>
-          <a:p>
-            <a:pPr lvl="1">
+              <a:t>3 clusters have been passed as the parameter as per the elbow graph and testing the cluster characteristics with higher numbers</a:t>
+            </a:r>
+            <a:br>
+              <a:rPr lang="en-US" sz="1700" dirty="0">
+                <a:solidFill>
+                  <a:schemeClr val="tx1"/>
+                </a:solidFill>
+                <a:latin typeface="Avenir Next LT Pro" panose="020B0504020202020204" pitchFamily="34" charset="0"/>
+                <a:cs typeface="Levenim MT" panose="020B0604020202020204" pitchFamily="2" charset="-79"/>
+              </a:rPr>
+            </a:br>
+            <a:endParaRPr lang="en-US" sz="1700" dirty="0">
+              <a:solidFill>
+                <a:schemeClr val="tx1"/>
+              </a:solidFill>
+              <a:latin typeface="Avenir Next LT Pro" panose="020B0504020202020204" pitchFamily="34" charset="0"/>
+              <a:cs typeface="Levenim MT" panose="020B0604020202020204" pitchFamily="2" charset="-79"/>
+            </a:endParaRPr>
+          </a:p>
+          <a:p>
+            <a:pPr>
               <a:spcBef>
                 <a:spcPts val="300"/>
               </a:spcBef>
@@ -6326,15 +7496,31 @@
               <a:buChar char="•"/>
             </a:pPr>
             <a:r>
-              <a:rPr lang="en-US" sz="1500" dirty="0">
+              <a:rPr lang="en-US" sz="1700" dirty="0">
                 <a:solidFill>
                   <a:schemeClr val="tx1"/>
                 </a:solidFill>
                 <a:latin typeface="Avenir Next LT Pro" panose="020B0504020202020204" pitchFamily="34" charset="0"/>
                 <a:cs typeface="Levenim MT" panose="020B0604020202020204" pitchFamily="2" charset="-79"/>
               </a:rPr>
-              <a:t>Men’s Street footwear is the highest </a:t>
-            </a:r>
+              <a:t>The clusters formed distinctly had the following features</a:t>
+            </a:r>
+            <a:br>
+              <a:rPr lang="en-US" sz="1700" dirty="0">
+                <a:solidFill>
+                  <a:schemeClr val="tx1"/>
+                </a:solidFill>
+                <a:latin typeface="Avenir Next LT Pro" panose="020B0504020202020204" pitchFamily="34" charset="0"/>
+                <a:cs typeface="Levenim MT" panose="020B0604020202020204" pitchFamily="2" charset="-79"/>
+              </a:rPr>
+            </a:br>
+            <a:endParaRPr lang="en-US" sz="1700" dirty="0">
+              <a:solidFill>
+                <a:schemeClr val="tx1"/>
+              </a:solidFill>
+              <a:latin typeface="Avenir Next LT Pro" panose="020B0504020202020204" pitchFamily="34" charset="0"/>
+              <a:cs typeface="Levenim MT" panose="020B0604020202020204" pitchFamily="2" charset="-79"/>
+            </a:endParaRPr>
           </a:p>
           <a:p>
             <a:pPr lvl="1">
@@ -6344,8 +7530,8 @@
               <a:spcAft>
                 <a:spcPts val="300"/>
               </a:spcAft>
-              <a:buFont typeface="Arial" panose="020B0604020202020204" pitchFamily="34" charset="0"/>
-              <a:buChar char="•"/>
+              <a:buFont typeface="Wingdings" panose="05000000000000000000" pitchFamily="2" charset="2"/>
+              <a:buChar char="§"/>
             </a:pPr>
             <a:r>
               <a:rPr lang="en-US" sz="1500" dirty="0">
@@ -6355,7 +7541,7 @@
                 <a:latin typeface="Avenir Next LT Pro" panose="020B0504020202020204" pitchFamily="34" charset="0"/>
                 <a:cs typeface="Levenim MT" panose="020B0604020202020204" pitchFamily="2" charset="-79"/>
               </a:rPr>
-              <a:t>Women’s apparel is the highest contributed for women products</a:t>
+              <a:t>Cluster 1 (blue): Low operating margin but the other features are trending high </a:t>
             </a:r>
             <a:br>
               <a:rPr lang="en-US" sz="1500" dirty="0">
@@ -6375,14 +7561,15 @@
             </a:endParaRPr>
           </a:p>
           <a:p>
-            <a:pPr marL="0" indent="0" algn="ctr">
+            <a:pPr lvl="1">
               <a:spcBef>
                 <a:spcPts val="300"/>
               </a:spcBef>
               <a:spcAft>
                 <a:spcPts val="300"/>
               </a:spcAft>
-              <a:buNone/>
+              <a:buFont typeface="Wingdings" panose="05000000000000000000" pitchFamily="2" charset="2"/>
+              <a:buChar char="§"/>
             </a:pPr>
             <a:r>
               <a:rPr lang="en-US" sz="1500" dirty="0">
@@ -6392,73 +7579,7 @@
                 <a:latin typeface="Avenir Next LT Pro" panose="020B0504020202020204" pitchFamily="34" charset="0"/>
                 <a:cs typeface="Levenim MT" panose="020B0604020202020204" pitchFamily="2" charset="-79"/>
               </a:rPr>
-              <a:t>Cluster 2 (Low operating margin and low averages of other features)</a:t>
-            </a:r>
-          </a:p>
-          <a:p>
-            <a:pPr lvl="1">
-              <a:spcBef>
-                <a:spcPts val="300"/>
-              </a:spcBef>
-              <a:spcAft>
-                <a:spcPts val="300"/>
-              </a:spcAft>
-              <a:buFont typeface="Arial" panose="020B0604020202020204" pitchFamily="34" charset="0"/>
-              <a:buChar char="•"/>
-            </a:pPr>
-            <a:r>
-              <a:rPr lang="en-US" sz="1500" dirty="0">
-                <a:solidFill>
-                  <a:schemeClr val="tx1"/>
-                </a:solidFill>
-                <a:latin typeface="Avenir Next LT Pro" panose="020B0504020202020204" pitchFamily="34" charset="0"/>
-                <a:cs typeface="Levenim MT" panose="020B0604020202020204" pitchFamily="2" charset="-79"/>
-              </a:rPr>
-              <a:t>Sales method seem to be evenly distributed</a:t>
-            </a:r>
-          </a:p>
-          <a:p>
-            <a:pPr lvl="1">
-              <a:spcBef>
-                <a:spcPts val="300"/>
-              </a:spcBef>
-              <a:spcAft>
-                <a:spcPts val="300"/>
-              </a:spcAft>
-              <a:buFont typeface="Arial" panose="020B0604020202020204" pitchFamily="34" charset="0"/>
-              <a:buChar char="•"/>
-            </a:pPr>
-            <a:r>
-              <a:rPr lang="en-US" sz="1500" dirty="0">
-                <a:solidFill>
-                  <a:schemeClr val="tx1"/>
-                </a:solidFill>
-                <a:latin typeface="Avenir Next LT Pro" panose="020B0504020202020204" pitchFamily="34" charset="0"/>
-                <a:cs typeface="Levenim MT" panose="020B0604020202020204" pitchFamily="2" charset="-79"/>
-              </a:rPr>
-              <a:t>Women’s streetwear is the highest sold item in women’s products</a:t>
-            </a:r>
-          </a:p>
-          <a:p>
-            <a:pPr lvl="1">
-              <a:spcBef>
-                <a:spcPts val="300"/>
-              </a:spcBef>
-              <a:spcAft>
-                <a:spcPts val="300"/>
-              </a:spcAft>
-              <a:buFont typeface="Arial" panose="020B0604020202020204" pitchFamily="34" charset="0"/>
-              <a:buChar char="•"/>
-            </a:pPr>
-            <a:r>
-              <a:rPr lang="en-US" sz="1500" dirty="0">
-                <a:solidFill>
-                  <a:schemeClr val="tx1"/>
-                </a:solidFill>
-                <a:latin typeface="Avenir Next LT Pro" panose="020B0504020202020204" pitchFamily="34" charset="0"/>
-                <a:cs typeface="Levenim MT" panose="020B0604020202020204" pitchFamily="2" charset="-79"/>
-              </a:rPr>
-              <a:t>Men’s athletic version footwear is the highest sold item in men’s products</a:t>
+              <a:t>Cluster 2 (red): Similar characteristics as cluster 1 but the averages for the features are significantly low</a:t>
             </a:r>
             <a:br>
               <a:rPr lang="en-US" sz="1500" dirty="0">
@@ -6478,14 +7599,15 @@
             </a:endParaRPr>
           </a:p>
           <a:p>
-            <a:pPr marL="0" indent="0" algn="ctr">
+            <a:pPr lvl="1">
               <a:spcBef>
                 <a:spcPts val="300"/>
               </a:spcBef>
               <a:spcAft>
                 <a:spcPts val="300"/>
               </a:spcAft>
-              <a:buNone/>
+              <a:buFont typeface="Wingdings" panose="05000000000000000000" pitchFamily="2" charset="2"/>
+              <a:buChar char="§"/>
             </a:pPr>
             <a:r>
               <a:rPr lang="en-US" sz="1500" dirty="0">
@@ -6495,21 +7617,9 @@
                 <a:latin typeface="Avenir Next LT Pro" panose="020B0504020202020204" pitchFamily="34" charset="0"/>
                 <a:cs typeface="Levenim MT" panose="020B0604020202020204" pitchFamily="2" charset="-79"/>
               </a:rPr>
-              <a:t>Cluster 3 (High operating margin and low averages of other features)</a:t>
-            </a:r>
-          </a:p>
-          <a:p>
-            <a:pPr lvl="1">
-              <a:spcBef>
-                <a:spcPts val="300"/>
-              </a:spcBef>
-              <a:spcAft>
-                <a:spcPts val="300"/>
-              </a:spcAft>
-              <a:buFont typeface="Arial" panose="020B0604020202020204" pitchFamily="34" charset="0"/>
-              <a:buChar char="•"/>
-            </a:pPr>
-            <a:r>
+              <a:t>Cluster 3 (green): High operating margin whereas the other features are trending comparatively low</a:t>
+            </a:r>
+            <a:br>
               <a:rPr lang="en-US" sz="1500" dirty="0">
                 <a:solidFill>
                   <a:schemeClr val="tx1"/>
@@ -6517,61 +7627,23 @@
                 <a:latin typeface="Avenir Next LT Pro" panose="020B0504020202020204" pitchFamily="34" charset="0"/>
                 <a:cs typeface="Levenim MT" panose="020B0604020202020204" pitchFamily="2" charset="-79"/>
               </a:rPr>
-              <a:t>Online sales are significantly higher</a:t>
-            </a:r>
-          </a:p>
-          <a:p>
-            <a:pPr lvl="1">
-              <a:spcBef>
-                <a:spcPts val="300"/>
-              </a:spcBef>
-              <a:spcAft>
-                <a:spcPts val="300"/>
-              </a:spcAft>
-              <a:buFont typeface="Arial" panose="020B0604020202020204" pitchFamily="34" charset="0"/>
-              <a:buChar char="•"/>
-            </a:pPr>
-            <a:r>
-              <a:rPr lang="en-US" sz="1500" dirty="0">
-                <a:solidFill>
-                  <a:schemeClr val="tx1"/>
-                </a:solidFill>
-                <a:latin typeface="Avenir Next LT Pro" panose="020B0504020202020204" pitchFamily="34" charset="0"/>
-                <a:cs typeface="Levenim MT" panose="020B0604020202020204" pitchFamily="2" charset="-79"/>
-              </a:rPr>
-              <a:t>Women’s apparel is the most frequently occurring item</a:t>
-            </a:r>
-          </a:p>
-          <a:p>
-            <a:pPr lvl="1">
-              <a:spcBef>
-                <a:spcPts val="300"/>
-              </a:spcBef>
-              <a:spcAft>
-                <a:spcPts val="300"/>
-              </a:spcAft>
-              <a:buFont typeface="Arial" panose="020B0604020202020204" pitchFamily="34" charset="0"/>
-              <a:buChar char="•"/>
-            </a:pPr>
-            <a:r>
-              <a:rPr lang="en-US" sz="1500" dirty="0">
-                <a:solidFill>
-                  <a:schemeClr val="tx1"/>
-                </a:solidFill>
-                <a:latin typeface="Avenir Next LT Pro" panose="020B0504020202020204" pitchFamily="34" charset="0"/>
-                <a:cs typeface="Levenim MT" panose="020B0604020202020204" pitchFamily="2" charset="-79"/>
-              </a:rPr>
-              <a:t>Men’s street footwear is the most sold men’s product </a:t>
-            </a:r>
+            </a:br>
+            <a:endParaRPr lang="en-US" sz="1500" dirty="0">
+              <a:solidFill>
+                <a:schemeClr val="tx1"/>
+              </a:solidFill>
+              <a:latin typeface="Avenir Next LT Pro" panose="020B0504020202020204" pitchFamily="34" charset="0"/>
+              <a:cs typeface="Levenim MT" panose="020B0604020202020204" pitchFamily="2" charset="-79"/>
+            </a:endParaRPr>
           </a:p>
         </p:txBody>
       </p:sp>
       <p:pic>
         <p:nvPicPr>
-          <p:cNvPr id="8" name="Picture 7" descr="Icon&#10;&#10;Description automatically generated with medium confidence">
+          <p:cNvPr id="7" name="Picture 6" descr="Chart, line chart&#10;&#10;Description automatically generated">
             <a:extLst>
               <a:ext uri="{FF2B5EF4-FFF2-40B4-BE49-F238E27FC236}">
-                <a16:creationId xmlns:a16="http://schemas.microsoft.com/office/drawing/2014/main" id="{9B64D736-48E1-0B87-A9B6-D60B2B8F8FC4}"/>
+                <a16:creationId xmlns:a16="http://schemas.microsoft.com/office/drawing/2014/main" id="{7313649D-5190-6D5E-1C5F-4F3501DB8FC8}"/>
               </a:ext>
             </a:extLst>
           </p:cNvPr>
@@ -6594,8 +7666,8 @@
         </p:blipFill>
         <p:spPr>
           <a:xfrm>
-            <a:off x="6524482" y="269768"/>
-            <a:ext cx="2168030" cy="6425672"/>
+            <a:off x="7212526" y="100509"/>
+            <a:ext cx="4132794" cy="2641579"/>
           </a:xfrm>
           <a:prstGeom prst="rect">
             <a:avLst/>
@@ -6604,10 +7676,10 @@
       </p:pic>
       <p:pic>
         <p:nvPicPr>
-          <p:cNvPr id="10" name="Picture 9" descr="Icon&#10;&#10;Description automatically generated">
+          <p:cNvPr id="8" name="Picture 7" descr="Chart, radar chart&#10;&#10;Description automatically generated">
             <a:extLst>
               <a:ext uri="{FF2B5EF4-FFF2-40B4-BE49-F238E27FC236}">
-                <a16:creationId xmlns:a16="http://schemas.microsoft.com/office/drawing/2014/main" id="{98E5408A-076E-CEB4-589E-51E8119A8365}"/>
+                <a16:creationId xmlns:a16="http://schemas.microsoft.com/office/drawing/2014/main" id="{1B0DF855-38B4-B535-FE12-FF596885CEA9}"/>
               </a:ext>
             </a:extLst>
           </p:cNvPr>
@@ -6616,7 +7688,7 @@
           </p:cNvPicPr>
           <p:nvPr/>
         </p:nvPicPr>
-        <p:blipFill>
+        <p:blipFill rotWithShape="1">
           <a:blip r:embed="rId5">
             <a:extLst>
               <a:ext uri="{28A0092B-C50C-407E-A947-70E740481C1C}">
@@ -6624,14 +7696,13 @@
               </a:ext>
             </a:extLst>
           </a:blip>
-          <a:stretch>
-            <a:fillRect/>
-          </a:stretch>
+          <a:srcRect l="18554"/>
+          <a:stretch/>
         </p:blipFill>
         <p:spPr>
           <a:xfrm>
-            <a:off x="8619224" y="162560"/>
-            <a:ext cx="3574694" cy="6492240"/>
+            <a:off x="7197652" y="3093995"/>
+            <a:ext cx="4743704" cy="3205205"/>
           </a:xfrm>
           <a:prstGeom prst="rect">
             <a:avLst/>
@@ -6641,7 +7712,7 @@
     </p:spTree>
     <p:extLst>
       <p:ext uri="{BB962C8B-B14F-4D97-AF65-F5344CB8AC3E}">
-        <p14:creationId xmlns:p14="http://schemas.microsoft.com/office/powerpoint/2010/main" val="1135084300"/>
+        <p14:creationId xmlns:p14="http://schemas.microsoft.com/office/powerpoint/2010/main" val="2912860317"/>
       </p:ext>
     </p:extLst>
   </p:cSld>
@@ -6688,72 +7759,12 @@
           <a:chExt cx="0" cy="0"/>
         </a:xfrm>
       </p:grpSpPr>
-      <p:sp useBgFill="1">
-        <p:nvSpPr>
-          <p:cNvPr id="54" name="Rectangle 51">
-            <a:extLst>
-              <a:ext uri="{FF2B5EF4-FFF2-40B4-BE49-F238E27FC236}">
-                <a16:creationId xmlns:a16="http://schemas.microsoft.com/office/drawing/2014/main" id="{0AAD52C3-F510-4AD2-8B1D-7D8A574BA0F3}"/>
-              </a:ext>
-              <a:ext uri="{C183D7F6-B498-43B3-948B-1728B52AA6E4}">
-                <adec:decorative xmlns:adec="http://schemas.microsoft.com/office/drawing/2017/decorative" val="1"/>
-              </a:ext>
-            </a:extLst>
-          </p:cNvPr>
-          <p:cNvSpPr>
-            <a:spLocks noGrp="1" noRot="1" noChangeAspect="1" noMove="1" noResize="1" noEditPoints="1" noAdjustHandles="1" noChangeArrowheads="1" noChangeShapeType="1" noTextEdit="1"/>
-          </p:cNvSpPr>
-          <p:nvPr>
-            <p:extLst>
-              <p:ext uri="{386F3935-93C4-4BCD-93E2-E3B085C9AB24}">
-                <p16:designElem xmlns:p16="http://schemas.microsoft.com/office/powerpoint/2015/main" val="1"/>
-              </p:ext>
-            </p:extLst>
-          </p:nvPr>
-        </p:nvSpPr>
-        <p:spPr>
-          <a:xfrm>
-            <a:off x="-1" y="0"/>
-            <a:ext cx="12188952" cy="6858000"/>
-          </a:xfrm>
-          <a:prstGeom prst="rect">
-            <a:avLst/>
-          </a:prstGeom>
-          <a:ln>
-            <a:noFill/>
-          </a:ln>
-        </p:spPr>
-        <p:style>
-          <a:lnRef idx="2">
-            <a:schemeClr val="accent1">
-              <a:shade val="50000"/>
-            </a:schemeClr>
-          </a:lnRef>
-          <a:fillRef idx="1">
-            <a:schemeClr val="accent1"/>
-          </a:fillRef>
-          <a:effectRef idx="0">
-            <a:schemeClr val="accent1"/>
-          </a:effectRef>
-          <a:fontRef idx="minor">
-            <a:schemeClr val="lt1"/>
-          </a:fontRef>
-        </p:style>
-        <p:txBody>
-          <a:bodyPr rtlCol="0" anchor="ctr"/>
-          <a:lstStyle/>
-          <a:p>
-            <a:pPr algn="ctr"/>
-            <a:endParaRPr lang="en-US"/>
-          </a:p>
-        </p:txBody>
-      </p:sp>
       <p:sp>
         <p:nvSpPr>
-          <p:cNvPr id="26" name="Title 25">
+          <p:cNvPr id="2" name="Title 25">
             <a:extLst>
               <a:ext uri="{FF2B5EF4-FFF2-40B4-BE49-F238E27FC236}">
-                <a16:creationId xmlns:a16="http://schemas.microsoft.com/office/drawing/2014/main" id="{27ED0F80-138B-4A4E-B34B-8C68CC474DC4}"/>
+                <a16:creationId xmlns:a16="http://schemas.microsoft.com/office/drawing/2014/main" id="{12A7BC12-2A41-309B-5EB6-6096DE6A9AC2}"/>
               </a:ext>
             </a:extLst>
           </p:cNvPr>
@@ -6766,8 +7777,8 @@
         </p:nvSpPr>
         <p:spPr>
           <a:xfrm>
-            <a:off x="507997" y="509245"/>
-            <a:ext cx="5171299" cy="933173"/>
+            <a:off x="681917" y="275565"/>
+            <a:ext cx="5839769" cy="882699"/>
           </a:xfrm>
         </p:spPr>
         <p:txBody>
@@ -6783,7 +7794,7 @@
                 </a:solidFill>
                 <a:latin typeface="Avenir Next LT Pro" panose="020B0504020202020204" pitchFamily="34" charset="0"/>
               </a:rPr>
-              <a:t>Business Insights in Clusters (Retailer and Region - optional)</a:t>
+              <a:t>Business Insights in Clusters</a:t>
             </a:r>
           </a:p>
         </p:txBody>
@@ -6793,7 +7804,7 @@
           <p:cNvPr id="3" name="Text Placeholder 26">
             <a:extLst>
               <a:ext uri="{FF2B5EF4-FFF2-40B4-BE49-F238E27FC236}">
-                <a16:creationId xmlns:a16="http://schemas.microsoft.com/office/drawing/2014/main" id="{24EC3D39-AF9A-CD00-4D45-AA3BDEAECA03}"/>
+                <a16:creationId xmlns:a16="http://schemas.microsoft.com/office/drawing/2014/main" id="{B58A45BD-703D-EA94-B428-32802C15E137}"/>
               </a:ext>
             </a:extLst>
           </p:cNvPr>
@@ -6804,8 +7815,8 @@
         </p:nvSpPr>
         <p:spPr>
           <a:xfrm>
-            <a:off x="210589" y="1645920"/>
-            <a:ext cx="6313893" cy="4988560"/>
+            <a:off x="444500" y="822960"/>
+            <a:ext cx="5940282" cy="5641340"/>
           </a:xfrm>
           <a:prstGeom prst="rect">
             <a:avLst/>
@@ -7038,7 +8049,7 @@
                 <a:latin typeface="Avenir Next LT Pro" panose="020B0504020202020204" pitchFamily="34" charset="0"/>
                 <a:cs typeface="Levenim MT" panose="020B0604020202020204" pitchFamily="2" charset="-79"/>
               </a:rPr>
-              <a:t>Almost equally distributed between West gear and Sports Direct</a:t>
+              <a:t>Sales methods are almost evenly distributed, outlet being highest</a:t>
             </a:r>
           </a:p>
           <a:p>
@@ -7060,9 +8071,21 @@
                 <a:latin typeface="Avenir Next LT Pro" panose="020B0504020202020204" pitchFamily="34" charset="0"/>
                 <a:cs typeface="Levenim MT" panose="020B0604020202020204" pitchFamily="2" charset="-79"/>
               </a:rPr>
-              <a:t>Prominently hailed in the west and southeastern regions</a:t>
-            </a:r>
-            <a:br>
+              <a:t>Men’s Street footwear is the highest </a:t>
+            </a:r>
+          </a:p>
+          <a:p>
+            <a:pPr lvl="1">
+              <a:spcBef>
+                <a:spcPts val="300"/>
+              </a:spcBef>
+              <a:spcAft>
+                <a:spcPts val="300"/>
+              </a:spcAft>
+              <a:buFont typeface="Arial" panose="020B0604020202020204" pitchFamily="34" charset="0"/>
+              <a:buChar char="•"/>
+            </a:pPr>
+            <a:r>
               <a:rPr lang="en-US" sz="1500" dirty="0">
                 <a:solidFill>
                   <a:schemeClr val="tx1"/>
@@ -7070,16 +8093,8 @@
                 <a:latin typeface="Avenir Next LT Pro" panose="020B0504020202020204" pitchFamily="34" charset="0"/>
                 <a:cs typeface="Levenim MT" panose="020B0604020202020204" pitchFamily="2" charset="-79"/>
               </a:rPr>
-            </a:br>
-            <a:br>
-              <a:rPr lang="en-US" sz="1500" dirty="0">
-                <a:solidFill>
-                  <a:schemeClr val="tx1"/>
-                </a:solidFill>
-                <a:latin typeface="Avenir Next LT Pro" panose="020B0504020202020204" pitchFamily="34" charset="0"/>
-                <a:cs typeface="Levenim MT" panose="020B0604020202020204" pitchFamily="2" charset="-79"/>
-              </a:rPr>
-            </a:br>
+              <a:t>Women’s apparel is the highest contributed for women products</a:t>
+            </a:r>
             <a:br>
               <a:rPr lang="en-US" sz="1500" dirty="0">
                 <a:solidFill>
@@ -7137,7 +8152,7 @@
                 <a:latin typeface="Avenir Next LT Pro" panose="020B0504020202020204" pitchFamily="34" charset="0"/>
                 <a:cs typeface="Levenim MT" panose="020B0604020202020204" pitchFamily="2" charset="-79"/>
               </a:rPr>
-              <a:t>Only cluster where footlocker is the highest retailer in terms of units sold </a:t>
+              <a:t>Sales method seem to be evenly distributed</a:t>
             </a:r>
           </a:p>
           <a:p>
@@ -7159,9 +8174,21 @@
                 <a:latin typeface="Avenir Next LT Pro" panose="020B0504020202020204" pitchFamily="34" charset="0"/>
                 <a:cs typeface="Levenim MT" panose="020B0604020202020204" pitchFamily="2" charset="-79"/>
               </a:rPr>
-              <a:t>Prominent in West and Northeastern regions however sales in southeast region stand less</a:t>
-            </a:r>
-            <a:br>
+              <a:t>Women’s streetwear is the highest sold item in women’s products</a:t>
+            </a:r>
+          </a:p>
+          <a:p>
+            <a:pPr lvl="1">
+              <a:spcBef>
+                <a:spcPts val="300"/>
+              </a:spcBef>
+              <a:spcAft>
+                <a:spcPts val="300"/>
+              </a:spcAft>
+              <a:buFont typeface="Arial" panose="020B0604020202020204" pitchFamily="34" charset="0"/>
+              <a:buChar char="•"/>
+            </a:pPr>
+            <a:r>
               <a:rPr lang="en-US" sz="1500" dirty="0">
                 <a:solidFill>
                   <a:schemeClr val="tx1"/>
@@ -7169,7 +8196,8 @@
                 <a:latin typeface="Avenir Next LT Pro" panose="020B0504020202020204" pitchFamily="34" charset="0"/>
                 <a:cs typeface="Levenim MT" panose="020B0604020202020204" pitchFamily="2" charset="-79"/>
               </a:rPr>
-            </a:br>
+              <a:t>Men’s athletic version footwear is the highest sold item in men’s products</a:t>
+            </a:r>
             <a:br>
               <a:rPr lang="en-US" sz="1500" dirty="0">
                 <a:solidFill>
@@ -7227,7 +8255,7 @@
                 <a:latin typeface="Avenir Next LT Pro" panose="020B0504020202020204" pitchFamily="34" charset="0"/>
                 <a:cs typeface="Levenim MT" panose="020B0604020202020204" pitchFamily="2" charset="-79"/>
               </a:rPr>
-              <a:t>Sports Direct and West gear are equally distributed in terms of units sold</a:t>
+              <a:t>Online sales are significantly higher</a:t>
             </a:r>
           </a:p>
           <a:p>
@@ -7249,7 +8277,7 @@
                 <a:latin typeface="Avenir Next LT Pro" panose="020B0504020202020204" pitchFamily="34" charset="0"/>
                 <a:cs typeface="Levenim MT" panose="020B0604020202020204" pitchFamily="2" charset="-79"/>
               </a:rPr>
-              <a:t>Heavily oriented in south and west</a:t>
+              <a:t>Women’s apparel is the most frequently occurring item</a:t>
             </a:r>
           </a:p>
           <a:p>
@@ -7263,22 +8291,25 @@
               <a:buFont typeface="Arial" panose="020B0604020202020204" pitchFamily="34" charset="0"/>
               <a:buChar char="•"/>
             </a:pPr>
-            <a:endParaRPr lang="en-US" sz="1500" dirty="0">
-              <a:solidFill>
-                <a:schemeClr val="tx1"/>
-              </a:solidFill>
-              <a:latin typeface="Avenir Next LT Pro" panose="020B0504020202020204" pitchFamily="34" charset="0"/>
-              <a:cs typeface="Levenim MT" panose="020B0604020202020204" pitchFamily="2" charset="-79"/>
-            </a:endParaRPr>
+            <a:r>
+              <a:rPr lang="en-US" sz="1500" dirty="0">
+                <a:solidFill>
+                  <a:schemeClr val="tx1"/>
+                </a:solidFill>
+                <a:latin typeface="Avenir Next LT Pro" panose="020B0504020202020204" pitchFamily="34" charset="0"/>
+                <a:cs typeface="Levenim MT" panose="020B0604020202020204" pitchFamily="2" charset="-79"/>
+              </a:rPr>
+              <a:t>Men’s street footwear is the most sold men’s product </a:t>
+            </a:r>
           </a:p>
         </p:txBody>
       </p:sp>
       <p:pic>
         <p:nvPicPr>
-          <p:cNvPr id="5" name="Picture 4" descr="Logo&#10;&#10;Description automatically generated">
+          <p:cNvPr id="7" name="Picture 6" descr="Icon&#10;&#10;Description automatically generated with medium confidence">
             <a:extLst>
               <a:ext uri="{FF2B5EF4-FFF2-40B4-BE49-F238E27FC236}">
-                <a16:creationId xmlns:a16="http://schemas.microsoft.com/office/drawing/2014/main" id="{133ABBD9-B4CA-C776-DB21-DCA6C7DE36F8}"/>
+                <a16:creationId xmlns:a16="http://schemas.microsoft.com/office/drawing/2014/main" id="{F2F88168-7923-8051-C220-9B88DCD0C99A}"/>
               </a:ext>
             </a:extLst>
           </p:cNvPr>
@@ -7301,8 +8332,8 @@
         </p:blipFill>
         <p:spPr>
           <a:xfrm>
-            <a:off x="9323644" y="33160"/>
-            <a:ext cx="2387746" cy="6858000"/>
+            <a:off x="6759103" y="275565"/>
+            <a:ext cx="2048228" cy="6070600"/>
           </a:xfrm>
           <a:prstGeom prst="rect">
             <a:avLst/>
@@ -7311,10 +8342,10 @@
       </p:pic>
       <p:pic>
         <p:nvPicPr>
-          <p:cNvPr id="8" name="Picture 7" descr="Logo&#10;&#10;Description automatically generated">
+          <p:cNvPr id="9" name="Picture 8" descr="Icon&#10;&#10;Description automatically generated">
             <a:extLst>
               <a:ext uri="{FF2B5EF4-FFF2-40B4-BE49-F238E27FC236}">
-                <a16:creationId xmlns:a16="http://schemas.microsoft.com/office/drawing/2014/main" id="{4836CD10-BB47-5D12-596F-9BFBB4279EE0}"/>
+                <a16:creationId xmlns:a16="http://schemas.microsoft.com/office/drawing/2014/main" id="{401299D1-A41C-943F-A2F5-8DA4148F3951}"/>
               </a:ext>
             </a:extLst>
           </p:cNvPr>
@@ -7337,8 +8368,8 @@
         </p:blipFill>
         <p:spPr>
           <a:xfrm>
-            <a:off x="6735168" y="33160"/>
-            <a:ext cx="2358207" cy="6858000"/>
+            <a:off x="8771905" y="275565"/>
+            <a:ext cx="3342536" cy="6070600"/>
           </a:xfrm>
           <a:prstGeom prst="rect">
             <a:avLst/>
@@ -7348,7 +8379,7 @@
     </p:spTree>
     <p:extLst>
       <p:ext uri="{BB962C8B-B14F-4D97-AF65-F5344CB8AC3E}">
-        <p14:creationId xmlns:p14="http://schemas.microsoft.com/office/powerpoint/2010/main" val="812677070"/>
+        <p14:creationId xmlns:p14="http://schemas.microsoft.com/office/powerpoint/2010/main" val="4084799214"/>
       </p:ext>
     </p:extLst>
   </p:cSld>
@@ -7395,72 +8426,12 @@
           <a:chExt cx="0" cy="0"/>
         </a:xfrm>
       </p:grpSpPr>
-      <p:sp useBgFill="1">
-        <p:nvSpPr>
-          <p:cNvPr id="54" name="Rectangle 51">
-            <a:extLst>
-              <a:ext uri="{FF2B5EF4-FFF2-40B4-BE49-F238E27FC236}">
-                <a16:creationId xmlns:a16="http://schemas.microsoft.com/office/drawing/2014/main" id="{0AAD52C3-F510-4AD2-8B1D-7D8A574BA0F3}"/>
-              </a:ext>
-              <a:ext uri="{C183D7F6-B498-43B3-948B-1728B52AA6E4}">
-                <adec:decorative xmlns:adec="http://schemas.microsoft.com/office/drawing/2017/decorative" val="1"/>
-              </a:ext>
-            </a:extLst>
-          </p:cNvPr>
-          <p:cNvSpPr>
-            <a:spLocks noGrp="1" noRot="1" noChangeAspect="1" noMove="1" noResize="1" noEditPoints="1" noAdjustHandles="1" noChangeArrowheads="1" noChangeShapeType="1" noTextEdit="1"/>
-          </p:cNvSpPr>
-          <p:nvPr>
-            <p:extLst>
-              <p:ext uri="{386F3935-93C4-4BCD-93E2-E3B085C9AB24}">
-                <p16:designElem xmlns:p16="http://schemas.microsoft.com/office/powerpoint/2015/main" val="1"/>
-              </p:ext>
-            </p:extLst>
-          </p:nvPr>
-        </p:nvSpPr>
-        <p:spPr>
-          <a:xfrm>
-            <a:off x="-1" y="0"/>
-            <a:ext cx="12188952" cy="6858000"/>
-          </a:xfrm>
-          <a:prstGeom prst="rect">
-            <a:avLst/>
-          </a:prstGeom>
-          <a:ln>
-            <a:noFill/>
-          </a:ln>
-        </p:spPr>
-        <p:style>
-          <a:lnRef idx="2">
-            <a:schemeClr val="accent1">
-              <a:shade val="50000"/>
-            </a:schemeClr>
-          </a:lnRef>
-          <a:fillRef idx="1">
-            <a:schemeClr val="accent1"/>
-          </a:fillRef>
-          <a:effectRef idx="0">
-            <a:schemeClr val="accent1"/>
-          </a:effectRef>
-          <a:fontRef idx="minor">
-            <a:schemeClr val="lt1"/>
-          </a:fontRef>
-        </p:style>
-        <p:txBody>
-          <a:bodyPr rtlCol="0" anchor="ctr"/>
-          <a:lstStyle/>
-          <a:p>
-            <a:pPr algn="ctr"/>
-            <a:endParaRPr lang="en-US"/>
-          </a:p>
-        </p:txBody>
-      </p:sp>
       <p:sp>
         <p:nvSpPr>
-          <p:cNvPr id="26" name="Title 25">
+          <p:cNvPr id="2" name="Title 25">
             <a:extLst>
               <a:ext uri="{FF2B5EF4-FFF2-40B4-BE49-F238E27FC236}">
-                <a16:creationId xmlns:a16="http://schemas.microsoft.com/office/drawing/2014/main" id="{27ED0F80-138B-4A4E-B34B-8C68CC474DC4}"/>
+                <a16:creationId xmlns:a16="http://schemas.microsoft.com/office/drawing/2014/main" id="{1E433D2D-05DF-EFC0-7C25-161B167B56A7}"/>
               </a:ext>
             </a:extLst>
           </p:cNvPr>
@@ -7473,13 +8444,13 @@
         </p:nvSpPr>
         <p:spPr>
           <a:xfrm>
-            <a:off x="210589" y="509245"/>
-            <a:ext cx="5468707" cy="933173"/>
+            <a:off x="876297" y="852146"/>
+            <a:ext cx="5837019" cy="869906"/>
           </a:xfrm>
         </p:spPr>
         <p:txBody>
           <a:bodyPr vert="horz" lIns="91440" tIns="45720" rIns="91440" bIns="45720" rtlCol="0" anchor="ctr">
-            <a:normAutofit/>
+            <a:normAutofit fontScale="90000"/>
           </a:bodyPr>
           <a:lstStyle/>
           <a:p>
@@ -7490,7 +8461,7 @@
                 </a:solidFill>
                 <a:latin typeface="Avenir Next LT Pro" panose="020B0504020202020204" pitchFamily="34" charset="0"/>
               </a:rPr>
-              <a:t>Recommendations</a:t>
+              <a:t>Business Insights in Clusters (Retailer and Region - optional)</a:t>
             </a:r>
           </a:p>
         </p:txBody>
@@ -7500,7 +8471,7 @@
           <p:cNvPr id="3" name="Text Placeholder 26">
             <a:extLst>
               <a:ext uri="{FF2B5EF4-FFF2-40B4-BE49-F238E27FC236}">
-                <a16:creationId xmlns:a16="http://schemas.microsoft.com/office/drawing/2014/main" id="{24EC3D39-AF9A-CD00-4D45-AA3BDEAECA03}"/>
+                <a16:creationId xmlns:a16="http://schemas.microsoft.com/office/drawing/2014/main" id="{224E1FD6-10CC-6101-2992-ECB43A543321}"/>
               </a:ext>
             </a:extLst>
           </p:cNvPr>
@@ -7511,8 +8482,8 @@
         </p:nvSpPr>
         <p:spPr>
           <a:xfrm>
-            <a:off x="210589" y="1188720"/>
-            <a:ext cx="11727411" cy="2854960"/>
+            <a:off x="578890" y="1747520"/>
+            <a:ext cx="6524578" cy="4650345"/>
           </a:xfrm>
           <a:prstGeom prst="rect">
             <a:avLst/>
@@ -7706,15 +8677,14 @@
             </a:lvl9pPr>
           </a:lstStyle>
           <a:p>
-            <a:pPr>
+            <a:pPr marL="0" indent="0" algn="ctr">
               <a:spcBef>
                 <a:spcPts val="300"/>
               </a:spcBef>
               <a:spcAft>
                 <a:spcPts val="300"/>
               </a:spcAft>
-              <a:buFont typeface="Arial" panose="020B0604020202020204" pitchFamily="34" charset="0"/>
-              <a:buChar char="•"/>
+              <a:buNone/>
             </a:pPr>
             <a:r>
               <a:rPr lang="en-US" sz="1500" dirty="0">
@@ -7724,18 +8694,61 @@
                 <a:latin typeface="Avenir Next LT Pro" panose="020B0504020202020204" pitchFamily="34" charset="0"/>
                 <a:cs typeface="Levenim MT" panose="020B0604020202020204" pitchFamily="2" charset="-79"/>
               </a:rPr>
-              <a:t>Cluster 2 stores can attract more units sold while maintaining its characteristics of possessing low operating margin if they can promote women’s apparel in </a:t>
-            </a:r>
-            <a:r>
-              <a:rPr lang="en-US" sz="1500">
+              <a:t>Cluster 1 (Low operating margin and high averages of other features) </a:t>
+            </a:r>
+          </a:p>
+          <a:p>
+            <a:pPr lvl="1">
+              <a:spcBef>
+                <a:spcPts val="300"/>
+              </a:spcBef>
+              <a:spcAft>
+                <a:spcPts val="300"/>
+              </a:spcAft>
+              <a:buFont typeface="Arial" panose="020B0604020202020204" pitchFamily="34" charset="0"/>
+              <a:buChar char="•"/>
+            </a:pPr>
+            <a:r>
+              <a:rPr lang="en-US" sz="1500" dirty="0">
                 <a:solidFill>
                   <a:schemeClr val="tx1"/>
                 </a:solidFill>
                 <a:latin typeface="Avenir Next LT Pro" panose="020B0504020202020204" pitchFamily="34" charset="0"/>
                 <a:cs typeface="Levenim MT" panose="020B0604020202020204" pitchFamily="2" charset="-79"/>
               </a:rPr>
-              <a:t>women’s products</a:t>
-            </a:r>
+              <a:t>Almost equally distributed between West gear and Sports Direct</a:t>
+            </a:r>
+          </a:p>
+          <a:p>
+            <a:pPr lvl="1">
+              <a:spcBef>
+                <a:spcPts val="300"/>
+              </a:spcBef>
+              <a:spcAft>
+                <a:spcPts val="300"/>
+              </a:spcAft>
+              <a:buFont typeface="Arial" panose="020B0604020202020204" pitchFamily="34" charset="0"/>
+              <a:buChar char="•"/>
+            </a:pPr>
+            <a:r>
+              <a:rPr lang="en-US" sz="1500" dirty="0">
+                <a:solidFill>
+                  <a:schemeClr val="tx1"/>
+                </a:solidFill>
+                <a:latin typeface="Avenir Next LT Pro" panose="020B0504020202020204" pitchFamily="34" charset="0"/>
+                <a:cs typeface="Levenim MT" panose="020B0604020202020204" pitchFamily="2" charset="-79"/>
+              </a:rPr>
+              <a:t>Prominently hailed in the west and southeastern regions</a:t>
+            </a:r>
+            <a:br>
+              <a:rPr lang="en-US" sz="1500" dirty="0">
+                <a:solidFill>
+                  <a:schemeClr val="tx1"/>
+                </a:solidFill>
+                <a:latin typeface="Avenir Next LT Pro" panose="020B0504020202020204" pitchFamily="34" charset="0"/>
+                <a:cs typeface="Levenim MT" panose="020B0604020202020204" pitchFamily="2" charset="-79"/>
+              </a:rPr>
+            </a:br>
             <a:endParaRPr lang="en-US" sz="1500" dirty="0">
               <a:solidFill>
                 <a:schemeClr val="tx1"/>
@@ -7745,7 +8758,153 @@
             </a:endParaRPr>
           </a:p>
           <a:p>
-            <a:pPr>
+            <a:pPr marL="0" indent="0" algn="ctr">
+              <a:spcBef>
+                <a:spcPts val="300"/>
+              </a:spcBef>
+              <a:spcAft>
+                <a:spcPts val="300"/>
+              </a:spcAft>
+              <a:buNone/>
+            </a:pPr>
+            <a:r>
+              <a:rPr lang="en-US" sz="1500" dirty="0">
+                <a:solidFill>
+                  <a:schemeClr val="tx1"/>
+                </a:solidFill>
+                <a:latin typeface="Avenir Next LT Pro" panose="020B0504020202020204" pitchFamily="34" charset="0"/>
+                <a:cs typeface="Levenim MT" panose="020B0604020202020204" pitchFamily="2" charset="-79"/>
+              </a:rPr>
+              <a:t>Cluster 2 (Low operating margin and low averages of other features)</a:t>
+            </a:r>
+          </a:p>
+          <a:p>
+            <a:pPr lvl="1">
+              <a:spcBef>
+                <a:spcPts val="300"/>
+              </a:spcBef>
+              <a:spcAft>
+                <a:spcPts val="300"/>
+              </a:spcAft>
+              <a:buFont typeface="Arial" panose="020B0604020202020204" pitchFamily="34" charset="0"/>
+              <a:buChar char="•"/>
+            </a:pPr>
+            <a:r>
+              <a:rPr lang="en-US" sz="1500" dirty="0">
+                <a:solidFill>
+                  <a:schemeClr val="tx1"/>
+                </a:solidFill>
+                <a:latin typeface="Avenir Next LT Pro" panose="020B0504020202020204" pitchFamily="34" charset="0"/>
+                <a:cs typeface="Levenim MT" panose="020B0604020202020204" pitchFamily="2" charset="-79"/>
+              </a:rPr>
+              <a:t>Only cluster where footlocker is the highest retailer in terms of units sold </a:t>
+            </a:r>
+          </a:p>
+          <a:p>
+            <a:pPr lvl="1">
+              <a:spcBef>
+                <a:spcPts val="300"/>
+              </a:spcBef>
+              <a:spcAft>
+                <a:spcPts val="300"/>
+              </a:spcAft>
+              <a:buFont typeface="Arial" panose="020B0604020202020204" pitchFamily="34" charset="0"/>
+              <a:buChar char="•"/>
+            </a:pPr>
+            <a:r>
+              <a:rPr lang="en-US" sz="1500" dirty="0">
+                <a:solidFill>
+                  <a:schemeClr val="tx1"/>
+                </a:solidFill>
+                <a:latin typeface="Avenir Next LT Pro" panose="020B0504020202020204" pitchFamily="34" charset="0"/>
+                <a:cs typeface="Levenim MT" panose="020B0604020202020204" pitchFamily="2" charset="-79"/>
+              </a:rPr>
+              <a:t>Prominent in West and Northeastern regions however sales in southeast region stand less</a:t>
+            </a:r>
+            <a:br>
+              <a:rPr lang="en-US" sz="1500" dirty="0">
+                <a:solidFill>
+                  <a:schemeClr val="tx1"/>
+                </a:solidFill>
+                <a:latin typeface="Avenir Next LT Pro" panose="020B0504020202020204" pitchFamily="34" charset="0"/>
+                <a:cs typeface="Levenim MT" panose="020B0604020202020204" pitchFamily="2" charset="-79"/>
+              </a:rPr>
+            </a:br>
+            <a:endParaRPr lang="en-US" sz="1500" dirty="0">
+              <a:solidFill>
+                <a:schemeClr val="tx1"/>
+              </a:solidFill>
+              <a:latin typeface="Avenir Next LT Pro" panose="020B0504020202020204" pitchFamily="34" charset="0"/>
+              <a:cs typeface="Levenim MT" panose="020B0604020202020204" pitchFamily="2" charset="-79"/>
+            </a:endParaRPr>
+          </a:p>
+          <a:p>
+            <a:pPr marL="0" indent="0" algn="ctr">
+              <a:spcBef>
+                <a:spcPts val="300"/>
+              </a:spcBef>
+              <a:spcAft>
+                <a:spcPts val="300"/>
+              </a:spcAft>
+              <a:buNone/>
+            </a:pPr>
+            <a:r>
+              <a:rPr lang="en-US" sz="1500" dirty="0">
+                <a:solidFill>
+                  <a:schemeClr val="tx1"/>
+                </a:solidFill>
+                <a:latin typeface="Avenir Next LT Pro" panose="020B0504020202020204" pitchFamily="34" charset="0"/>
+                <a:cs typeface="Levenim MT" panose="020B0604020202020204" pitchFamily="2" charset="-79"/>
+              </a:rPr>
+              <a:t>Cluster 3 (High operating margin and low averages of other features)</a:t>
+            </a:r>
+          </a:p>
+          <a:p>
+            <a:pPr lvl="1">
+              <a:spcBef>
+                <a:spcPts val="300"/>
+              </a:spcBef>
+              <a:spcAft>
+                <a:spcPts val="300"/>
+              </a:spcAft>
+              <a:buFont typeface="Arial" panose="020B0604020202020204" pitchFamily="34" charset="0"/>
+              <a:buChar char="•"/>
+            </a:pPr>
+            <a:r>
+              <a:rPr lang="en-US" sz="1500" dirty="0">
+                <a:solidFill>
+                  <a:schemeClr val="tx1"/>
+                </a:solidFill>
+                <a:latin typeface="Avenir Next LT Pro" panose="020B0504020202020204" pitchFamily="34" charset="0"/>
+                <a:cs typeface="Levenim MT" panose="020B0604020202020204" pitchFamily="2" charset="-79"/>
+              </a:rPr>
+              <a:t>Sports Direct and West gear are equally distributed in terms of units sold</a:t>
+            </a:r>
+          </a:p>
+          <a:p>
+            <a:pPr lvl="1">
+              <a:spcBef>
+                <a:spcPts val="300"/>
+              </a:spcBef>
+              <a:spcAft>
+                <a:spcPts val="300"/>
+              </a:spcAft>
+              <a:buFont typeface="Arial" panose="020B0604020202020204" pitchFamily="34" charset="0"/>
+              <a:buChar char="•"/>
+            </a:pPr>
+            <a:r>
+              <a:rPr lang="en-US" sz="1500" dirty="0">
+                <a:solidFill>
+                  <a:schemeClr val="tx1"/>
+                </a:solidFill>
+                <a:latin typeface="Avenir Next LT Pro" panose="020B0504020202020204" pitchFamily="34" charset="0"/>
+                <a:cs typeface="Levenim MT" panose="020B0604020202020204" pitchFamily="2" charset="-79"/>
+              </a:rPr>
+              <a:t>Heavily oriented in south and west</a:t>
+            </a:r>
+          </a:p>
+          <a:p>
+            <a:pPr lvl="1">
               <a:spcBef>
                 <a:spcPts val="300"/>
               </a:spcBef>
@@ -7767,10 +8926,582 @@
       </p:sp>
       <p:pic>
         <p:nvPicPr>
-          <p:cNvPr id="4" name="Picture 3">
+          <p:cNvPr id="7" name="Picture 6" descr="Logo&#10;&#10;Description automatically generated">
             <a:extLst>
               <a:ext uri="{FF2B5EF4-FFF2-40B4-BE49-F238E27FC236}">
-                <a16:creationId xmlns:a16="http://schemas.microsoft.com/office/drawing/2014/main" id="{DFAFD751-C732-576C-E991-E807C3B97278}"/>
+                <a16:creationId xmlns:a16="http://schemas.microsoft.com/office/drawing/2014/main" id="{3185375E-68BE-EC88-89C8-E010F1DD1B36}"/>
+              </a:ext>
+            </a:extLst>
+          </p:cNvPr>
+          <p:cNvPicPr>
+            <a:picLocks noChangeAspect="1"/>
+          </p:cNvPicPr>
+          <p:nvPr/>
+        </p:nvPicPr>
+        <p:blipFill>
+          <a:blip r:embed="rId4">
+            <a:extLst>
+              <a:ext uri="{28A0092B-C50C-407E-A947-70E740481C1C}">
+                <a14:useLocalDpi xmlns:a14="http://schemas.microsoft.com/office/drawing/2010/main" val="0"/>
+              </a:ext>
+            </a:extLst>
+          </a:blip>
+          <a:stretch>
+            <a:fillRect/>
+          </a:stretch>
+        </p:blipFill>
+        <p:spPr>
+          <a:xfrm>
+            <a:off x="7802880" y="143899"/>
+            <a:ext cx="2119034" cy="6086213"/>
+          </a:xfrm>
+          <a:prstGeom prst="rect">
+            <a:avLst/>
+          </a:prstGeom>
+        </p:spPr>
+      </p:pic>
+      <p:pic>
+        <p:nvPicPr>
+          <p:cNvPr id="9" name="Picture 8" descr="Logo&#10;&#10;Description automatically generated">
+            <a:extLst>
+              <a:ext uri="{FF2B5EF4-FFF2-40B4-BE49-F238E27FC236}">
+                <a16:creationId xmlns:a16="http://schemas.microsoft.com/office/drawing/2014/main" id="{CEEC0334-E013-0E2C-867E-ACBB15F603E7}"/>
+              </a:ext>
+            </a:extLst>
+          </p:cNvPr>
+          <p:cNvPicPr>
+            <a:picLocks noChangeAspect="1"/>
+          </p:cNvPicPr>
+          <p:nvPr/>
+        </p:nvPicPr>
+        <p:blipFill>
+          <a:blip r:embed="rId5">
+            <a:extLst>
+              <a:ext uri="{28A0092B-C50C-407E-A947-70E740481C1C}">
+                <a14:useLocalDpi xmlns:a14="http://schemas.microsoft.com/office/drawing/2010/main" val="0"/>
+              </a:ext>
+            </a:extLst>
+          </a:blip>
+          <a:stretch>
+            <a:fillRect/>
+          </a:stretch>
+        </p:blipFill>
+        <p:spPr>
+          <a:xfrm>
+            <a:off x="9895487" y="143899"/>
+            <a:ext cx="2092819" cy="6086213"/>
+          </a:xfrm>
+          <a:prstGeom prst="rect">
+            <a:avLst/>
+          </a:prstGeom>
+        </p:spPr>
+      </p:pic>
+    </p:spTree>
+    <p:extLst>
+      <p:ext uri="{BB962C8B-B14F-4D97-AF65-F5344CB8AC3E}">
+        <p14:creationId xmlns:p14="http://schemas.microsoft.com/office/powerpoint/2010/main" val="904314509"/>
+      </p:ext>
+    </p:extLst>
+  </p:cSld>
+  <p:clrMapOvr>
+    <a:masterClrMapping/>
+  </p:clrMapOvr>
+  <mc:AlternateContent xmlns:mc="http://schemas.openxmlformats.org/markup-compatibility/2006" xmlns:p14="http://schemas.microsoft.com/office/powerpoint/2010/main">
+    <mc:Choice Requires="p14">
+      <p:transition spd="med" p14:dur="700">
+        <p:fade/>
+      </p:transition>
+    </mc:Choice>
+    <mc:Fallback xmlns="">
+      <p:transition spd="med">
+        <p:fade/>
+      </p:transition>
+    </mc:Fallback>
+  </mc:AlternateContent>
+</p:sld>
+</file>
+
+<file path=ppt/slides/slide13.xml><?xml version="1.0" encoding="utf-8"?>
+<p:sld xmlns:a="http://schemas.openxmlformats.org/drawingml/2006/main" xmlns:r="http://schemas.openxmlformats.org/officeDocument/2006/relationships" xmlns:p="http://schemas.openxmlformats.org/presentationml/2006/main">
+  <p:cSld>
+    <p:bg>
+      <p:bgPr>
+        <a:solidFill>
+          <a:schemeClr val="bg1"/>
+        </a:solidFill>
+        <a:effectLst/>
+      </p:bgPr>
+    </p:bg>
+    <p:spTree>
+      <p:nvGrpSpPr>
+        <p:cNvPr id="1" name=""/>
+        <p:cNvGrpSpPr/>
+        <p:nvPr/>
+      </p:nvGrpSpPr>
+      <p:grpSpPr>
+        <a:xfrm>
+          <a:off x="0" y="0"/>
+          <a:ext cx="0" cy="0"/>
+          <a:chOff x="0" y="0"/>
+          <a:chExt cx="0" cy="0"/>
+        </a:xfrm>
+      </p:grpSpPr>
+      <p:sp>
+        <p:nvSpPr>
+          <p:cNvPr id="31" name="Title 25">
+            <a:extLst>
+              <a:ext uri="{FF2B5EF4-FFF2-40B4-BE49-F238E27FC236}">
+                <a16:creationId xmlns:a16="http://schemas.microsoft.com/office/drawing/2014/main" id="{1B2460AA-06DF-0AFD-0BC7-7ADCDC3B07A2}"/>
+              </a:ext>
+            </a:extLst>
+          </p:cNvPr>
+          <p:cNvSpPr>
+            <a:spLocks noGrp="1"/>
+          </p:cNvSpPr>
+          <p:nvPr>
+            <p:ph type="title"/>
+          </p:nvPr>
+        </p:nvSpPr>
+        <p:spPr>
+          <a:xfrm>
+            <a:off x="997990" y="400025"/>
+            <a:ext cx="4559050" cy="933173"/>
+          </a:xfrm>
+        </p:spPr>
+        <p:txBody>
+          <a:bodyPr vert="horz" lIns="91440" tIns="45720" rIns="91440" bIns="45720" rtlCol="0" anchor="ctr">
+            <a:normAutofit/>
+          </a:bodyPr>
+          <a:lstStyle/>
+          <a:p>
+            <a:r>
+              <a:rPr lang="en-US" sz="3700" dirty="0">
+                <a:solidFill>
+                  <a:schemeClr val="tx1"/>
+                </a:solidFill>
+                <a:latin typeface="Avenir Next LT Pro" panose="020B0504020202020204" pitchFamily="34" charset="0"/>
+              </a:rPr>
+              <a:t>Recommendations</a:t>
+            </a:r>
+          </a:p>
+        </p:txBody>
+      </p:sp>
+      <p:sp>
+        <p:nvSpPr>
+          <p:cNvPr id="32" name="Text Placeholder 26">
+            <a:extLst>
+              <a:ext uri="{FF2B5EF4-FFF2-40B4-BE49-F238E27FC236}">
+                <a16:creationId xmlns:a16="http://schemas.microsoft.com/office/drawing/2014/main" id="{9AF22635-8B84-1A97-5FBB-952243903C13}"/>
+              </a:ext>
+            </a:extLst>
+          </p:cNvPr>
+          <p:cNvSpPr txBox="1">
+            <a:spLocks/>
+          </p:cNvSpPr>
+          <p:nvPr/>
+        </p:nvSpPr>
+        <p:spPr>
+          <a:xfrm>
+            <a:off x="997989" y="1079500"/>
+            <a:ext cx="9776691" cy="4330700"/>
+          </a:xfrm>
+          <a:prstGeom prst="rect">
+            <a:avLst/>
+          </a:prstGeom>
+        </p:spPr>
+        <p:txBody>
+          <a:bodyPr vert="horz" lIns="91440" tIns="45720" rIns="91440" bIns="45720" rtlCol="0" anchor="ctr">
+            <a:normAutofit/>
+          </a:bodyPr>
+          <a:lstStyle>
+            <a:lvl1pPr marL="228600" indent="-228600" algn="l" defTabSz="914400" rtl="0" eaLnBrk="1" latinLnBrk="0" hangingPunct="1">
+              <a:lnSpc>
+                <a:spcPct val="90000"/>
+              </a:lnSpc>
+              <a:spcBef>
+                <a:spcPts val="1000"/>
+              </a:spcBef>
+              <a:buFontTx/>
+              <a:buBlip>
+                <a:blip r:embed="rId2"/>
+              </a:buBlip>
+              <a:defRPr sz="1600" kern="1200">
+                <a:solidFill>
+                  <a:schemeClr val="tx1">
+                    <a:lumMod val="85000"/>
+                    <a:lumOff val="15000"/>
+                  </a:schemeClr>
+                </a:solidFill>
+                <a:latin typeface="+mn-lt"/>
+                <a:ea typeface="+mn-ea"/>
+                <a:cs typeface="+mn-cs"/>
+              </a:defRPr>
+            </a:lvl1pPr>
+            <a:lvl2pPr marL="685800" indent="-228600" algn="l" defTabSz="914400" rtl="0" eaLnBrk="1" latinLnBrk="0" hangingPunct="1">
+              <a:lnSpc>
+                <a:spcPct val="90000"/>
+              </a:lnSpc>
+              <a:spcBef>
+                <a:spcPts val="500"/>
+              </a:spcBef>
+              <a:buFontTx/>
+              <a:buBlip>
+                <a:blip r:embed="rId3"/>
+              </a:buBlip>
+              <a:defRPr sz="1600" kern="1200">
+                <a:solidFill>
+                  <a:schemeClr val="tx1">
+                    <a:lumMod val="85000"/>
+                    <a:lumOff val="15000"/>
+                  </a:schemeClr>
+                </a:solidFill>
+                <a:latin typeface="+mn-lt"/>
+                <a:ea typeface="+mn-ea"/>
+                <a:cs typeface="+mn-cs"/>
+              </a:defRPr>
+            </a:lvl2pPr>
+            <a:lvl3pPr marL="1143000" indent="-228600" algn="l" defTabSz="914400" rtl="0" eaLnBrk="1" latinLnBrk="0" hangingPunct="1">
+              <a:lnSpc>
+                <a:spcPct val="90000"/>
+              </a:lnSpc>
+              <a:spcBef>
+                <a:spcPts val="500"/>
+              </a:spcBef>
+              <a:buFont typeface="Arial" panose="020B0604020202020204" pitchFamily="34" charset="0"/>
+              <a:buChar char="•"/>
+              <a:defRPr sz="2000" kern="1200">
+                <a:solidFill>
+                  <a:schemeClr val="tx1">
+                    <a:lumMod val="50000"/>
+                    <a:lumOff val="50000"/>
+                  </a:schemeClr>
+                </a:solidFill>
+                <a:latin typeface="+mn-lt"/>
+                <a:ea typeface="+mn-ea"/>
+                <a:cs typeface="+mn-cs"/>
+              </a:defRPr>
+            </a:lvl3pPr>
+            <a:lvl4pPr marL="1600200" indent="-228600" algn="l" defTabSz="914400" rtl="0" eaLnBrk="1" latinLnBrk="0" hangingPunct="1">
+              <a:lnSpc>
+                <a:spcPct val="90000"/>
+              </a:lnSpc>
+              <a:spcBef>
+                <a:spcPts val="500"/>
+              </a:spcBef>
+              <a:buFont typeface="Arial" panose="020B0604020202020204" pitchFamily="34" charset="0"/>
+              <a:buChar char="•"/>
+              <a:defRPr sz="1800" kern="1200">
+                <a:solidFill>
+                  <a:schemeClr val="tx1">
+                    <a:lumMod val="50000"/>
+                    <a:lumOff val="50000"/>
+                  </a:schemeClr>
+                </a:solidFill>
+                <a:latin typeface="+mn-lt"/>
+                <a:ea typeface="+mn-ea"/>
+                <a:cs typeface="+mn-cs"/>
+              </a:defRPr>
+            </a:lvl4pPr>
+            <a:lvl5pPr marL="2057400" indent="-228600" algn="l" defTabSz="914400" rtl="0" eaLnBrk="1" latinLnBrk="0" hangingPunct="1">
+              <a:lnSpc>
+                <a:spcPct val="90000"/>
+              </a:lnSpc>
+              <a:spcBef>
+                <a:spcPts val="500"/>
+              </a:spcBef>
+              <a:buFont typeface="Arial" panose="020B0604020202020204" pitchFamily="34" charset="0"/>
+              <a:buChar char="•"/>
+              <a:defRPr sz="1800" kern="1200">
+                <a:solidFill>
+                  <a:schemeClr val="tx1">
+                    <a:lumMod val="50000"/>
+                    <a:lumOff val="50000"/>
+                  </a:schemeClr>
+                </a:solidFill>
+                <a:latin typeface="+mn-lt"/>
+                <a:ea typeface="+mn-ea"/>
+                <a:cs typeface="+mn-cs"/>
+              </a:defRPr>
+            </a:lvl5pPr>
+            <a:lvl6pPr marL="2514600" indent="-228600" algn="l" defTabSz="914400" rtl="0" eaLnBrk="1" latinLnBrk="0" hangingPunct="1">
+              <a:lnSpc>
+                <a:spcPct val="90000"/>
+              </a:lnSpc>
+              <a:spcBef>
+                <a:spcPts val="500"/>
+              </a:spcBef>
+              <a:buFont typeface="Arial" panose="020B0604020202020204" pitchFamily="34" charset="0"/>
+              <a:buChar char="•"/>
+              <a:defRPr sz="1800" kern="1200">
+                <a:solidFill>
+                  <a:schemeClr val="tx1"/>
+                </a:solidFill>
+                <a:latin typeface="+mn-lt"/>
+                <a:ea typeface="+mn-ea"/>
+                <a:cs typeface="+mn-cs"/>
+              </a:defRPr>
+            </a:lvl6pPr>
+            <a:lvl7pPr marL="2971800" indent="-228600" algn="l" defTabSz="914400" rtl="0" eaLnBrk="1" latinLnBrk="0" hangingPunct="1">
+              <a:lnSpc>
+                <a:spcPct val="90000"/>
+              </a:lnSpc>
+              <a:spcBef>
+                <a:spcPts val="500"/>
+              </a:spcBef>
+              <a:buFont typeface="Arial" panose="020B0604020202020204" pitchFamily="34" charset="0"/>
+              <a:buChar char="•"/>
+              <a:defRPr sz="1800" kern="1200">
+                <a:solidFill>
+                  <a:schemeClr val="tx1"/>
+                </a:solidFill>
+                <a:latin typeface="+mn-lt"/>
+                <a:ea typeface="+mn-ea"/>
+                <a:cs typeface="+mn-cs"/>
+              </a:defRPr>
+            </a:lvl7pPr>
+            <a:lvl8pPr marL="3429000" indent="-228600" algn="l" defTabSz="914400" rtl="0" eaLnBrk="1" latinLnBrk="0" hangingPunct="1">
+              <a:lnSpc>
+                <a:spcPct val="90000"/>
+              </a:lnSpc>
+              <a:spcBef>
+                <a:spcPts val="500"/>
+              </a:spcBef>
+              <a:buFont typeface="Arial" panose="020B0604020202020204" pitchFamily="34" charset="0"/>
+              <a:buChar char="•"/>
+              <a:defRPr sz="1800" kern="1200">
+                <a:solidFill>
+                  <a:schemeClr val="tx1"/>
+                </a:solidFill>
+                <a:latin typeface="+mn-lt"/>
+                <a:ea typeface="+mn-ea"/>
+                <a:cs typeface="+mn-cs"/>
+              </a:defRPr>
+            </a:lvl8pPr>
+            <a:lvl9pPr marL="3886200" indent="-228600" algn="l" defTabSz="914400" rtl="0" eaLnBrk="1" latinLnBrk="0" hangingPunct="1">
+              <a:lnSpc>
+                <a:spcPct val="90000"/>
+              </a:lnSpc>
+              <a:spcBef>
+                <a:spcPts val="500"/>
+              </a:spcBef>
+              <a:buFont typeface="Arial" panose="020B0604020202020204" pitchFamily="34" charset="0"/>
+              <a:buChar char="•"/>
+              <a:defRPr sz="1800" kern="1200">
+                <a:solidFill>
+                  <a:schemeClr val="tx1"/>
+                </a:solidFill>
+                <a:latin typeface="+mn-lt"/>
+                <a:ea typeface="+mn-ea"/>
+                <a:cs typeface="+mn-cs"/>
+              </a:defRPr>
+            </a:lvl9pPr>
+          </a:lstStyle>
+          <a:p>
+            <a:pPr marL="0" indent="0">
+              <a:spcBef>
+                <a:spcPts val="300"/>
+              </a:spcBef>
+              <a:spcAft>
+                <a:spcPts val="300"/>
+              </a:spcAft>
+              <a:buNone/>
+            </a:pPr>
+            <a:endParaRPr lang="en-US" sz="1500" dirty="0">
+              <a:solidFill>
+                <a:schemeClr val="tx1"/>
+              </a:solidFill>
+              <a:latin typeface="Avenir Next LT Pro" panose="020B0504020202020204" pitchFamily="34" charset="0"/>
+              <a:cs typeface="Levenim MT" panose="020B0604020202020204" pitchFamily="2" charset="-79"/>
+            </a:endParaRPr>
+          </a:p>
+          <a:p>
+            <a:pPr>
+              <a:spcBef>
+                <a:spcPts val="300"/>
+              </a:spcBef>
+              <a:spcAft>
+                <a:spcPts val="300"/>
+              </a:spcAft>
+              <a:buFont typeface="Arial" panose="020B0604020202020204" pitchFamily="34" charset="0"/>
+              <a:buChar char="•"/>
+            </a:pPr>
+            <a:r>
+              <a:rPr lang="en-US" sz="1500" dirty="0">
+                <a:solidFill>
+                  <a:schemeClr val="tx1"/>
+                </a:solidFill>
+                <a:latin typeface="Avenir Next LT Pro" panose="020B0504020202020204" pitchFamily="34" charset="0"/>
+                <a:cs typeface="Levenim MT" panose="020B0604020202020204" pitchFamily="2" charset="-79"/>
+              </a:rPr>
+              <a:t>Online sales for Cluster 1 products can be boosted to ensure a high operating margin is maintained while having lower price and operating profit</a:t>
+            </a:r>
+            <a:br>
+              <a:rPr lang="en-US" sz="1500" dirty="0">
+                <a:solidFill>
+                  <a:schemeClr val="tx1"/>
+                </a:solidFill>
+                <a:latin typeface="Avenir Next LT Pro" panose="020B0504020202020204" pitchFamily="34" charset="0"/>
+                <a:cs typeface="Levenim MT" panose="020B0604020202020204" pitchFamily="2" charset="-79"/>
+              </a:rPr>
+            </a:br>
+            <a:endParaRPr lang="en-US" sz="1500" dirty="0">
+              <a:solidFill>
+                <a:schemeClr val="tx1"/>
+              </a:solidFill>
+              <a:latin typeface="Avenir Next LT Pro" panose="020B0504020202020204" pitchFamily="34" charset="0"/>
+              <a:cs typeface="Levenim MT" panose="020B0604020202020204" pitchFamily="2" charset="-79"/>
+            </a:endParaRPr>
+          </a:p>
+          <a:p>
+            <a:pPr>
+              <a:spcBef>
+                <a:spcPts val="300"/>
+              </a:spcBef>
+              <a:spcAft>
+                <a:spcPts val="300"/>
+              </a:spcAft>
+              <a:buFont typeface="Arial" panose="020B0604020202020204" pitchFamily="34" charset="0"/>
+              <a:buChar char="•"/>
+            </a:pPr>
+            <a:r>
+              <a:rPr lang="en-US" sz="1500" dirty="0">
+                <a:solidFill>
+                  <a:schemeClr val="tx1"/>
+                </a:solidFill>
+                <a:latin typeface="Avenir Next LT Pro" panose="020B0504020202020204" pitchFamily="34" charset="0"/>
+                <a:cs typeface="Levenim MT" panose="020B0604020202020204" pitchFamily="2" charset="-79"/>
+              </a:rPr>
+              <a:t>Promoting women’s apparel in Cluster 2 can yield higher sales in the women’s products while maintaining low operating margin</a:t>
+            </a:r>
+            <a:br>
+              <a:rPr lang="en-US" sz="1500" dirty="0">
+                <a:solidFill>
+                  <a:schemeClr val="tx1"/>
+                </a:solidFill>
+                <a:latin typeface="Avenir Next LT Pro" panose="020B0504020202020204" pitchFamily="34" charset="0"/>
+                <a:cs typeface="Levenim MT" panose="020B0604020202020204" pitchFamily="2" charset="-79"/>
+              </a:rPr>
+            </a:br>
+            <a:endParaRPr lang="en-US" sz="1500" dirty="0">
+              <a:solidFill>
+                <a:schemeClr val="tx1"/>
+              </a:solidFill>
+              <a:latin typeface="Avenir Next LT Pro" panose="020B0504020202020204" pitchFamily="34" charset="0"/>
+              <a:cs typeface="Levenim MT" panose="020B0604020202020204" pitchFamily="2" charset="-79"/>
+            </a:endParaRPr>
+          </a:p>
+          <a:p>
+            <a:pPr>
+              <a:spcBef>
+                <a:spcPts val="300"/>
+              </a:spcBef>
+              <a:spcAft>
+                <a:spcPts val="300"/>
+              </a:spcAft>
+              <a:buFont typeface="Arial" panose="020B0604020202020204" pitchFamily="34" charset="0"/>
+              <a:buChar char="•"/>
+            </a:pPr>
+            <a:br>
+              <a:rPr lang="en-US" sz="1500" dirty="0">
+                <a:solidFill>
+                  <a:schemeClr val="tx1"/>
+                </a:solidFill>
+                <a:latin typeface="Avenir Next LT Pro" panose="020B0504020202020204" pitchFamily="34" charset="0"/>
+                <a:cs typeface="Levenim MT" panose="020B0604020202020204" pitchFamily="2" charset="-79"/>
+              </a:rPr>
+            </a:br>
+            <a:endParaRPr lang="en-US" sz="1500" dirty="0">
+              <a:solidFill>
+                <a:schemeClr val="tx1"/>
+              </a:solidFill>
+              <a:latin typeface="Avenir Next LT Pro" panose="020B0504020202020204" pitchFamily="34" charset="0"/>
+              <a:cs typeface="Levenim MT" panose="020B0604020202020204" pitchFamily="2" charset="-79"/>
+            </a:endParaRPr>
+          </a:p>
+          <a:p>
+            <a:pPr>
+              <a:spcBef>
+                <a:spcPts val="300"/>
+              </a:spcBef>
+              <a:spcAft>
+                <a:spcPts val="300"/>
+              </a:spcAft>
+              <a:buFont typeface="Arial" panose="020B0604020202020204" pitchFamily="34" charset="0"/>
+              <a:buChar char="•"/>
+            </a:pPr>
+            <a:endParaRPr lang="en-US" sz="1500" dirty="0">
+              <a:solidFill>
+                <a:schemeClr val="tx1"/>
+              </a:solidFill>
+              <a:latin typeface="Avenir Next LT Pro" panose="020B0504020202020204" pitchFamily="34" charset="0"/>
+              <a:cs typeface="Levenim MT" panose="020B0604020202020204" pitchFamily="2" charset="-79"/>
+            </a:endParaRPr>
+          </a:p>
+          <a:p>
+            <a:pPr>
+              <a:spcBef>
+                <a:spcPts val="300"/>
+              </a:spcBef>
+              <a:spcAft>
+                <a:spcPts val="300"/>
+              </a:spcAft>
+              <a:buFont typeface="Arial" panose="020B0604020202020204" pitchFamily="34" charset="0"/>
+              <a:buChar char="•"/>
+            </a:pPr>
+            <a:endParaRPr lang="en-US" sz="1500" dirty="0">
+              <a:solidFill>
+                <a:schemeClr val="tx1"/>
+              </a:solidFill>
+              <a:latin typeface="Avenir Next LT Pro" panose="020B0504020202020204" pitchFamily="34" charset="0"/>
+              <a:cs typeface="Levenim MT" panose="020B0604020202020204" pitchFamily="2" charset="-79"/>
+            </a:endParaRPr>
+          </a:p>
+          <a:p>
+            <a:pPr>
+              <a:spcBef>
+                <a:spcPts val="300"/>
+              </a:spcBef>
+              <a:spcAft>
+                <a:spcPts val="300"/>
+              </a:spcAft>
+              <a:buFont typeface="Arial" panose="020B0604020202020204" pitchFamily="34" charset="0"/>
+              <a:buChar char="•"/>
+            </a:pPr>
+            <a:endParaRPr lang="en-US" sz="1500" dirty="0">
+              <a:solidFill>
+                <a:schemeClr val="tx1"/>
+              </a:solidFill>
+              <a:latin typeface="Avenir Next LT Pro" panose="020B0504020202020204" pitchFamily="34" charset="0"/>
+              <a:cs typeface="Levenim MT" panose="020B0604020202020204" pitchFamily="2" charset="-79"/>
+            </a:endParaRPr>
+          </a:p>
+          <a:p>
+            <a:pPr>
+              <a:spcBef>
+                <a:spcPts val="300"/>
+              </a:spcBef>
+              <a:spcAft>
+                <a:spcPts val="300"/>
+              </a:spcAft>
+              <a:buFont typeface="Arial" panose="020B0604020202020204" pitchFamily="34" charset="0"/>
+              <a:buChar char="•"/>
+            </a:pPr>
+            <a:endParaRPr lang="en-US" sz="1500" dirty="0">
+              <a:solidFill>
+                <a:schemeClr val="tx1"/>
+              </a:solidFill>
+              <a:latin typeface="Avenir Next LT Pro" panose="020B0504020202020204" pitchFamily="34" charset="0"/>
+              <a:cs typeface="Levenim MT" panose="020B0604020202020204" pitchFamily="2" charset="-79"/>
+            </a:endParaRPr>
+          </a:p>
+        </p:txBody>
+      </p:sp>
+      <p:pic>
+        <p:nvPicPr>
+          <p:cNvPr id="33" name="Picture 32">
+            <a:extLst>
+              <a:ext uri="{FF2B5EF4-FFF2-40B4-BE49-F238E27FC236}">
+                <a16:creationId xmlns:a16="http://schemas.microsoft.com/office/drawing/2014/main" id="{16FD20E6-7902-E0BB-0F00-107456CDB827}"/>
               </a:ext>
             </a:extLst>
           </p:cNvPr>
@@ -7786,7 +9517,7 @@
         </p:blipFill>
         <p:spPr>
           <a:xfrm>
-            <a:off x="2570943" y="4886960"/>
+            <a:off x="2291543" y="4310380"/>
             <a:ext cx="7047064" cy="1747520"/>
           </a:xfrm>
           <a:prstGeom prst="rect">
@@ -7797,20 +9528,20 @@
     </p:spTree>
     <p:extLst>
       <p:ext uri="{BB962C8B-B14F-4D97-AF65-F5344CB8AC3E}">
-        <p14:creationId xmlns:p14="http://schemas.microsoft.com/office/powerpoint/2010/main" val="2599489625"/>
+        <p14:creationId xmlns:p14="http://schemas.microsoft.com/office/powerpoint/2010/main" val="2875600140"/>
       </p:ext>
     </p:extLst>
   </p:cSld>
   <p:clrMapOvr>
     <a:masterClrMapping/>
   </p:clrMapOvr>
-  <mc:AlternateContent xmlns:mc="http://schemas.openxmlformats.org/markup-compatibility/2006">
-    <mc:Choice xmlns:p14="http://schemas.microsoft.com/office/powerpoint/2010/main" Requires="p14">
+  <mc:AlternateContent xmlns:mc="http://schemas.openxmlformats.org/markup-compatibility/2006" xmlns:p14="http://schemas.microsoft.com/office/powerpoint/2010/main">
+    <mc:Choice Requires="p14">
       <p:transition spd="med" p14:dur="700">
         <p:fade/>
       </p:transition>
     </mc:Choice>
-    <mc:Fallback>
+    <mc:Fallback xmlns="">
       <p:transition spd="med">
         <p:fade/>
       </p:transition>
@@ -7819,7 +9550,412 @@
 </p:sld>
 </file>
 
-<file path=ppt/slides/slide13.xml><?xml version="1.0" encoding="utf-8"?>
+<file path=ppt/slides/slide14.xml><?xml version="1.0" encoding="utf-8"?>
+<p:sld xmlns:a="http://schemas.openxmlformats.org/drawingml/2006/main" xmlns:r="http://schemas.openxmlformats.org/officeDocument/2006/relationships" xmlns:p="http://schemas.openxmlformats.org/presentationml/2006/main">
+  <p:cSld>
+    <p:bg>
+      <p:bgPr>
+        <a:solidFill>
+          <a:schemeClr val="bg1"/>
+        </a:solidFill>
+        <a:effectLst/>
+      </p:bgPr>
+    </p:bg>
+    <p:spTree>
+      <p:nvGrpSpPr>
+        <p:cNvPr id="1" name=""/>
+        <p:cNvGrpSpPr/>
+        <p:nvPr/>
+      </p:nvGrpSpPr>
+      <p:grpSpPr>
+        <a:xfrm>
+          <a:off x="0" y="0"/>
+          <a:ext cx="0" cy="0"/>
+          <a:chOff x="0" y="0"/>
+          <a:chExt cx="0" cy="0"/>
+        </a:xfrm>
+      </p:grpSpPr>
+      <p:sp>
+        <p:nvSpPr>
+          <p:cNvPr id="4" name="Title 25">
+            <a:extLst>
+              <a:ext uri="{FF2B5EF4-FFF2-40B4-BE49-F238E27FC236}">
+                <a16:creationId xmlns:a16="http://schemas.microsoft.com/office/drawing/2014/main" id="{A973B429-07E2-01A6-E7A4-5B2F10DD694F}"/>
+              </a:ext>
+            </a:extLst>
+          </p:cNvPr>
+          <p:cNvSpPr>
+            <a:spLocks noGrp="1"/>
+          </p:cNvSpPr>
+          <p:nvPr>
+            <p:ph type="title"/>
+          </p:nvPr>
+        </p:nvSpPr>
+        <p:spPr>
+          <a:xfrm>
+            <a:off x="667789" y="1098525"/>
+            <a:ext cx="5468707" cy="933173"/>
+          </a:xfrm>
+        </p:spPr>
+        <p:txBody>
+          <a:bodyPr vert="horz" lIns="91440" tIns="45720" rIns="91440" bIns="45720" rtlCol="0" anchor="ctr">
+            <a:normAutofit/>
+          </a:bodyPr>
+          <a:lstStyle/>
+          <a:p>
+            <a:r>
+              <a:rPr lang="en-US" sz="3700" dirty="0">
+                <a:solidFill>
+                  <a:schemeClr val="tx1"/>
+                </a:solidFill>
+                <a:latin typeface="Avenir Next LT Pro" panose="020B0504020202020204" pitchFamily="34" charset="0"/>
+              </a:rPr>
+              <a:t>Appendix</a:t>
+            </a:r>
+          </a:p>
+        </p:txBody>
+      </p:sp>
+      <p:sp>
+        <p:nvSpPr>
+          <p:cNvPr id="5" name="Text Placeholder 26">
+            <a:extLst>
+              <a:ext uri="{FF2B5EF4-FFF2-40B4-BE49-F238E27FC236}">
+                <a16:creationId xmlns:a16="http://schemas.microsoft.com/office/drawing/2014/main" id="{FF9150DF-A432-8323-4D96-5C49E3F63381}"/>
+              </a:ext>
+            </a:extLst>
+          </p:cNvPr>
+          <p:cNvSpPr txBox="1">
+            <a:spLocks/>
+          </p:cNvSpPr>
+          <p:nvPr/>
+        </p:nvSpPr>
+        <p:spPr>
+          <a:xfrm>
+            <a:off x="769389" y="1188720"/>
+            <a:ext cx="6210531" cy="2854960"/>
+          </a:xfrm>
+          <a:prstGeom prst="rect">
+            <a:avLst/>
+          </a:prstGeom>
+        </p:spPr>
+        <p:txBody>
+          <a:bodyPr vert="horz" lIns="91440" tIns="45720" rIns="91440" bIns="45720" rtlCol="0" anchor="ctr">
+            <a:normAutofit/>
+          </a:bodyPr>
+          <a:lstStyle>
+            <a:lvl1pPr marL="228600" indent="-228600" algn="l" defTabSz="914400" rtl="0" eaLnBrk="1" latinLnBrk="0" hangingPunct="1">
+              <a:lnSpc>
+                <a:spcPct val="90000"/>
+              </a:lnSpc>
+              <a:spcBef>
+                <a:spcPts val="1000"/>
+              </a:spcBef>
+              <a:buFontTx/>
+              <a:buBlip>
+                <a:blip r:embed="rId2"/>
+              </a:buBlip>
+              <a:defRPr sz="1600" kern="1200">
+                <a:solidFill>
+                  <a:schemeClr val="tx1">
+                    <a:lumMod val="85000"/>
+                    <a:lumOff val="15000"/>
+                  </a:schemeClr>
+                </a:solidFill>
+                <a:latin typeface="+mn-lt"/>
+                <a:ea typeface="+mn-ea"/>
+                <a:cs typeface="+mn-cs"/>
+              </a:defRPr>
+            </a:lvl1pPr>
+            <a:lvl2pPr marL="685800" indent="-228600" algn="l" defTabSz="914400" rtl="0" eaLnBrk="1" latinLnBrk="0" hangingPunct="1">
+              <a:lnSpc>
+                <a:spcPct val="90000"/>
+              </a:lnSpc>
+              <a:spcBef>
+                <a:spcPts val="500"/>
+              </a:spcBef>
+              <a:buFontTx/>
+              <a:buBlip>
+                <a:blip r:embed="rId3"/>
+              </a:buBlip>
+              <a:defRPr sz="1600" kern="1200">
+                <a:solidFill>
+                  <a:schemeClr val="tx1">
+                    <a:lumMod val="85000"/>
+                    <a:lumOff val="15000"/>
+                  </a:schemeClr>
+                </a:solidFill>
+                <a:latin typeface="+mn-lt"/>
+                <a:ea typeface="+mn-ea"/>
+                <a:cs typeface="+mn-cs"/>
+              </a:defRPr>
+            </a:lvl2pPr>
+            <a:lvl3pPr marL="1143000" indent="-228600" algn="l" defTabSz="914400" rtl="0" eaLnBrk="1" latinLnBrk="0" hangingPunct="1">
+              <a:lnSpc>
+                <a:spcPct val="90000"/>
+              </a:lnSpc>
+              <a:spcBef>
+                <a:spcPts val="500"/>
+              </a:spcBef>
+              <a:buFont typeface="Arial" panose="020B0604020202020204" pitchFamily="34" charset="0"/>
+              <a:buChar char="•"/>
+              <a:defRPr sz="2000" kern="1200">
+                <a:solidFill>
+                  <a:schemeClr val="tx1">
+                    <a:lumMod val="50000"/>
+                    <a:lumOff val="50000"/>
+                  </a:schemeClr>
+                </a:solidFill>
+                <a:latin typeface="+mn-lt"/>
+                <a:ea typeface="+mn-ea"/>
+                <a:cs typeface="+mn-cs"/>
+              </a:defRPr>
+            </a:lvl3pPr>
+            <a:lvl4pPr marL="1600200" indent="-228600" algn="l" defTabSz="914400" rtl="0" eaLnBrk="1" latinLnBrk="0" hangingPunct="1">
+              <a:lnSpc>
+                <a:spcPct val="90000"/>
+              </a:lnSpc>
+              <a:spcBef>
+                <a:spcPts val="500"/>
+              </a:spcBef>
+              <a:buFont typeface="Arial" panose="020B0604020202020204" pitchFamily="34" charset="0"/>
+              <a:buChar char="•"/>
+              <a:defRPr sz="1800" kern="1200">
+                <a:solidFill>
+                  <a:schemeClr val="tx1">
+                    <a:lumMod val="50000"/>
+                    <a:lumOff val="50000"/>
+                  </a:schemeClr>
+                </a:solidFill>
+                <a:latin typeface="+mn-lt"/>
+                <a:ea typeface="+mn-ea"/>
+                <a:cs typeface="+mn-cs"/>
+              </a:defRPr>
+            </a:lvl4pPr>
+            <a:lvl5pPr marL="2057400" indent="-228600" algn="l" defTabSz="914400" rtl="0" eaLnBrk="1" latinLnBrk="0" hangingPunct="1">
+              <a:lnSpc>
+                <a:spcPct val="90000"/>
+              </a:lnSpc>
+              <a:spcBef>
+                <a:spcPts val="500"/>
+              </a:spcBef>
+              <a:buFont typeface="Arial" panose="020B0604020202020204" pitchFamily="34" charset="0"/>
+              <a:buChar char="•"/>
+              <a:defRPr sz="1800" kern="1200">
+                <a:solidFill>
+                  <a:schemeClr val="tx1">
+                    <a:lumMod val="50000"/>
+                    <a:lumOff val="50000"/>
+                  </a:schemeClr>
+                </a:solidFill>
+                <a:latin typeface="+mn-lt"/>
+                <a:ea typeface="+mn-ea"/>
+                <a:cs typeface="+mn-cs"/>
+              </a:defRPr>
+            </a:lvl5pPr>
+            <a:lvl6pPr marL="2514600" indent="-228600" algn="l" defTabSz="914400" rtl="0" eaLnBrk="1" latinLnBrk="0" hangingPunct="1">
+              <a:lnSpc>
+                <a:spcPct val="90000"/>
+              </a:lnSpc>
+              <a:spcBef>
+                <a:spcPts val="500"/>
+              </a:spcBef>
+              <a:buFont typeface="Arial" panose="020B0604020202020204" pitchFamily="34" charset="0"/>
+              <a:buChar char="•"/>
+              <a:defRPr sz="1800" kern="1200">
+                <a:solidFill>
+                  <a:schemeClr val="tx1"/>
+                </a:solidFill>
+                <a:latin typeface="+mn-lt"/>
+                <a:ea typeface="+mn-ea"/>
+                <a:cs typeface="+mn-cs"/>
+              </a:defRPr>
+            </a:lvl6pPr>
+            <a:lvl7pPr marL="2971800" indent="-228600" algn="l" defTabSz="914400" rtl="0" eaLnBrk="1" latinLnBrk="0" hangingPunct="1">
+              <a:lnSpc>
+                <a:spcPct val="90000"/>
+              </a:lnSpc>
+              <a:spcBef>
+                <a:spcPts val="500"/>
+              </a:spcBef>
+              <a:buFont typeface="Arial" panose="020B0604020202020204" pitchFamily="34" charset="0"/>
+              <a:buChar char="•"/>
+              <a:defRPr sz="1800" kern="1200">
+                <a:solidFill>
+                  <a:schemeClr val="tx1"/>
+                </a:solidFill>
+                <a:latin typeface="+mn-lt"/>
+                <a:ea typeface="+mn-ea"/>
+                <a:cs typeface="+mn-cs"/>
+              </a:defRPr>
+            </a:lvl7pPr>
+            <a:lvl8pPr marL="3429000" indent="-228600" algn="l" defTabSz="914400" rtl="0" eaLnBrk="1" latinLnBrk="0" hangingPunct="1">
+              <a:lnSpc>
+                <a:spcPct val="90000"/>
+              </a:lnSpc>
+              <a:spcBef>
+                <a:spcPts val="500"/>
+              </a:spcBef>
+              <a:buFont typeface="Arial" panose="020B0604020202020204" pitchFamily="34" charset="0"/>
+              <a:buChar char="•"/>
+              <a:defRPr sz="1800" kern="1200">
+                <a:solidFill>
+                  <a:schemeClr val="tx1"/>
+                </a:solidFill>
+                <a:latin typeface="+mn-lt"/>
+                <a:ea typeface="+mn-ea"/>
+                <a:cs typeface="+mn-cs"/>
+              </a:defRPr>
+            </a:lvl8pPr>
+            <a:lvl9pPr marL="3886200" indent="-228600" algn="l" defTabSz="914400" rtl="0" eaLnBrk="1" latinLnBrk="0" hangingPunct="1">
+              <a:lnSpc>
+                <a:spcPct val="90000"/>
+              </a:lnSpc>
+              <a:spcBef>
+                <a:spcPts val="500"/>
+              </a:spcBef>
+              <a:buFont typeface="Arial" panose="020B0604020202020204" pitchFamily="34" charset="0"/>
+              <a:buChar char="•"/>
+              <a:defRPr sz="1800" kern="1200">
+                <a:solidFill>
+                  <a:schemeClr val="tx1"/>
+                </a:solidFill>
+                <a:latin typeface="+mn-lt"/>
+                <a:ea typeface="+mn-ea"/>
+                <a:cs typeface="+mn-cs"/>
+              </a:defRPr>
+            </a:lvl9pPr>
+          </a:lstStyle>
+          <a:p>
+            <a:pPr marL="0" indent="0">
+              <a:spcBef>
+                <a:spcPts val="300"/>
+              </a:spcBef>
+              <a:spcAft>
+                <a:spcPts val="300"/>
+              </a:spcAft>
+              <a:buNone/>
+            </a:pPr>
+            <a:endParaRPr lang="en-US" sz="1500" dirty="0">
+              <a:solidFill>
+                <a:schemeClr val="tx1"/>
+              </a:solidFill>
+              <a:latin typeface="Avenir Next LT Pro" panose="020B0504020202020204" pitchFamily="34" charset="0"/>
+              <a:cs typeface="Levenim MT" panose="020B0604020202020204" pitchFamily="2" charset="-79"/>
+            </a:endParaRPr>
+          </a:p>
+          <a:p>
+            <a:pPr>
+              <a:spcBef>
+                <a:spcPts val="300"/>
+              </a:spcBef>
+              <a:spcAft>
+                <a:spcPts val="300"/>
+              </a:spcAft>
+              <a:buFont typeface="Arial" panose="020B0604020202020204" pitchFamily="34" charset="0"/>
+              <a:buChar char="•"/>
+            </a:pPr>
+            <a:r>
+              <a:rPr lang="en-US" sz="1500" dirty="0">
+                <a:solidFill>
+                  <a:schemeClr val="tx1"/>
+                </a:solidFill>
+                <a:latin typeface="Avenir Next LT Pro" panose="020B0504020202020204" pitchFamily="34" charset="0"/>
+                <a:cs typeface="Levenim MT" panose="020B0604020202020204" pitchFamily="2" charset="-79"/>
+              </a:rPr>
+              <a:t>Data Set</a:t>
+            </a:r>
+          </a:p>
+          <a:p>
+            <a:pPr>
+              <a:spcBef>
+                <a:spcPts val="300"/>
+              </a:spcBef>
+              <a:spcAft>
+                <a:spcPts val="300"/>
+              </a:spcAft>
+              <a:buFont typeface="Arial" panose="020B0604020202020204" pitchFamily="34" charset="0"/>
+              <a:buChar char="•"/>
+            </a:pPr>
+            <a:r>
+              <a:rPr lang="en-US" sz="1500" dirty="0">
+                <a:solidFill>
+                  <a:schemeClr val="tx1"/>
+                </a:solidFill>
+                <a:latin typeface="Avenir Next LT Pro" panose="020B0504020202020204" pitchFamily="34" charset="0"/>
+                <a:cs typeface="Levenim MT" panose="020B0604020202020204" pitchFamily="2" charset="-79"/>
+              </a:rPr>
+              <a:t>Cleaned up code</a:t>
+            </a:r>
+          </a:p>
+          <a:p>
+            <a:pPr>
+              <a:spcBef>
+                <a:spcPts val="300"/>
+              </a:spcBef>
+              <a:spcAft>
+                <a:spcPts val="300"/>
+              </a:spcAft>
+              <a:buFont typeface="Arial" panose="020B0604020202020204" pitchFamily="34" charset="0"/>
+              <a:buChar char="•"/>
+            </a:pPr>
+            <a:r>
+              <a:rPr lang="en-US" sz="1500" dirty="0">
+                <a:solidFill>
+                  <a:schemeClr val="tx1"/>
+                </a:solidFill>
+                <a:latin typeface="Avenir Next LT Pro" panose="020B0504020202020204" pitchFamily="34" charset="0"/>
+                <a:cs typeface="Levenim MT" panose="020B0604020202020204" pitchFamily="2" charset="-79"/>
+              </a:rPr>
+              <a:t>Git hub Repository</a:t>
+            </a:r>
+          </a:p>
+          <a:p>
+            <a:pPr>
+              <a:spcBef>
+                <a:spcPts val="300"/>
+              </a:spcBef>
+              <a:spcAft>
+                <a:spcPts val="300"/>
+              </a:spcAft>
+              <a:buFont typeface="Arial" panose="020B0604020202020204" pitchFamily="34" charset="0"/>
+              <a:buChar char="•"/>
+            </a:pPr>
+            <a:endParaRPr lang="en-US" sz="1500" dirty="0">
+              <a:solidFill>
+                <a:schemeClr val="tx1"/>
+              </a:solidFill>
+              <a:latin typeface="Avenir Next LT Pro" panose="020B0504020202020204" pitchFamily="34" charset="0"/>
+              <a:cs typeface="Levenim MT" panose="020B0604020202020204" pitchFamily="2" charset="-79"/>
+            </a:endParaRPr>
+          </a:p>
+        </p:txBody>
+      </p:sp>
+    </p:spTree>
+    <p:extLst>
+      <p:ext uri="{BB962C8B-B14F-4D97-AF65-F5344CB8AC3E}">
+        <p14:creationId xmlns:p14="http://schemas.microsoft.com/office/powerpoint/2010/main" val="2761724064"/>
+      </p:ext>
+    </p:extLst>
+  </p:cSld>
+  <p:clrMapOvr>
+    <a:masterClrMapping/>
+  </p:clrMapOvr>
+  <mc:AlternateContent xmlns:mc="http://schemas.openxmlformats.org/markup-compatibility/2006" xmlns:p14="http://schemas.microsoft.com/office/powerpoint/2010/main">
+    <mc:Choice Requires="p14">
+      <p:transition spd="med" p14:dur="700">
+        <p:fade/>
+      </p:transition>
+    </mc:Choice>
+    <mc:Fallback xmlns="">
+      <p:transition spd="med">
+        <p:fade/>
+      </p:transition>
+    </mc:Fallback>
+  </mc:AlternateContent>
+</p:sld>
+</file>
+
+<file path=ppt/slides/slide15.xml><?xml version="1.0" encoding="utf-8"?>
 <p:sld xmlns:a="http://schemas.openxmlformats.org/drawingml/2006/main" xmlns:r="http://schemas.openxmlformats.org/officeDocument/2006/relationships" xmlns:p="http://schemas.openxmlformats.org/presentationml/2006/main">
   <p:cSld>
     <p:spTree>
@@ -9476,66 +11612,6 @@
           <a:chExt cx="0" cy="0"/>
         </a:xfrm>
       </p:grpSpPr>
-      <p:sp useBgFill="1">
-        <p:nvSpPr>
-          <p:cNvPr id="35" name="Rectangle 30">
-            <a:extLst>
-              <a:ext uri="{FF2B5EF4-FFF2-40B4-BE49-F238E27FC236}">
-                <a16:creationId xmlns:a16="http://schemas.microsoft.com/office/drawing/2014/main" id="{2B97F24A-32CE-4C1C-A50D-3016B394DCFB}"/>
-              </a:ext>
-              <a:ext uri="{C183D7F6-B498-43B3-948B-1728B52AA6E4}">
-                <adec:decorative xmlns:adec="http://schemas.microsoft.com/office/drawing/2017/decorative" val="1"/>
-              </a:ext>
-            </a:extLst>
-          </p:cNvPr>
-          <p:cNvSpPr>
-            <a:spLocks noGrp="1" noRot="1" noChangeAspect="1" noMove="1" noResize="1" noEditPoints="1" noAdjustHandles="1" noChangeArrowheads="1" noChangeShapeType="1" noTextEdit="1"/>
-          </p:cNvSpPr>
-          <p:nvPr>
-            <p:extLst>
-              <p:ext uri="{386F3935-93C4-4BCD-93E2-E3B085C9AB24}">
-                <p16:designElem xmlns:p16="http://schemas.microsoft.com/office/powerpoint/2015/main" val="1"/>
-              </p:ext>
-            </p:extLst>
-          </p:nvPr>
-        </p:nvSpPr>
-        <p:spPr>
-          <a:xfrm>
-            <a:off x="0" y="0"/>
-            <a:ext cx="12192000" cy="6858000"/>
-          </a:xfrm>
-          <a:prstGeom prst="rect">
-            <a:avLst/>
-          </a:prstGeom>
-          <a:ln>
-            <a:noFill/>
-          </a:ln>
-        </p:spPr>
-        <p:style>
-          <a:lnRef idx="2">
-            <a:schemeClr val="accent1">
-              <a:shade val="50000"/>
-            </a:schemeClr>
-          </a:lnRef>
-          <a:fillRef idx="1">
-            <a:schemeClr val="accent1"/>
-          </a:fillRef>
-          <a:effectRef idx="0">
-            <a:schemeClr val="accent1"/>
-          </a:effectRef>
-          <a:fontRef idx="minor">
-            <a:schemeClr val="lt1"/>
-          </a:fontRef>
-        </p:style>
-        <p:txBody>
-          <a:bodyPr rtlCol="0" anchor="ctr"/>
-          <a:lstStyle/>
-          <a:p>
-            <a:pPr algn="ctr"/>
-            <a:endParaRPr lang="en-US"/>
-          </a:p>
-        </p:txBody>
-      </p:sp>
       <p:sp>
         <p:nvSpPr>
           <p:cNvPr id="26" name="Title 25">
@@ -9554,300 +11630,22 @@
         </p:nvSpPr>
         <p:spPr>
           <a:xfrm>
-            <a:off x="630936" y="639520"/>
-            <a:ext cx="3429000" cy="1719072"/>
+            <a:off x="676911" y="1011568"/>
+            <a:ext cx="4585969" cy="713216"/>
           </a:xfrm>
         </p:spPr>
         <p:txBody>
-          <a:bodyPr vert="horz" lIns="91440" tIns="45720" rIns="91440" bIns="45720" rtlCol="0" anchor="b">
+          <a:bodyPr>
             <a:normAutofit/>
           </a:bodyPr>
           <a:lstStyle/>
           <a:p>
             <a:r>
-              <a:rPr lang="en-US" sz="4600" b="1" kern="1200" dirty="0">
-                <a:solidFill>
-                  <a:schemeClr val="tx1"/>
-                </a:solidFill>
-                <a:latin typeface="+mj-lt"/>
-                <a:ea typeface="+mj-ea"/>
-                <a:cs typeface="+mj-cs"/>
+              <a:rPr lang="en-US" b="1" dirty="0">
+                <a:latin typeface="Century Gothic" panose="020B0502020202020204" pitchFamily="34" charset="0"/>
               </a:rPr>
-              <a:t>Exploratory Data Analysis</a:t>
-            </a:r>
-          </a:p>
-        </p:txBody>
-      </p:sp>
-      <p:sp>
-        <p:nvSpPr>
-          <p:cNvPr id="36" name="sketch line">
-            <a:extLst>
-              <a:ext uri="{FF2B5EF4-FFF2-40B4-BE49-F238E27FC236}">
-                <a16:creationId xmlns:a16="http://schemas.microsoft.com/office/drawing/2014/main" id="{CD8B4F24-440B-49E9-B85D-733523DC064B}"/>
-              </a:ext>
-              <a:ext uri="{C183D7F6-B498-43B3-948B-1728B52AA6E4}">
-                <adec:decorative xmlns:adec="http://schemas.microsoft.com/office/drawing/2017/decorative" val="1"/>
-              </a:ext>
-            </a:extLst>
-          </p:cNvPr>
-          <p:cNvSpPr>
-            <a:spLocks noGrp="1" noRot="1" noChangeAspect="1" noMove="1" noResize="1" noEditPoints="1" noAdjustHandles="1" noChangeArrowheads="1" noChangeShapeType="1" noTextEdit="1"/>
-          </p:cNvSpPr>
-          <p:nvPr>
-            <p:extLst>
-              <p:ext uri="{386F3935-93C4-4BCD-93E2-E3B085C9AB24}">
-                <p16:designElem xmlns:p16="http://schemas.microsoft.com/office/powerpoint/2015/main" val="1"/>
-              </p:ext>
-            </p:extLst>
-          </p:nvPr>
-        </p:nvSpPr>
-        <p:spPr>
-          <a:xfrm>
-            <a:off x="643278" y="2573756"/>
-            <a:ext cx="3255095" cy="18288"/>
-          </a:xfrm>
-          <a:custGeom>
-            <a:avLst/>
-            <a:gdLst>
-              <a:gd name="connsiteX0" fmla="*/ 0 w 3255095"/>
-              <a:gd name="connsiteY0" fmla="*/ 0 h 18288"/>
-              <a:gd name="connsiteX1" fmla="*/ 618468 w 3255095"/>
-              <a:gd name="connsiteY1" fmla="*/ 0 h 18288"/>
-              <a:gd name="connsiteX2" fmla="*/ 1269487 w 3255095"/>
-              <a:gd name="connsiteY2" fmla="*/ 0 h 18288"/>
-              <a:gd name="connsiteX3" fmla="*/ 1953057 w 3255095"/>
-              <a:gd name="connsiteY3" fmla="*/ 0 h 18288"/>
-              <a:gd name="connsiteX4" fmla="*/ 2636627 w 3255095"/>
-              <a:gd name="connsiteY4" fmla="*/ 0 h 18288"/>
-              <a:gd name="connsiteX5" fmla="*/ 3255095 w 3255095"/>
-              <a:gd name="connsiteY5" fmla="*/ 0 h 18288"/>
-              <a:gd name="connsiteX6" fmla="*/ 3255095 w 3255095"/>
-              <a:gd name="connsiteY6" fmla="*/ 18288 h 18288"/>
-              <a:gd name="connsiteX7" fmla="*/ 2538974 w 3255095"/>
-              <a:gd name="connsiteY7" fmla="*/ 18288 h 18288"/>
-              <a:gd name="connsiteX8" fmla="*/ 1822853 w 3255095"/>
-              <a:gd name="connsiteY8" fmla="*/ 18288 h 18288"/>
-              <a:gd name="connsiteX9" fmla="*/ 1171834 w 3255095"/>
-              <a:gd name="connsiteY9" fmla="*/ 18288 h 18288"/>
-              <a:gd name="connsiteX10" fmla="*/ 0 w 3255095"/>
-              <a:gd name="connsiteY10" fmla="*/ 18288 h 18288"/>
-              <a:gd name="connsiteX11" fmla="*/ 0 w 3255095"/>
-              <a:gd name="connsiteY11" fmla="*/ 0 h 18288"/>
-            </a:gdLst>
-            <a:ahLst/>
-            <a:cxnLst>
-              <a:cxn ang="0">
-                <a:pos x="connsiteX0" y="connsiteY0"/>
-              </a:cxn>
-              <a:cxn ang="0">
-                <a:pos x="connsiteX1" y="connsiteY1"/>
-              </a:cxn>
-              <a:cxn ang="0">
-                <a:pos x="connsiteX2" y="connsiteY2"/>
-              </a:cxn>
-              <a:cxn ang="0">
-                <a:pos x="connsiteX3" y="connsiteY3"/>
-              </a:cxn>
-              <a:cxn ang="0">
-                <a:pos x="connsiteX4" y="connsiteY4"/>
-              </a:cxn>
-              <a:cxn ang="0">
-                <a:pos x="connsiteX5" y="connsiteY5"/>
-              </a:cxn>
-              <a:cxn ang="0">
-                <a:pos x="connsiteX6" y="connsiteY6"/>
-              </a:cxn>
-              <a:cxn ang="0">
-                <a:pos x="connsiteX7" y="connsiteY7"/>
-              </a:cxn>
-              <a:cxn ang="0">
-                <a:pos x="connsiteX8" y="connsiteY8"/>
-              </a:cxn>
-              <a:cxn ang="0">
-                <a:pos x="connsiteX9" y="connsiteY9"/>
-              </a:cxn>
-              <a:cxn ang="0">
-                <a:pos x="connsiteX10" y="connsiteY10"/>
-              </a:cxn>
-              <a:cxn ang="0">
-                <a:pos x="connsiteX11" y="connsiteY11"/>
-              </a:cxn>
-            </a:cxnLst>
-            <a:rect l="l" t="t" r="r" b="b"/>
-            <a:pathLst>
-              <a:path w="3255095" h="18288" fill="none" extrusionOk="0">
-                <a:moveTo>
-                  <a:pt x="0" y="0"/>
-                </a:moveTo>
-                <a:cubicBezTo>
-                  <a:pt x="240201" y="-22123"/>
-                  <a:pt x="462021" y="-19623"/>
-                  <a:pt x="618468" y="0"/>
-                </a:cubicBezTo>
-                <a:cubicBezTo>
-                  <a:pt x="774915" y="19623"/>
-                  <a:pt x="974734" y="2035"/>
-                  <a:pt x="1269487" y="0"/>
-                </a:cubicBezTo>
-                <a:cubicBezTo>
-                  <a:pt x="1564240" y="-2035"/>
-                  <a:pt x="1733579" y="10639"/>
-                  <a:pt x="1953057" y="0"/>
-                </a:cubicBezTo>
-                <a:cubicBezTo>
-                  <a:pt x="2172535" y="-10639"/>
-                  <a:pt x="2453962" y="14018"/>
-                  <a:pt x="2636627" y="0"/>
-                </a:cubicBezTo>
-                <a:cubicBezTo>
-                  <a:pt x="2819292" y="-14018"/>
-                  <a:pt x="3121375" y="5399"/>
-                  <a:pt x="3255095" y="0"/>
-                </a:cubicBezTo>
-                <a:cubicBezTo>
-                  <a:pt x="3254386" y="8157"/>
-                  <a:pt x="3254682" y="12125"/>
-                  <a:pt x="3255095" y="18288"/>
-                </a:cubicBezTo>
-                <a:cubicBezTo>
-                  <a:pt x="3088545" y="23203"/>
-                  <a:pt x="2687475" y="7419"/>
-                  <a:pt x="2538974" y="18288"/>
-                </a:cubicBezTo>
-                <a:cubicBezTo>
-                  <a:pt x="2390473" y="29157"/>
-                  <a:pt x="2137381" y="-8959"/>
-                  <a:pt x="1822853" y="18288"/>
-                </a:cubicBezTo>
-                <a:cubicBezTo>
-                  <a:pt x="1508325" y="45535"/>
-                  <a:pt x="1466437" y="20385"/>
-                  <a:pt x="1171834" y="18288"/>
-                </a:cubicBezTo>
-                <a:cubicBezTo>
-                  <a:pt x="877231" y="16191"/>
-                  <a:pt x="561097" y="37643"/>
-                  <a:pt x="0" y="18288"/>
-                </a:cubicBezTo>
-                <a:cubicBezTo>
-                  <a:pt x="-46" y="12483"/>
-                  <a:pt x="-203" y="6491"/>
-                  <a:pt x="0" y="0"/>
-                </a:cubicBezTo>
-                <a:close/>
-              </a:path>
-              <a:path w="3255095" h="18288" stroke="0" extrusionOk="0">
-                <a:moveTo>
-                  <a:pt x="0" y="0"/>
-                </a:moveTo>
-                <a:cubicBezTo>
-                  <a:pt x="291965" y="19429"/>
-                  <a:pt x="363155" y="8568"/>
-                  <a:pt x="618468" y="0"/>
-                </a:cubicBezTo>
-                <a:cubicBezTo>
-                  <a:pt x="873781" y="-8568"/>
-                  <a:pt x="904459" y="-19505"/>
-                  <a:pt x="1171834" y="0"/>
-                </a:cubicBezTo>
-                <a:cubicBezTo>
-                  <a:pt x="1439209" y="19505"/>
-                  <a:pt x="1744369" y="9790"/>
-                  <a:pt x="1887955" y="0"/>
-                </a:cubicBezTo>
-                <a:cubicBezTo>
-                  <a:pt x="2031541" y="-9790"/>
-                  <a:pt x="2346378" y="21240"/>
-                  <a:pt x="2506423" y="0"/>
-                </a:cubicBezTo>
-                <a:cubicBezTo>
-                  <a:pt x="2666468" y="-21240"/>
-                  <a:pt x="2990257" y="30414"/>
-                  <a:pt x="3255095" y="0"/>
-                </a:cubicBezTo>
-                <a:cubicBezTo>
-                  <a:pt x="3254831" y="4493"/>
-                  <a:pt x="3255479" y="9472"/>
-                  <a:pt x="3255095" y="18288"/>
-                </a:cubicBezTo>
-                <a:cubicBezTo>
-                  <a:pt x="3120743" y="16690"/>
-                  <a:pt x="2759628" y="42462"/>
-                  <a:pt x="2604076" y="18288"/>
-                </a:cubicBezTo>
-                <a:cubicBezTo>
-                  <a:pt x="2448524" y="-5886"/>
-                  <a:pt x="2184336" y="19599"/>
-                  <a:pt x="1887955" y="18288"/>
-                </a:cubicBezTo>
-                <a:cubicBezTo>
-                  <a:pt x="1591574" y="16977"/>
-                  <a:pt x="1548845" y="6870"/>
-                  <a:pt x="1334589" y="18288"/>
-                </a:cubicBezTo>
-                <a:cubicBezTo>
-                  <a:pt x="1120333" y="29706"/>
-                  <a:pt x="996014" y="9662"/>
-                  <a:pt x="683570" y="18288"/>
-                </a:cubicBezTo>
-                <a:cubicBezTo>
-                  <a:pt x="371126" y="26914"/>
-                  <a:pt x="198687" y="16167"/>
-                  <a:pt x="0" y="18288"/>
-                </a:cubicBezTo>
-                <a:cubicBezTo>
-                  <a:pt x="843" y="9577"/>
-                  <a:pt x="371" y="6900"/>
-                  <a:pt x="0" y="0"/>
-                </a:cubicBezTo>
-                <a:close/>
-              </a:path>
-            </a:pathLst>
-          </a:custGeom>
-          <a:solidFill>
-            <a:schemeClr val="accent2"/>
-          </a:solidFill>
-          <a:ln w="38100" cap="rnd">
-            <a:solidFill>
-              <a:schemeClr val="accent2"/>
-            </a:solidFill>
-            <a:round/>
-            <a:extLst>
-              <a:ext uri="{C807C97D-BFC1-408E-A445-0C87EB9F89A2}">
-                <ask:lineSketchStyleProps xmlns:ask="http://schemas.microsoft.com/office/drawing/2018/sketchyshapes" sd="1219033472">
-                  <a:prstGeom prst="rect">
-                    <a:avLst/>
-                  </a:prstGeom>
-                  <ask:type>
-                    <ask:lineSketchFreehand/>
-                  </ask:type>
-                </ask:lineSketchStyleProps>
-              </a:ext>
-            </a:extLst>
-          </a:ln>
-        </p:spPr>
-        <p:style>
-          <a:lnRef idx="2">
-            <a:schemeClr val="accent1">
-              <a:shade val="50000"/>
-            </a:schemeClr>
-          </a:lnRef>
-          <a:fillRef idx="1">
-            <a:schemeClr val="accent1"/>
-          </a:fillRef>
-          <a:effectRef idx="0">
-            <a:schemeClr val="accent1"/>
-          </a:effectRef>
-          <a:fontRef idx="minor">
-            <a:schemeClr val="lt1"/>
-          </a:fontRef>
-        </p:style>
-        <p:txBody>
-          <a:bodyPr rtlCol="0" anchor="ctr"/>
-          <a:lstStyle/>
-          <a:p>
-            <a:pPr algn="ctr"/>
-            <a:endParaRPr lang="en-US"/>
+              <a:t>Data Preparation</a:t>
+            </a:r>
           </a:p>
         </p:txBody>
       </p:sp>
@@ -9867,15 +11665,15 @@
         </p:nvSpPr>
         <p:spPr>
           <a:xfrm>
-            <a:off x="295656" y="2807208"/>
-            <a:ext cx="4306824" cy="3410712"/>
+            <a:off x="544831" y="1814818"/>
+            <a:ext cx="9279889" cy="4240542"/>
           </a:xfrm>
           <a:prstGeom prst="rect">
             <a:avLst/>
           </a:prstGeom>
         </p:spPr>
         <p:txBody>
-          <a:bodyPr vert="horz" lIns="91440" tIns="45720" rIns="91440" bIns="45720" rtlCol="0" anchor="t">
+          <a:bodyPr vert="horz" lIns="91440" tIns="45720" rIns="91440" bIns="45720" rtlCol="0">
             <a:noAutofit/>
           </a:bodyPr>
           <a:lstStyle>
@@ -10063,251 +11861,103 @@
           </a:lstStyle>
           <a:p>
             <a:pPr>
-              <a:spcBef>
-                <a:spcPts val="300"/>
+              <a:lnSpc>
+                <a:spcPct val="120000"/>
+              </a:lnSpc>
+              <a:spcBef>
+                <a:spcPts val="1800"/>
               </a:spcBef>
               <a:spcAft>
-                <a:spcPts val="300"/>
+                <a:spcPts val="1200"/>
               </a:spcAft>
               <a:buFont typeface="Arial" panose="020B0604020202020204" pitchFamily="34" charset="0"/>
               <a:buChar char="•"/>
             </a:pPr>
             <a:r>
-              <a:rPr lang="en-US" sz="1500" dirty="0">
-                <a:solidFill>
-                  <a:schemeClr val="tx1"/>
+              <a:rPr lang="en-US" dirty="0">
+                <a:solidFill>
+                  <a:srgbClr val="000000"/>
                 </a:solidFill>
                 <a:latin typeface="Avenir Next LT Pro" panose="020B0504020202020204" pitchFamily="34" charset="0"/>
               </a:rPr>
-              <a:t>Footlocker is the most frequent occurring retailer in the dataset</a:t>
-            </a:r>
-            <a:br>
-              <a:rPr lang="en-US" sz="1500" dirty="0">
-                <a:solidFill>
-                  <a:schemeClr val="tx1"/>
+              <a:t>Columns with currency had to be changed to a regular number format by deleting the ‘$’ symbols</a:t>
+            </a:r>
+          </a:p>
+          <a:p>
+            <a:pPr>
+              <a:lnSpc>
+                <a:spcPct val="120000"/>
+              </a:lnSpc>
+              <a:spcBef>
+                <a:spcPts val="1800"/>
+              </a:spcBef>
+              <a:spcAft>
+                <a:spcPts val="1200"/>
+              </a:spcAft>
+              <a:buFont typeface="Arial" panose="020B0604020202020204" pitchFamily="34" charset="0"/>
+              <a:buChar char="•"/>
+            </a:pPr>
+            <a:r>
+              <a:rPr lang="en-US" dirty="0">
+                <a:solidFill>
+                  <a:srgbClr val="000000"/>
                 </a:solidFill>
                 <a:latin typeface="Avenir Next LT Pro" panose="020B0504020202020204" pitchFamily="34" charset="0"/>
               </a:rPr>
-            </a:br>
-            <a:endParaRPr lang="en-US" sz="1500" dirty="0">
+              <a:t>A new column – ‘Year’ has been defined by extracting only the year from the invoice date feature</a:t>
+            </a:r>
+          </a:p>
+          <a:p>
+            <a:pPr>
+              <a:lnSpc>
+                <a:spcPct val="120000"/>
+              </a:lnSpc>
+              <a:spcBef>
+                <a:spcPts val="1800"/>
+              </a:spcBef>
+              <a:spcAft>
+                <a:spcPts val="1200"/>
+              </a:spcAft>
+              <a:buFont typeface="Arial" panose="020B0604020202020204" pitchFamily="34" charset="0"/>
+              <a:buChar char="•"/>
+            </a:pPr>
+            <a:r>
+              <a:rPr lang="en-US" dirty="0">
+                <a:solidFill>
+                  <a:srgbClr val="000000"/>
+                </a:solidFill>
+                <a:latin typeface="Avenir Next LT Pro" panose="020B0504020202020204" pitchFamily="34" charset="0"/>
+              </a:rPr>
+              <a:t>Retailer ID has been omitted from the dataset as a pattern was not being exhibited with the Retailer name or their respective region/city</a:t>
+            </a:r>
+          </a:p>
+          <a:p>
+            <a:pPr>
+              <a:lnSpc>
+                <a:spcPct val="120000"/>
+              </a:lnSpc>
+              <a:spcBef>
+                <a:spcPts val="1800"/>
+              </a:spcBef>
+              <a:spcAft>
+                <a:spcPts val="1200"/>
+              </a:spcAft>
+              <a:buFont typeface="Arial" panose="020B0604020202020204" pitchFamily="34" charset="0"/>
+              <a:buChar char="•"/>
+            </a:pPr>
+            <a:endParaRPr lang="en-US" dirty="0">
               <a:solidFill>
-                <a:schemeClr val="tx1"/>
+                <a:srgbClr val="000000"/>
               </a:solidFill>
               <a:latin typeface="Avenir Next LT Pro" panose="020B0504020202020204" pitchFamily="34" charset="0"/>
             </a:endParaRPr>
           </a:p>
-          <a:p>
-            <a:pPr>
-              <a:spcBef>
-                <a:spcPts val="300"/>
-              </a:spcBef>
-              <a:spcAft>
-                <a:spcPts val="300"/>
-              </a:spcAft>
-              <a:buFont typeface="Arial" panose="020B0604020202020204" pitchFamily="34" charset="0"/>
-              <a:buChar char="•"/>
-            </a:pPr>
-            <a:r>
-              <a:rPr lang="en-US" sz="1500" dirty="0">
-                <a:solidFill>
-                  <a:schemeClr val="tx1"/>
-                </a:solidFill>
-                <a:latin typeface="Avenir Next LT Pro" panose="020B0504020202020204" pitchFamily="34" charset="0"/>
-              </a:rPr>
-              <a:t>Total Sales, Operating profit and Units Sold are interrelated and are </a:t>
-            </a:r>
-            <a:r>
-              <a:rPr lang="en-US" sz="1500" b="1" i="1" dirty="0">
-                <a:solidFill>
-                  <a:schemeClr val="tx1"/>
-                </a:solidFill>
-                <a:latin typeface="Avenir Next LT Pro" panose="020B0504020202020204" pitchFamily="34" charset="0"/>
-              </a:rPr>
-              <a:t>right skewed</a:t>
-            </a:r>
-            <a:br>
-              <a:rPr lang="en-US" sz="1500" dirty="0">
-                <a:solidFill>
-                  <a:schemeClr val="tx1"/>
-                </a:solidFill>
-                <a:latin typeface="Avenir Next LT Pro" panose="020B0504020202020204" pitchFamily="34" charset="0"/>
-              </a:rPr>
-            </a:br>
-            <a:endParaRPr lang="en-US" sz="1500" dirty="0">
-              <a:solidFill>
-                <a:schemeClr val="tx1"/>
-              </a:solidFill>
-              <a:latin typeface="Avenir Next LT Pro" panose="020B0504020202020204" pitchFamily="34" charset="0"/>
-            </a:endParaRPr>
-          </a:p>
-          <a:p>
-            <a:pPr>
-              <a:spcBef>
-                <a:spcPts val="300"/>
-              </a:spcBef>
-              <a:spcAft>
-                <a:spcPts val="300"/>
-              </a:spcAft>
-              <a:buFont typeface="Arial" panose="020B0604020202020204" pitchFamily="34" charset="0"/>
-              <a:buChar char="•"/>
-            </a:pPr>
-            <a:r>
-              <a:rPr lang="en-US" sz="1500" dirty="0">
-                <a:solidFill>
-                  <a:schemeClr val="tx1"/>
-                </a:solidFill>
-                <a:latin typeface="Avenir Next LT Pro" panose="020B0504020202020204" pitchFamily="34" charset="0"/>
-              </a:rPr>
-              <a:t>'Price Per unit' is normally distributed. 'Operating Margin' almost takes the shape of a bell</a:t>
-            </a:r>
-            <a:br>
-              <a:rPr lang="en-US" sz="1500" dirty="0">
-                <a:solidFill>
-                  <a:schemeClr val="tx1"/>
-                </a:solidFill>
-                <a:latin typeface="Avenir Next LT Pro" panose="020B0504020202020204" pitchFamily="34" charset="0"/>
-              </a:rPr>
-            </a:br>
-            <a:endParaRPr lang="en-US" sz="1500" dirty="0">
-              <a:solidFill>
-                <a:schemeClr val="tx1"/>
-              </a:solidFill>
-              <a:latin typeface="Avenir Next LT Pro" panose="020B0504020202020204" pitchFamily="34" charset="0"/>
-            </a:endParaRPr>
-          </a:p>
-          <a:p>
-            <a:pPr>
-              <a:spcBef>
-                <a:spcPts val="300"/>
-              </a:spcBef>
-              <a:spcAft>
-                <a:spcPts val="300"/>
-              </a:spcAft>
-              <a:buFont typeface="Arial" panose="020B0604020202020204" pitchFamily="34" charset="0"/>
-              <a:buChar char="•"/>
-            </a:pPr>
-            <a:r>
-              <a:rPr lang="en-US" sz="1500" dirty="0">
-                <a:solidFill>
-                  <a:schemeClr val="tx1"/>
-                </a:solidFill>
-                <a:latin typeface="Avenir Next LT Pro" panose="020B0504020202020204" pitchFamily="34" charset="0"/>
-              </a:rPr>
-              <a:t>Online sales are the highest</a:t>
-            </a:r>
-            <a:br>
-              <a:rPr lang="en-US" sz="1500" dirty="0">
-                <a:solidFill>
-                  <a:schemeClr val="tx1"/>
-                </a:solidFill>
-                <a:latin typeface="Avenir Next LT Pro" panose="020B0504020202020204" pitchFamily="34" charset="0"/>
-              </a:rPr>
-            </a:br>
-            <a:endParaRPr lang="en-US" sz="1500" dirty="0">
-              <a:solidFill>
-                <a:schemeClr val="tx1"/>
-              </a:solidFill>
-              <a:latin typeface="Avenir Next LT Pro" panose="020B0504020202020204" pitchFamily="34" charset="0"/>
-            </a:endParaRPr>
-          </a:p>
-          <a:p>
-            <a:pPr>
-              <a:spcBef>
-                <a:spcPts val="300"/>
-              </a:spcBef>
-              <a:spcAft>
-                <a:spcPts val="300"/>
-              </a:spcAft>
-              <a:buFont typeface="Arial" panose="020B0604020202020204" pitchFamily="34" charset="0"/>
-              <a:buChar char="•"/>
-            </a:pPr>
-            <a:r>
-              <a:rPr lang="en-US" sz="1500" dirty="0">
-                <a:solidFill>
-                  <a:schemeClr val="tx1"/>
-                </a:solidFill>
-                <a:latin typeface="Avenir Next LT Pro" panose="020B0504020202020204" pitchFamily="34" charset="0"/>
-              </a:rPr>
-              <a:t>All products are almost equally distributed</a:t>
-            </a:r>
-            <a:br>
-              <a:rPr lang="en-US" sz="1500" dirty="0">
-                <a:solidFill>
-                  <a:schemeClr val="tx1"/>
-                </a:solidFill>
-                <a:latin typeface="Avenir Next LT Pro" panose="020B0504020202020204" pitchFamily="34" charset="0"/>
-              </a:rPr>
-            </a:br>
-            <a:endParaRPr lang="en-US" sz="1500" dirty="0">
-              <a:solidFill>
-                <a:schemeClr val="tx1"/>
-              </a:solidFill>
-              <a:latin typeface="Avenir Next LT Pro" panose="020B0504020202020204" pitchFamily="34" charset="0"/>
-            </a:endParaRPr>
-          </a:p>
-          <a:p>
-            <a:pPr>
-              <a:spcBef>
-                <a:spcPts val="300"/>
-              </a:spcBef>
-              <a:spcAft>
-                <a:spcPts val="300"/>
-              </a:spcAft>
-              <a:buFont typeface="Arial" panose="020B0604020202020204" pitchFamily="34" charset="0"/>
-              <a:buChar char="•"/>
-            </a:pPr>
-            <a:r>
-              <a:rPr lang="en-US" sz="1500" dirty="0">
-                <a:solidFill>
-                  <a:schemeClr val="tx1"/>
-                </a:solidFill>
-                <a:latin typeface="Avenir Next LT Pro" panose="020B0504020202020204" pitchFamily="34" charset="0"/>
-              </a:rPr>
-              <a:t>North-east and West contribute to the most observed regions throughout the dataset</a:t>
-            </a:r>
-          </a:p>
         </p:txBody>
       </p:sp>
-      <p:pic>
-        <p:nvPicPr>
-          <p:cNvPr id="7" name="Picture 6" descr="Graphical user interface&#10;&#10;Description automatically generated with low confidence">
-            <a:extLst>
-              <a:ext uri="{FF2B5EF4-FFF2-40B4-BE49-F238E27FC236}">
-                <a16:creationId xmlns:a16="http://schemas.microsoft.com/office/drawing/2014/main" id="{59EF4242-B91D-4C92-3AA1-734CCAE80632}"/>
-              </a:ext>
-            </a:extLst>
-          </p:cNvPr>
-          <p:cNvPicPr>
-            <a:picLocks noChangeAspect="1"/>
-          </p:cNvPicPr>
-          <p:nvPr/>
-        </p:nvPicPr>
-        <p:blipFill>
-          <a:blip r:embed="rId4">
-            <a:extLst>
-              <a:ext uri="{28A0092B-C50C-407E-A947-70E740481C1C}">
-                <a14:useLocalDpi xmlns:a14="http://schemas.microsoft.com/office/drawing/2010/main" val="0"/>
-              </a:ext>
-            </a:extLst>
-          </a:blip>
-          <a:stretch>
-            <a:fillRect/>
-          </a:stretch>
-        </p:blipFill>
-        <p:spPr>
-          <a:xfrm>
-            <a:off x="4654296" y="1573626"/>
-            <a:ext cx="6903720" cy="3710748"/>
-          </a:xfrm>
-          <a:prstGeom prst="rect">
-            <a:avLst/>
-          </a:prstGeom>
-        </p:spPr>
-      </p:pic>
     </p:spTree>
     <p:extLst>
       <p:ext uri="{BB962C8B-B14F-4D97-AF65-F5344CB8AC3E}">
-        <p14:creationId xmlns:p14="http://schemas.microsoft.com/office/powerpoint/2010/main" val="4235645987"/>
+        <p14:creationId xmlns:p14="http://schemas.microsoft.com/office/powerpoint/2010/main" val="1977064590"/>
       </p:ext>
     </p:extLst>
   </p:cSld>
@@ -10354,171 +12004,12 @@
           <a:chExt cx="0" cy="0"/>
         </a:xfrm>
       </p:grpSpPr>
-      <p:sp useBgFill="1">
-        <p:nvSpPr>
-          <p:cNvPr id="41" name="Rectangle 40">
-            <a:extLst>
-              <a:ext uri="{FF2B5EF4-FFF2-40B4-BE49-F238E27FC236}">
-                <a16:creationId xmlns:a16="http://schemas.microsoft.com/office/drawing/2014/main" id="{5BA49487-3FDB-4FB7-9D50-2B4F9454DA91}"/>
-              </a:ext>
-              <a:ext uri="{C183D7F6-B498-43B3-948B-1728B52AA6E4}">
-                <adec:decorative xmlns:adec="http://schemas.microsoft.com/office/drawing/2017/decorative" val="1"/>
-              </a:ext>
-            </a:extLst>
-          </p:cNvPr>
-          <p:cNvSpPr>
-            <a:spLocks noGrp="1" noRot="1" noChangeAspect="1" noMove="1" noResize="1" noEditPoints="1" noAdjustHandles="1" noChangeArrowheads="1" noChangeShapeType="1" noTextEdit="1"/>
-          </p:cNvSpPr>
-          <p:nvPr>
-            <p:extLst>
-              <p:ext uri="{386F3935-93C4-4BCD-93E2-E3B085C9AB24}">
-                <p16:designElem xmlns:p16="http://schemas.microsoft.com/office/powerpoint/2015/main" val="1"/>
-              </p:ext>
-            </p:extLst>
-          </p:nvPr>
-        </p:nvSpPr>
-        <p:spPr>
-          <a:xfrm>
-            <a:off x="0" y="0"/>
-            <a:ext cx="12192000" cy="6858000"/>
-          </a:xfrm>
-          <a:prstGeom prst="rect">
-            <a:avLst/>
-          </a:prstGeom>
-          <a:ln>
-            <a:noFill/>
-          </a:ln>
-        </p:spPr>
-        <p:style>
-          <a:lnRef idx="2">
-            <a:schemeClr val="accent1">
-              <a:shade val="50000"/>
-            </a:schemeClr>
-          </a:lnRef>
-          <a:fillRef idx="1">
-            <a:schemeClr val="accent1"/>
-          </a:fillRef>
-          <a:effectRef idx="0">
-            <a:schemeClr val="accent1"/>
-          </a:effectRef>
-          <a:fontRef idx="minor">
-            <a:schemeClr val="lt1"/>
-          </a:fontRef>
-        </p:style>
-        <p:txBody>
-          <a:bodyPr rtlCol="0" anchor="ctr"/>
-          <a:lstStyle/>
-          <a:p>
-            <a:pPr algn="ctr"/>
-            <a:endParaRPr lang="en-US"/>
-          </a:p>
-        </p:txBody>
-      </p:sp>
-      <p:sp useBgFill="1">
-        <p:nvSpPr>
-          <p:cNvPr id="43" name="Rectangle 42">
-            <a:extLst>
-              <a:ext uri="{FF2B5EF4-FFF2-40B4-BE49-F238E27FC236}">
-                <a16:creationId xmlns:a16="http://schemas.microsoft.com/office/drawing/2014/main" id="{1C938212-FA12-4FF1-87C8-ACDE99D06F69}"/>
-              </a:ext>
-              <a:ext uri="{C183D7F6-B498-43B3-948B-1728B52AA6E4}">
-                <adec:decorative xmlns:adec="http://schemas.microsoft.com/office/drawing/2017/decorative" val="1"/>
-              </a:ext>
-            </a:extLst>
-          </p:cNvPr>
-          <p:cNvSpPr>
-            <a:spLocks noGrp="1" noRot="1" noChangeAspect="1" noMove="1" noResize="1" noEditPoints="1" noAdjustHandles="1" noChangeArrowheads="1" noChangeShapeType="1" noTextEdit="1"/>
-          </p:cNvSpPr>
-          <p:nvPr>
-            <p:extLst>
-              <p:ext uri="{386F3935-93C4-4BCD-93E2-E3B085C9AB24}">
-                <p16:designElem xmlns:p16="http://schemas.microsoft.com/office/powerpoint/2015/main" val="1"/>
-              </p:ext>
-            </p:extLst>
-          </p:nvPr>
-        </p:nvSpPr>
-        <p:spPr>
-          <a:xfrm>
-            <a:off x="554416" y="4218905"/>
-            <a:ext cx="11167447" cy="2089317"/>
-          </a:xfrm>
-          <a:prstGeom prst="rect">
-            <a:avLst/>
-          </a:prstGeom>
-          <a:ln w="12700">
-            <a:solidFill>
-              <a:srgbClr val="DEDEDE"/>
-            </a:solidFill>
-          </a:ln>
-          <a:effectLst>
-            <a:outerShdw blurRad="50800" dist="38100" dir="2700000" algn="tl" rotWithShape="0">
-              <a:schemeClr val="bg2">
-                <a:lumMod val="85000"/>
-                <a:alpha val="50000"/>
-              </a:schemeClr>
-            </a:outerShdw>
-          </a:effectLst>
-        </p:spPr>
-        <p:style>
-          <a:lnRef idx="2">
-            <a:schemeClr val="accent1">
-              <a:shade val="50000"/>
-            </a:schemeClr>
-          </a:lnRef>
-          <a:fillRef idx="1">
-            <a:schemeClr val="accent1"/>
-          </a:fillRef>
-          <a:effectRef idx="0">
-            <a:schemeClr val="accent1"/>
-          </a:effectRef>
-          <a:fontRef idx="minor">
-            <a:schemeClr val="lt1"/>
-          </a:fontRef>
-        </p:style>
-        <p:txBody>
-          <a:bodyPr rtlCol="0" anchor="ctr"/>
-          <a:lstStyle/>
-          <a:p>
-            <a:pPr marL="0" marR="0" lvl="0" indent="0" algn="ctr" defTabSz="914400" rtl="0" eaLnBrk="1" fontAlgn="auto" latinLnBrk="0" hangingPunct="1">
-              <a:lnSpc>
-                <a:spcPct val="100000"/>
-              </a:lnSpc>
-              <a:spcBef>
-                <a:spcPts val="0"/>
-              </a:spcBef>
-              <a:spcAft>
-                <a:spcPts val="0"/>
-              </a:spcAft>
-              <a:buClrTx/>
-              <a:buSzTx/>
-              <a:buFontTx/>
-              <a:buNone/>
-              <a:tabLst/>
-              <a:defRPr/>
-            </a:pPr>
-            <a:endParaRPr kumimoji="0" lang="en-US" sz="1800" b="0" i="0" u="none" strike="noStrike" kern="1200" cap="none" spc="0" normalizeH="0" baseline="0" noProof="0">
-              <a:ln>
-                <a:noFill/>
-              </a:ln>
-              <a:solidFill>
-                <a:prstClr val="white"/>
-              </a:solidFill>
-              <a:effectLst/>
-              <a:uLnTx/>
-              <a:uFillTx/>
-              <a:latin typeface="Calibri" panose="020F0502020204030204"/>
-              <a:ea typeface="+mn-ea"/>
-              <a:cs typeface="+mn-cs"/>
-            </a:endParaRPr>
-          </a:p>
-        </p:txBody>
-      </p:sp>
       <p:sp>
         <p:nvSpPr>
-          <p:cNvPr id="26" name="Title 25">
+          <p:cNvPr id="14" name="Title 25">
             <a:extLst>
               <a:ext uri="{FF2B5EF4-FFF2-40B4-BE49-F238E27FC236}">
-                <a16:creationId xmlns:a16="http://schemas.microsoft.com/office/drawing/2014/main" id="{27ED0F80-138B-4A4E-B34B-8C68CC474DC4}"/>
+                <a16:creationId xmlns:a16="http://schemas.microsoft.com/office/drawing/2014/main" id="{DDB05034-10CA-BC18-5D88-402D40CD0A40}"/>
               </a:ext>
             </a:extLst>
           </p:cNvPr>
@@ -10531,308 +12022,36 @@
         </p:nvSpPr>
         <p:spPr>
           <a:xfrm>
-            <a:off x="838200" y="4440602"/>
-            <a:ext cx="3300663" cy="1645920"/>
+            <a:off x="897636" y="347420"/>
+            <a:ext cx="3429000" cy="1719072"/>
           </a:xfrm>
         </p:spPr>
         <p:txBody>
-          <a:bodyPr vert="horz" lIns="91440" tIns="45720" rIns="91440" bIns="45720" rtlCol="0" anchor="ctr">
+          <a:bodyPr vert="horz" lIns="91440" tIns="45720" rIns="91440" bIns="45720" rtlCol="0" anchor="b">
             <a:normAutofit/>
           </a:bodyPr>
           <a:lstStyle/>
           <a:p>
             <a:r>
-              <a:rPr lang="en-US" sz="2800" b="1" dirty="0">
+              <a:rPr lang="en-US" sz="4600" b="1" kern="1200" dirty="0">
                 <a:solidFill>
                   <a:schemeClr val="tx1"/>
                 </a:solidFill>
                 <a:latin typeface="+mj-lt"/>
+                <a:ea typeface="+mj-ea"/>
+                <a:cs typeface="+mj-cs"/>
               </a:rPr>
               <a:t>Exploratory Data Analysis</a:t>
             </a:r>
-            <a:br>
-              <a:rPr lang="en-US" sz="2800" b="1" dirty="0">
-                <a:solidFill>
-                  <a:schemeClr val="tx1"/>
-                </a:solidFill>
-                <a:latin typeface="+mj-lt"/>
-              </a:rPr>
-            </a:br>
-            <a:r>
-              <a:rPr lang="en-US" sz="2800" b="1" dirty="0">
-                <a:solidFill>
-                  <a:schemeClr val="tx1"/>
-                </a:solidFill>
-                <a:latin typeface="+mj-lt"/>
-              </a:rPr>
-              <a:t>(Bi-variate)</a:t>
-            </a:r>
-          </a:p>
-        </p:txBody>
-      </p:sp>
-      <p:pic>
-        <p:nvPicPr>
-          <p:cNvPr id="6" name="Picture 5" descr="Chart, histogram&#10;&#10;Description automatically generated">
-            <a:extLst>
-              <a:ext uri="{FF2B5EF4-FFF2-40B4-BE49-F238E27FC236}">
-                <a16:creationId xmlns:a16="http://schemas.microsoft.com/office/drawing/2014/main" id="{8E58E7D0-1CB1-CB21-CA22-0B085DAA8F56}"/>
-              </a:ext>
-            </a:extLst>
-          </p:cNvPr>
-          <p:cNvPicPr>
-            <a:picLocks noChangeAspect="1"/>
-          </p:cNvPicPr>
-          <p:nvPr/>
-        </p:nvPicPr>
-        <p:blipFill>
-          <a:blip r:embed="rId2">
-            <a:extLst>
-              <a:ext uri="{28A0092B-C50C-407E-A947-70E740481C1C}">
-                <a14:useLocalDpi xmlns:a14="http://schemas.microsoft.com/office/drawing/2010/main" val="0"/>
-              </a:ext>
-            </a:extLst>
-          </a:blip>
-          <a:stretch>
-            <a:fillRect/>
-          </a:stretch>
-        </p:blipFill>
-        <p:spPr>
-          <a:xfrm>
-            <a:off x="992419" y="265466"/>
-            <a:ext cx="5192292" cy="3985084"/>
-          </a:xfrm>
-          <a:prstGeom prst="rect">
-            <a:avLst/>
-          </a:prstGeom>
-        </p:spPr>
-      </p:pic>
-      <p:pic>
-        <p:nvPicPr>
-          <p:cNvPr id="9" name="Picture 8" descr="Chart, box and whisker chart">
-            <a:extLst>
-              <a:ext uri="{FF2B5EF4-FFF2-40B4-BE49-F238E27FC236}">
-                <a16:creationId xmlns:a16="http://schemas.microsoft.com/office/drawing/2014/main" id="{C7B7B2E8-D9AB-8439-4C84-E4564088776E}"/>
-              </a:ext>
-            </a:extLst>
-          </p:cNvPr>
-          <p:cNvPicPr>
-            <a:picLocks noChangeAspect="1"/>
-          </p:cNvPicPr>
-          <p:nvPr/>
-        </p:nvPicPr>
-        <p:blipFill>
-          <a:blip r:embed="rId3">
-            <a:extLst>
-              <a:ext uri="{28A0092B-C50C-407E-A947-70E740481C1C}">
-                <a14:useLocalDpi xmlns:a14="http://schemas.microsoft.com/office/drawing/2010/main" val="0"/>
-              </a:ext>
-            </a:extLst>
-          </a:blip>
-          <a:stretch>
-            <a:fillRect/>
-          </a:stretch>
-        </p:blipFill>
-        <p:spPr>
-          <a:xfrm>
-            <a:off x="7177130" y="937773"/>
-            <a:ext cx="3584448" cy="2602538"/>
-          </a:xfrm>
-          <a:prstGeom prst="rect">
-            <a:avLst/>
-          </a:prstGeom>
-        </p:spPr>
-      </p:pic>
-      <p:sp>
-        <p:nvSpPr>
-          <p:cNvPr id="45" name="Rectangle 44">
-            <a:extLst>
-              <a:ext uri="{FF2B5EF4-FFF2-40B4-BE49-F238E27FC236}">
-                <a16:creationId xmlns:a16="http://schemas.microsoft.com/office/drawing/2014/main" id="{369F152D-E540-4B48-BA11-2ADF043C6111}"/>
-              </a:ext>
-              <a:ext uri="{C183D7F6-B498-43B3-948B-1728B52AA6E4}">
-                <adec:decorative xmlns:adec="http://schemas.microsoft.com/office/drawing/2017/decorative" val="1"/>
-              </a:ext>
-            </a:extLst>
-          </p:cNvPr>
-          <p:cNvSpPr>
-            <a:spLocks noGrp="1" noRot="1" noChangeAspect="1" noMove="1" noResize="1" noEditPoints="1" noAdjustHandles="1" noChangeArrowheads="1" noChangeShapeType="1" noTextEdit="1"/>
-          </p:cNvSpPr>
-          <p:nvPr>
-            <p:extLst>
-              <p:ext uri="{386F3935-93C4-4BCD-93E2-E3B085C9AB24}">
-                <p16:designElem xmlns:p16="http://schemas.microsoft.com/office/powerpoint/2015/main" val="1"/>
-              </p:ext>
-            </p:extLst>
-          </p:nvPr>
-        </p:nvSpPr>
-        <p:spPr>
-          <a:xfrm>
-            <a:off x="490408" y="4911519"/>
-            <a:ext cx="128016" cy="704088"/>
-          </a:xfrm>
-          <a:prstGeom prst="rect">
-            <a:avLst/>
-          </a:prstGeom>
-          <a:solidFill>
-            <a:schemeClr val="accent2"/>
-          </a:solidFill>
-          <a:ln>
-            <a:noFill/>
-          </a:ln>
-        </p:spPr>
-        <p:style>
-          <a:lnRef idx="2">
-            <a:schemeClr val="accent1">
-              <a:shade val="50000"/>
-            </a:schemeClr>
-          </a:lnRef>
-          <a:fillRef idx="1">
-            <a:schemeClr val="accent1"/>
-          </a:fillRef>
-          <a:effectRef idx="0">
-            <a:schemeClr val="accent1"/>
-          </a:effectRef>
-          <a:fontRef idx="minor">
-            <a:schemeClr val="lt1"/>
-          </a:fontRef>
-        </p:style>
-        <p:txBody>
-          <a:bodyPr rtlCol="0" anchor="ctr"/>
-          <a:lstStyle/>
-          <a:p>
-            <a:pPr marL="0" marR="0" lvl="0" indent="0" algn="ctr" defTabSz="914400" rtl="0" eaLnBrk="1" fontAlgn="auto" latinLnBrk="0" hangingPunct="1">
-              <a:lnSpc>
-                <a:spcPct val="100000"/>
-              </a:lnSpc>
-              <a:spcBef>
-                <a:spcPts val="0"/>
-              </a:spcBef>
-              <a:spcAft>
-                <a:spcPts val="0"/>
-              </a:spcAft>
-              <a:buClrTx/>
-              <a:buSzTx/>
-              <a:buFontTx/>
-              <a:buNone/>
-              <a:tabLst/>
-              <a:defRPr/>
-            </a:pPr>
-            <a:endParaRPr kumimoji="0" lang="en-US" sz="1800" b="0" i="0" u="none" strike="noStrike" kern="1200" cap="none" spc="0" normalizeH="0" baseline="0" noProof="0" dirty="0">
-              <a:ln>
-                <a:noFill/>
-              </a:ln>
-              <a:solidFill>
-                <a:prstClr val="white"/>
-              </a:solidFill>
-              <a:effectLst/>
-              <a:uLnTx/>
-              <a:uFillTx/>
-              <a:latin typeface="Calibri" panose="020F0502020204030204"/>
-              <a:ea typeface="+mn-ea"/>
-              <a:cs typeface="+mn-cs"/>
-            </a:endParaRPr>
           </a:p>
         </p:txBody>
       </p:sp>
       <p:sp>
         <p:nvSpPr>
-          <p:cNvPr id="47" name="Rectangle 46">
+          <p:cNvPr id="15" name="Text Placeholder 26">
             <a:extLst>
               <a:ext uri="{FF2B5EF4-FFF2-40B4-BE49-F238E27FC236}">
-                <a16:creationId xmlns:a16="http://schemas.microsoft.com/office/drawing/2014/main" id="{0C059F7E-04C4-4C46-9B3E-E5CE267E347D}"/>
-              </a:ext>
-              <a:ext uri="{C183D7F6-B498-43B3-948B-1728B52AA6E4}">
-                <adec:decorative xmlns:adec="http://schemas.microsoft.com/office/drawing/2017/decorative" val="1"/>
-              </a:ext>
-            </a:extLst>
-          </p:cNvPr>
-          <p:cNvSpPr>
-            <a:spLocks noGrp="1" noRot="1" noChangeAspect="1" noMove="1" noResize="1" noEditPoints="1" noAdjustHandles="1" noChangeArrowheads="1" noChangeShapeType="1" noTextEdit="1"/>
-          </p:cNvSpPr>
-          <p:nvPr>
-            <p:extLst>
-              <p:ext uri="{386F3935-93C4-4BCD-93E2-E3B085C9AB24}">
-                <p16:designElem xmlns:p16="http://schemas.microsoft.com/office/powerpoint/2015/main" val="1"/>
-              </p:ext>
-            </p:extLst>
-          </p:nvPr>
-        </p:nvSpPr>
-        <p:spPr>
-          <a:xfrm rot="5400000">
-            <a:off x="3612098" y="5254418"/>
-            <a:ext cx="1463040" cy="18288"/>
-          </a:xfrm>
-          <a:prstGeom prst="rect">
-            <a:avLst/>
-          </a:prstGeom>
-          <a:solidFill>
-            <a:srgbClr val="D5D5D5"/>
-          </a:solidFill>
-          <a:ln w="3175">
-            <a:noFill/>
-          </a:ln>
-          <a:effectLst/>
-        </p:spPr>
-        <p:style>
-          <a:lnRef idx="2">
-            <a:schemeClr val="accent1">
-              <a:shade val="50000"/>
-            </a:schemeClr>
-          </a:lnRef>
-          <a:fillRef idx="1">
-            <a:schemeClr val="accent1"/>
-          </a:fillRef>
-          <a:effectRef idx="0">
-            <a:schemeClr val="accent1"/>
-          </a:effectRef>
-          <a:fontRef idx="minor">
-            <a:schemeClr val="lt1"/>
-          </a:fontRef>
-        </p:style>
-        <p:txBody>
-          <a:bodyPr rtlCol="0" anchor="ctr"/>
-          <a:lstStyle/>
-          <a:p>
-            <a:pPr marL="0" marR="0" lvl="0" indent="0" algn="ctr" defTabSz="914400" rtl="0" eaLnBrk="1" fontAlgn="auto" latinLnBrk="0" hangingPunct="1">
-              <a:lnSpc>
-                <a:spcPct val="100000"/>
-              </a:lnSpc>
-              <a:spcBef>
-                <a:spcPts val="0"/>
-              </a:spcBef>
-              <a:spcAft>
-                <a:spcPts val="0"/>
-              </a:spcAft>
-              <a:buClrTx/>
-              <a:buSzTx/>
-              <a:buFontTx/>
-              <a:buNone/>
-              <a:tabLst/>
-              <a:defRPr/>
-            </a:pPr>
-            <a:endParaRPr kumimoji="0" lang="en-US" sz="1800" b="0" i="0" u="none" strike="noStrike" kern="1200" cap="none" spc="0" normalizeH="0" baseline="0" noProof="0">
-              <a:ln>
-                <a:noFill/>
-              </a:ln>
-              <a:solidFill>
-                <a:prstClr val="white"/>
-              </a:solidFill>
-              <a:effectLst/>
-              <a:uLnTx/>
-              <a:uFillTx/>
-              <a:latin typeface="Calibri" panose="020F0502020204030204"/>
-              <a:ea typeface="+mn-ea"/>
-              <a:cs typeface="+mn-cs"/>
-            </a:endParaRPr>
-          </a:p>
-        </p:txBody>
-      </p:sp>
-      <p:sp>
-        <p:nvSpPr>
-          <p:cNvPr id="3" name="Text Placeholder 26">
-            <a:extLst>
-              <a:ext uri="{FF2B5EF4-FFF2-40B4-BE49-F238E27FC236}">
-                <a16:creationId xmlns:a16="http://schemas.microsoft.com/office/drawing/2014/main" id="{24EC3D39-AF9A-CD00-4D45-AA3BDEAECA03}"/>
+                <a16:creationId xmlns:a16="http://schemas.microsoft.com/office/drawing/2014/main" id="{BBC5B560-A82F-8C3B-7F8D-2B68CF908BFC}"/>
               </a:ext>
             </a:extLst>
           </p:cNvPr>
@@ -10843,16 +12062,16 @@
         </p:nvSpPr>
         <p:spPr>
           <a:xfrm>
-            <a:off x="4578824" y="4440602"/>
-            <a:ext cx="6860184" cy="1645920"/>
+            <a:off x="562356" y="2515108"/>
+            <a:ext cx="4306824" cy="3410712"/>
           </a:xfrm>
           <a:prstGeom prst="rect">
             <a:avLst/>
           </a:prstGeom>
         </p:spPr>
         <p:txBody>
-          <a:bodyPr vert="horz" lIns="91440" tIns="45720" rIns="91440" bIns="45720" rtlCol="0" anchor="ctr">
-            <a:normAutofit/>
+          <a:bodyPr vert="horz" lIns="91440" tIns="45720" rIns="91440" bIns="45720" rtlCol="0" anchor="t">
+            <a:noAutofit/>
           </a:bodyPr>
           <a:lstStyle>
             <a:lvl1pPr marL="228600" indent="-228600" algn="l" defTabSz="914400" rtl="0" eaLnBrk="1" latinLnBrk="0" hangingPunct="1">
@@ -10864,7 +12083,7 @@
               </a:spcBef>
               <a:buFontTx/>
               <a:buBlip>
-                <a:blip r:embed="rId4"/>
+                <a:blip r:embed="rId2"/>
               </a:buBlip>
               <a:defRPr sz="1600" kern="1200">
                 <a:solidFill>
@@ -10887,7 +12106,7 @@
               </a:spcBef>
               <a:buFontTx/>
               <a:buBlip>
-                <a:blip r:embed="rId5"/>
+                <a:blip r:embed="rId3"/>
               </a:buBlip>
               <a:defRPr sz="1600" kern="1200">
                 <a:solidFill>
@@ -11040,10 +12259,10 @@
           <a:p>
             <a:pPr>
               <a:spcBef>
-                <a:spcPts val="1800"/>
+                <a:spcPts val="300"/>
               </a:spcBef>
               <a:spcAft>
-                <a:spcPts val="1200"/>
+                <a:spcPts val="300"/>
               </a:spcAft>
               <a:buFont typeface="Arial" panose="020B0604020202020204" pitchFamily="34" charset="0"/>
               <a:buChar char="•"/>
@@ -11053,18 +12272,32 @@
                 <a:solidFill>
                   <a:schemeClr val="tx1"/>
                 </a:solidFill>
-                <a:latin typeface="Century Gothic" panose="020B0502020202020204" pitchFamily="34" charset="0"/>
+                <a:latin typeface="Avenir Next LT Pro" panose="020B0504020202020204" pitchFamily="34" charset="0"/>
               </a:rPr>
-              <a:t>Significant improvement in sales as compared to 2020 in 2021</a:t>
-            </a:r>
+              <a:t>Footlocker is the most frequent occurring retailer in the dataset</a:t>
+            </a:r>
+            <a:br>
+              <a:rPr lang="en-US" sz="1500" dirty="0">
+                <a:solidFill>
+                  <a:schemeClr val="tx1"/>
+                </a:solidFill>
+                <a:latin typeface="Avenir Next LT Pro" panose="020B0504020202020204" pitchFamily="34" charset="0"/>
+              </a:rPr>
+            </a:br>
+            <a:endParaRPr lang="en-US" sz="1500" dirty="0">
+              <a:solidFill>
+                <a:schemeClr val="tx1"/>
+              </a:solidFill>
+              <a:latin typeface="Avenir Next LT Pro" panose="020B0504020202020204" pitchFamily="34" charset="0"/>
+            </a:endParaRPr>
           </a:p>
           <a:p>
             <a:pPr>
               <a:spcBef>
-                <a:spcPts val="1800"/>
+                <a:spcPts val="300"/>
               </a:spcBef>
               <a:spcAft>
-                <a:spcPts val="1200"/>
+                <a:spcPts val="300"/>
               </a:spcAft>
               <a:buFont typeface="Arial" panose="020B0604020202020204" pitchFamily="34" charset="0"/>
               <a:buChar char="•"/>
@@ -11074,17 +12307,202 @@
                 <a:solidFill>
                   <a:schemeClr val="tx1"/>
                 </a:solidFill>
-                <a:latin typeface="Century Gothic" panose="020B0502020202020204" pitchFamily="34" charset="0"/>
+                <a:latin typeface="Avenir Next LT Pro" panose="020B0504020202020204" pitchFamily="34" charset="0"/>
               </a:rPr>
-              <a:t>Online sales have surfaced in the year 2021 which can suggest the possible jump in the overall sales</a:t>
+              <a:t>Total Sales, Operating profit and Units Sold are interrelated and are </a:t>
+            </a:r>
+            <a:r>
+              <a:rPr lang="en-US" sz="1500" b="1" i="1" dirty="0">
+                <a:solidFill>
+                  <a:schemeClr val="tx1"/>
+                </a:solidFill>
+                <a:latin typeface="Avenir Next LT Pro" panose="020B0504020202020204" pitchFamily="34" charset="0"/>
+              </a:rPr>
+              <a:t>right skewed</a:t>
+            </a:r>
+            <a:br>
+              <a:rPr lang="en-US" sz="1500" dirty="0">
+                <a:solidFill>
+                  <a:schemeClr val="tx1"/>
+                </a:solidFill>
+                <a:latin typeface="Avenir Next LT Pro" panose="020B0504020202020204" pitchFamily="34" charset="0"/>
+              </a:rPr>
+            </a:br>
+            <a:endParaRPr lang="en-US" sz="1500" dirty="0">
+              <a:solidFill>
+                <a:schemeClr val="tx1"/>
+              </a:solidFill>
+              <a:latin typeface="Avenir Next LT Pro" panose="020B0504020202020204" pitchFamily="34" charset="0"/>
+            </a:endParaRPr>
+          </a:p>
+          <a:p>
+            <a:pPr>
+              <a:spcBef>
+                <a:spcPts val="300"/>
+              </a:spcBef>
+              <a:spcAft>
+                <a:spcPts val="300"/>
+              </a:spcAft>
+              <a:buFont typeface="Arial" panose="020B0604020202020204" pitchFamily="34" charset="0"/>
+              <a:buChar char="•"/>
+            </a:pPr>
+            <a:r>
+              <a:rPr lang="en-US" sz="1500" dirty="0">
+                <a:solidFill>
+                  <a:schemeClr val="tx1"/>
+                </a:solidFill>
+                <a:latin typeface="Avenir Next LT Pro" panose="020B0504020202020204" pitchFamily="34" charset="0"/>
+              </a:rPr>
+              <a:t>'Price Per unit' is normally distributed. 'Operating Margin' almost takes the shape of a bell</a:t>
+            </a:r>
+            <a:br>
+              <a:rPr lang="en-US" sz="1500" dirty="0">
+                <a:solidFill>
+                  <a:schemeClr val="tx1"/>
+                </a:solidFill>
+                <a:latin typeface="Avenir Next LT Pro" panose="020B0504020202020204" pitchFamily="34" charset="0"/>
+              </a:rPr>
+            </a:br>
+            <a:endParaRPr lang="en-US" sz="1500" dirty="0">
+              <a:solidFill>
+                <a:schemeClr val="tx1"/>
+              </a:solidFill>
+              <a:latin typeface="Avenir Next LT Pro" panose="020B0504020202020204" pitchFamily="34" charset="0"/>
+            </a:endParaRPr>
+          </a:p>
+          <a:p>
+            <a:pPr>
+              <a:spcBef>
+                <a:spcPts val="300"/>
+              </a:spcBef>
+              <a:spcAft>
+                <a:spcPts val="300"/>
+              </a:spcAft>
+              <a:buFont typeface="Arial" panose="020B0604020202020204" pitchFamily="34" charset="0"/>
+              <a:buChar char="•"/>
+            </a:pPr>
+            <a:r>
+              <a:rPr lang="en-US" sz="1500" dirty="0">
+                <a:solidFill>
+                  <a:schemeClr val="tx1"/>
+                </a:solidFill>
+                <a:latin typeface="Avenir Next LT Pro" panose="020B0504020202020204" pitchFamily="34" charset="0"/>
+              </a:rPr>
+              <a:t>Online sales are the highest</a:t>
+            </a:r>
+            <a:br>
+              <a:rPr lang="en-US" sz="1500" dirty="0">
+                <a:solidFill>
+                  <a:schemeClr val="tx1"/>
+                </a:solidFill>
+                <a:latin typeface="Avenir Next LT Pro" panose="020B0504020202020204" pitchFamily="34" charset="0"/>
+              </a:rPr>
+            </a:br>
+            <a:endParaRPr lang="en-US" sz="1500" dirty="0">
+              <a:solidFill>
+                <a:schemeClr val="tx1"/>
+              </a:solidFill>
+              <a:latin typeface="Avenir Next LT Pro" panose="020B0504020202020204" pitchFamily="34" charset="0"/>
+            </a:endParaRPr>
+          </a:p>
+          <a:p>
+            <a:pPr>
+              <a:spcBef>
+                <a:spcPts val="300"/>
+              </a:spcBef>
+              <a:spcAft>
+                <a:spcPts val="300"/>
+              </a:spcAft>
+              <a:buFont typeface="Arial" panose="020B0604020202020204" pitchFamily="34" charset="0"/>
+              <a:buChar char="•"/>
+            </a:pPr>
+            <a:r>
+              <a:rPr lang="en-US" sz="1500" dirty="0">
+                <a:solidFill>
+                  <a:schemeClr val="tx1"/>
+                </a:solidFill>
+                <a:latin typeface="Avenir Next LT Pro" panose="020B0504020202020204" pitchFamily="34" charset="0"/>
+              </a:rPr>
+              <a:t>All products are almost equally distributed</a:t>
+            </a:r>
+            <a:br>
+              <a:rPr lang="en-US" sz="1500" dirty="0">
+                <a:solidFill>
+                  <a:schemeClr val="tx1"/>
+                </a:solidFill>
+                <a:latin typeface="Avenir Next LT Pro" panose="020B0504020202020204" pitchFamily="34" charset="0"/>
+              </a:rPr>
+            </a:br>
+            <a:endParaRPr lang="en-US" sz="1500" dirty="0">
+              <a:solidFill>
+                <a:schemeClr val="tx1"/>
+              </a:solidFill>
+              <a:latin typeface="Avenir Next LT Pro" panose="020B0504020202020204" pitchFamily="34" charset="0"/>
+            </a:endParaRPr>
+          </a:p>
+          <a:p>
+            <a:pPr>
+              <a:spcBef>
+                <a:spcPts val="300"/>
+              </a:spcBef>
+              <a:spcAft>
+                <a:spcPts val="300"/>
+              </a:spcAft>
+              <a:buFont typeface="Arial" panose="020B0604020202020204" pitchFamily="34" charset="0"/>
+              <a:buChar char="•"/>
+            </a:pPr>
+            <a:r>
+              <a:rPr lang="en-US" sz="1500" dirty="0">
+                <a:solidFill>
+                  <a:schemeClr val="tx1"/>
+                </a:solidFill>
+                <a:latin typeface="Avenir Next LT Pro" panose="020B0504020202020204" pitchFamily="34" charset="0"/>
+              </a:rPr>
+              <a:t>North-east and West contribute to the most observed regions throughout the dataset</a:t>
             </a:r>
           </a:p>
         </p:txBody>
       </p:sp>
+      <p:pic>
+        <p:nvPicPr>
+          <p:cNvPr id="16" name="Picture 15" descr="Graphical user interface&#10;&#10;Description automatically generated with low confidence">
+            <a:extLst>
+              <a:ext uri="{FF2B5EF4-FFF2-40B4-BE49-F238E27FC236}">
+                <a16:creationId xmlns:a16="http://schemas.microsoft.com/office/drawing/2014/main" id="{B3A8A4A3-CBEA-39F2-36B1-7E5F2FEFA7DA}"/>
+              </a:ext>
+            </a:extLst>
+          </p:cNvPr>
+          <p:cNvPicPr>
+            <a:picLocks noChangeAspect="1"/>
+          </p:cNvPicPr>
+          <p:nvPr/>
+        </p:nvPicPr>
+        <p:blipFill>
+          <a:blip r:embed="rId4">
+            <a:extLst>
+              <a:ext uri="{28A0092B-C50C-407E-A947-70E740481C1C}">
+                <a14:useLocalDpi xmlns:a14="http://schemas.microsoft.com/office/drawing/2010/main" val="0"/>
+              </a:ext>
+            </a:extLst>
+          </a:blip>
+          <a:stretch>
+            <a:fillRect/>
+          </a:stretch>
+        </p:blipFill>
+        <p:spPr>
+          <a:xfrm>
+            <a:off x="4920996" y="1281526"/>
+            <a:ext cx="6903720" cy="3710748"/>
+          </a:xfrm>
+          <a:prstGeom prst="rect">
+            <a:avLst/>
+          </a:prstGeom>
+        </p:spPr>
+      </p:pic>
     </p:spTree>
     <p:extLst>
       <p:ext uri="{BB962C8B-B14F-4D97-AF65-F5344CB8AC3E}">
-        <p14:creationId xmlns:p14="http://schemas.microsoft.com/office/powerpoint/2010/main" val="2134524787"/>
+        <p14:creationId xmlns:p14="http://schemas.microsoft.com/office/powerpoint/2010/main" val="493145435"/>
       </p:ext>
     </p:extLst>
   </p:cSld>
@@ -11133,19 +12551,17 @@
       </p:grpSpPr>
       <p:sp useBgFill="1">
         <p:nvSpPr>
-          <p:cNvPr id="54" name="Rectangle 51">
+          <p:cNvPr id="2" name="Rectangle 1">
             <a:extLst>
               <a:ext uri="{FF2B5EF4-FFF2-40B4-BE49-F238E27FC236}">
-                <a16:creationId xmlns:a16="http://schemas.microsoft.com/office/drawing/2014/main" id="{0AAD52C3-F510-4AD2-8B1D-7D8A574BA0F3}"/>
+                <a16:creationId xmlns:a16="http://schemas.microsoft.com/office/drawing/2014/main" id="{F93D84B4-C992-B090-208C-4021F1EFB053}"/>
               </a:ext>
               <a:ext uri="{C183D7F6-B498-43B3-948B-1728B52AA6E4}">
                 <adec:decorative xmlns:adec="http://schemas.microsoft.com/office/drawing/2017/decorative" val="1"/>
               </a:ext>
             </a:extLst>
           </p:cNvPr>
-          <p:cNvSpPr>
-            <a:spLocks noGrp="1" noRot="1" noChangeAspect="1" noMove="1" noResize="1" noEditPoints="1" noAdjustHandles="1" noChangeArrowheads="1" noChangeShapeType="1" noTextEdit="1"/>
-          </p:cNvSpPr>
+          <p:cNvSpPr/>
           <p:nvPr>
             <p:extLst>
               <p:ext uri="{386F3935-93C4-4BCD-93E2-E3B085C9AB24}">
@@ -11156,8 +12572,8 @@
         </p:nvSpPr>
         <p:spPr>
           <a:xfrm>
-            <a:off x="-1" y="0"/>
-            <a:ext cx="12188952" cy="6858000"/>
+            <a:off x="520699" y="127000"/>
+            <a:ext cx="11651517" cy="5715000"/>
           </a:xfrm>
           <a:prstGeom prst="rect">
             <a:avLst/>
@@ -11191,12 +12607,109 @@
           </a:p>
         </p:txBody>
       </p:sp>
+      <p:sp useBgFill="1">
+        <p:nvSpPr>
+          <p:cNvPr id="3" name="Rectangle 2">
+            <a:extLst>
+              <a:ext uri="{FF2B5EF4-FFF2-40B4-BE49-F238E27FC236}">
+                <a16:creationId xmlns:a16="http://schemas.microsoft.com/office/drawing/2014/main" id="{EC88592C-5EBF-079D-BD42-4604D3481D4C}"/>
+              </a:ext>
+              <a:ext uri="{C183D7F6-B498-43B3-948B-1728B52AA6E4}">
+                <adec:decorative xmlns:adec="http://schemas.microsoft.com/office/drawing/2017/decorative" val="1"/>
+              </a:ext>
+            </a:extLst>
+          </p:cNvPr>
+          <p:cNvSpPr/>
+          <p:nvPr>
+            <p:extLst>
+              <p:ext uri="{386F3935-93C4-4BCD-93E2-E3B085C9AB24}">
+                <p16:designElem xmlns:p16="http://schemas.microsoft.com/office/powerpoint/2015/main" val="1"/>
+              </p:ext>
+            </p:extLst>
+          </p:nvPr>
+        </p:nvSpPr>
+        <p:spPr>
+          <a:xfrm>
+            <a:off x="1075116" y="4345906"/>
+            <a:ext cx="10672383" cy="1741098"/>
+          </a:xfrm>
+          <a:prstGeom prst="rect">
+            <a:avLst/>
+          </a:prstGeom>
+          <a:ln w="12700">
+            <a:solidFill>
+              <a:srgbClr val="DEDEDE"/>
+            </a:solidFill>
+          </a:ln>
+          <a:effectLst>
+            <a:outerShdw blurRad="50800" dist="38100" dir="2700000" algn="tl" rotWithShape="0">
+              <a:schemeClr val="bg2">
+                <a:lumMod val="85000"/>
+                <a:alpha val="50000"/>
+              </a:schemeClr>
+            </a:outerShdw>
+          </a:effectLst>
+        </p:spPr>
+        <p:style>
+          <a:lnRef idx="2">
+            <a:schemeClr val="accent1">
+              <a:shade val="50000"/>
+            </a:schemeClr>
+          </a:lnRef>
+          <a:fillRef idx="1">
+            <a:schemeClr val="accent1"/>
+          </a:fillRef>
+          <a:effectRef idx="0">
+            <a:schemeClr val="accent1"/>
+          </a:effectRef>
+          <a:fontRef idx="minor">
+            <a:schemeClr val="lt1"/>
+          </a:fontRef>
+        </p:style>
+        <p:txBody>
+          <a:bodyPr rtlCol="0" anchor="ctr"/>
+          <a:lstStyle/>
+          <a:p>
+            <a:pPr marL="0" marR="0" lvl="0" indent="0" algn="ctr" defTabSz="914400" rtl="0" eaLnBrk="1" fontAlgn="auto" latinLnBrk="0" hangingPunct="1">
+              <a:lnSpc>
+                <a:spcPct val="100000"/>
+              </a:lnSpc>
+              <a:spcBef>
+                <a:spcPts val="0"/>
+              </a:spcBef>
+              <a:spcAft>
+                <a:spcPts val="0"/>
+              </a:spcAft>
+              <a:buClrTx/>
+              <a:buSzTx/>
+              <a:buFontTx/>
+              <a:buNone/>
+              <a:tabLst/>
+              <a:defRPr/>
+            </a:pPr>
+            <a:endParaRPr kumimoji="0" lang="en-US" sz="1800" b="0" i="0" u="none" strike="noStrike" kern="1200" cap="none" spc="0" normalizeH="0" baseline="0" noProof="0">
+              <a:ln>
+                <a:noFill/>
+              </a:ln>
+              <a:solidFill>
+                <a:prstClr val="white"/>
+              </a:solidFill>
+              <a:effectLst/>
+              <a:uLnTx/>
+              <a:uFillTx/>
+              <a:latin typeface="Calibri" panose="020F0502020204030204"/>
+              <a:ea typeface="+mn-ea"/>
+              <a:cs typeface="+mn-cs"/>
+            </a:endParaRPr>
+          </a:p>
+        </p:txBody>
+      </p:sp>
       <p:sp>
         <p:nvSpPr>
-          <p:cNvPr id="26" name="Title 25">
+          <p:cNvPr id="4" name="Title 25">
             <a:extLst>
               <a:ext uri="{FF2B5EF4-FFF2-40B4-BE49-F238E27FC236}">
-                <a16:creationId xmlns:a16="http://schemas.microsoft.com/office/drawing/2014/main" id="{27ED0F80-138B-4A4E-B34B-8C68CC474DC4}"/>
+                <a16:creationId xmlns:a16="http://schemas.microsoft.com/office/drawing/2014/main" id="{6DCE2FE5-503C-CA02-D184-C46CC90C42D5}"/>
               </a:ext>
             </a:extLst>
           </p:cNvPr>
@@ -11209,8 +12722,8 @@
         </p:nvSpPr>
         <p:spPr>
           <a:xfrm>
-            <a:off x="838197" y="4451009"/>
-            <a:ext cx="5171299" cy="1659925"/>
+            <a:off x="1358900" y="4567602"/>
+            <a:ext cx="3154341" cy="1371600"/>
           </a:xfrm>
         </p:spPr>
         <p:txBody>
@@ -11220,7 +12733,7 @@
           <a:lstStyle/>
           <a:p>
             <a:r>
-              <a:rPr lang="en-US" sz="3700" b="1">
+              <a:rPr lang="en-US" sz="2800" b="1" dirty="0">
                 <a:solidFill>
                   <a:schemeClr val="tx1"/>
                 </a:solidFill>
@@ -11229,7 +12742,7 @@
               <a:t>Exploratory Data Analysis</a:t>
             </a:r>
             <a:br>
-              <a:rPr lang="en-US" sz="3700" b="1">
+              <a:rPr lang="en-US" sz="2800" b="1" dirty="0">
                 <a:solidFill>
                   <a:schemeClr val="tx1"/>
                 </a:solidFill>
@@ -11237,7 +12750,7 @@
               </a:rPr>
             </a:br>
             <a:r>
-              <a:rPr lang="en-US" sz="3700" b="1">
+              <a:rPr lang="en-US" sz="2800" b="1" dirty="0">
                 <a:solidFill>
                   <a:schemeClr val="tx1"/>
                 </a:solidFill>
@@ -11250,10 +12763,10 @@
       </p:sp>
       <p:pic>
         <p:nvPicPr>
-          <p:cNvPr id="4" name="Picture 3" descr="Chart, bar chart&#10;&#10;Description automatically generated">
+          <p:cNvPr id="5" name="Picture 4" descr="Chart, histogram&#10;&#10;Description automatically generated">
             <a:extLst>
               <a:ext uri="{FF2B5EF4-FFF2-40B4-BE49-F238E27FC236}">
-                <a16:creationId xmlns:a16="http://schemas.microsoft.com/office/drawing/2014/main" id="{4F8CBDD6-B85B-8331-37D9-2B63C78BD1EF}"/>
+                <a16:creationId xmlns:a16="http://schemas.microsoft.com/office/drawing/2014/main" id="{BECBD433-C4B1-6209-99C0-07A225581C13}"/>
               </a:ext>
             </a:extLst>
           </p:cNvPr>
@@ -11276,8 +12789,44 @@
         </p:blipFill>
         <p:spPr>
           <a:xfrm>
-            <a:off x="354141" y="549947"/>
-            <a:ext cx="4952864" cy="3528916"/>
+            <a:off x="1513118" y="392466"/>
+            <a:ext cx="5216413" cy="3320903"/>
+          </a:xfrm>
+          <a:prstGeom prst="rect">
+            <a:avLst/>
+          </a:prstGeom>
+        </p:spPr>
+      </p:pic>
+      <p:pic>
+        <p:nvPicPr>
+          <p:cNvPr id="6" name="Picture 5" descr="Chart, box and whisker chart">
+            <a:extLst>
+              <a:ext uri="{FF2B5EF4-FFF2-40B4-BE49-F238E27FC236}">
+                <a16:creationId xmlns:a16="http://schemas.microsoft.com/office/drawing/2014/main" id="{99CCE716-8C1E-A8F1-0E21-D2BA9D95FA7D}"/>
+              </a:ext>
+            </a:extLst>
+          </p:cNvPr>
+          <p:cNvPicPr>
+            <a:picLocks noChangeAspect="1"/>
+          </p:cNvPicPr>
+          <p:nvPr/>
+        </p:nvPicPr>
+        <p:blipFill>
+          <a:blip r:embed="rId3">
+            <a:extLst>
+              <a:ext uri="{28A0092B-C50C-407E-A947-70E740481C1C}">
+                <a14:useLocalDpi xmlns:a14="http://schemas.microsoft.com/office/drawing/2010/main" val="0"/>
+              </a:ext>
+            </a:extLst>
+          </a:blip>
+          <a:stretch>
+            <a:fillRect/>
+          </a:stretch>
+        </p:blipFill>
+        <p:spPr>
+          <a:xfrm>
+            <a:off x="7697830" y="1064773"/>
+            <a:ext cx="3601100" cy="2168782"/>
           </a:xfrm>
           <a:prstGeom prst="rect">
             <a:avLst/>
@@ -11286,10 +12835,191 @@
       </p:pic>
       <p:sp>
         <p:nvSpPr>
-          <p:cNvPr id="3" name="Text Placeholder 26">
+          <p:cNvPr id="7" name="Rectangle 6">
             <a:extLst>
               <a:ext uri="{FF2B5EF4-FFF2-40B4-BE49-F238E27FC236}">
-                <a16:creationId xmlns:a16="http://schemas.microsoft.com/office/drawing/2014/main" id="{24EC3D39-AF9A-CD00-4D45-AA3BDEAECA03}"/>
+                <a16:creationId xmlns:a16="http://schemas.microsoft.com/office/drawing/2014/main" id="{B244F343-257F-C22B-8565-060846452768}"/>
+              </a:ext>
+              <a:ext uri="{C183D7F6-B498-43B3-948B-1728B52AA6E4}">
+                <adec:decorative xmlns:adec="http://schemas.microsoft.com/office/drawing/2017/decorative" val="1"/>
+              </a:ext>
+            </a:extLst>
+          </p:cNvPr>
+          <p:cNvSpPr/>
+          <p:nvPr>
+            <p:extLst>
+              <p:ext uri="{386F3935-93C4-4BCD-93E2-E3B085C9AB24}">
+                <p16:designElem xmlns:p16="http://schemas.microsoft.com/office/powerpoint/2015/main" val="1"/>
+              </p:ext>
+            </p:extLst>
+          </p:nvPr>
+        </p:nvSpPr>
+        <p:spPr>
+          <a:xfrm>
+            <a:off x="1011108" y="5038519"/>
+            <a:ext cx="122341" cy="586740"/>
+          </a:xfrm>
+          <a:prstGeom prst="rect">
+            <a:avLst/>
+          </a:prstGeom>
+          <a:solidFill>
+            <a:schemeClr val="accent2"/>
+          </a:solidFill>
+          <a:ln>
+            <a:noFill/>
+          </a:ln>
+        </p:spPr>
+        <p:style>
+          <a:lnRef idx="2">
+            <a:schemeClr val="accent1">
+              <a:shade val="50000"/>
+            </a:schemeClr>
+          </a:lnRef>
+          <a:fillRef idx="1">
+            <a:schemeClr val="accent1"/>
+          </a:fillRef>
+          <a:effectRef idx="0">
+            <a:schemeClr val="accent1"/>
+          </a:effectRef>
+          <a:fontRef idx="minor">
+            <a:schemeClr val="lt1"/>
+          </a:fontRef>
+        </p:style>
+        <p:txBody>
+          <a:bodyPr rtlCol="0" anchor="ctr"/>
+          <a:lstStyle/>
+          <a:p>
+            <a:pPr marL="0" marR="0" lvl="0" indent="0" algn="ctr" defTabSz="914400" rtl="0" eaLnBrk="1" fontAlgn="auto" latinLnBrk="0" hangingPunct="1">
+              <a:lnSpc>
+                <a:spcPct val="100000"/>
+              </a:lnSpc>
+              <a:spcBef>
+                <a:spcPts val="0"/>
+              </a:spcBef>
+              <a:spcAft>
+                <a:spcPts val="0"/>
+              </a:spcAft>
+              <a:buClrTx/>
+              <a:buSzTx/>
+              <a:buFontTx/>
+              <a:buNone/>
+              <a:tabLst/>
+              <a:defRPr/>
+            </a:pPr>
+            <a:endParaRPr kumimoji="0" lang="en-US" sz="1800" b="0" i="0" u="none" strike="noStrike" kern="1200" cap="none" spc="0" normalizeH="0" baseline="0" noProof="0" dirty="0">
+              <a:ln>
+                <a:noFill/>
+              </a:ln>
+              <a:solidFill>
+                <a:prstClr val="white"/>
+              </a:solidFill>
+              <a:effectLst/>
+              <a:uLnTx/>
+              <a:uFillTx/>
+              <a:latin typeface="Calibri" panose="020F0502020204030204"/>
+              <a:ea typeface="+mn-ea"/>
+              <a:cs typeface="+mn-cs"/>
+            </a:endParaRPr>
+          </a:p>
+        </p:txBody>
+      </p:sp>
+      <p:sp>
+        <p:nvSpPr>
+          <p:cNvPr id="8" name="Rectangle 7">
+            <a:extLst>
+              <a:ext uri="{FF2B5EF4-FFF2-40B4-BE49-F238E27FC236}">
+                <a16:creationId xmlns:a16="http://schemas.microsoft.com/office/drawing/2014/main" id="{FC5E1DC8-E661-C0AF-451F-D73AED1EE268}"/>
+              </a:ext>
+              <a:ext uri="{C183D7F6-B498-43B3-948B-1728B52AA6E4}">
+                <adec:decorative xmlns:adec="http://schemas.microsoft.com/office/drawing/2017/decorative" val="1"/>
+              </a:ext>
+            </a:extLst>
+          </p:cNvPr>
+          <p:cNvSpPr/>
+          <p:nvPr>
+            <p:extLst>
+              <p:ext uri="{386F3935-93C4-4BCD-93E2-E3B085C9AB24}">
+                <p16:designElem xmlns:p16="http://schemas.microsoft.com/office/powerpoint/2015/main" val="1"/>
+              </p:ext>
+            </p:extLst>
+          </p:nvPr>
+        </p:nvSpPr>
+        <p:spPr>
+          <a:xfrm rot="5400000">
+            <a:off x="4273132" y="5241083"/>
+            <a:ext cx="1219200" cy="55118"/>
+          </a:xfrm>
+          <a:prstGeom prst="rect">
+            <a:avLst/>
+          </a:prstGeom>
+          <a:solidFill>
+            <a:srgbClr val="D5D5D5"/>
+          </a:solidFill>
+          <a:ln w="3175">
+            <a:noFill/>
+          </a:ln>
+          <a:effectLst/>
+        </p:spPr>
+        <p:style>
+          <a:lnRef idx="2">
+            <a:schemeClr val="accent1">
+              <a:shade val="50000"/>
+            </a:schemeClr>
+          </a:lnRef>
+          <a:fillRef idx="1">
+            <a:schemeClr val="accent1"/>
+          </a:fillRef>
+          <a:effectRef idx="0">
+            <a:schemeClr val="accent1"/>
+          </a:effectRef>
+          <a:fontRef idx="minor">
+            <a:schemeClr val="lt1"/>
+          </a:fontRef>
+        </p:style>
+        <p:txBody>
+          <a:bodyPr rtlCol="0" anchor="ctr"/>
+          <a:lstStyle/>
+          <a:p>
+            <a:pPr marL="0" marR="0" lvl="0" indent="0" algn="ctr" defTabSz="914400" rtl="0" eaLnBrk="1" fontAlgn="auto" latinLnBrk="0" hangingPunct="1">
+              <a:lnSpc>
+                <a:spcPct val="100000"/>
+              </a:lnSpc>
+              <a:spcBef>
+                <a:spcPts val="0"/>
+              </a:spcBef>
+              <a:spcAft>
+                <a:spcPts val="0"/>
+              </a:spcAft>
+              <a:buClrTx/>
+              <a:buSzTx/>
+              <a:buFontTx/>
+              <a:buNone/>
+              <a:tabLst/>
+              <a:defRPr/>
+            </a:pPr>
+            <a:endParaRPr kumimoji="0" lang="en-US" sz="1800" b="0" i="0" u="none" strike="noStrike" kern="1200" cap="none" spc="0" normalizeH="0" baseline="0" noProof="0">
+              <a:ln>
+                <a:noFill/>
+              </a:ln>
+              <a:solidFill>
+                <a:prstClr val="white"/>
+              </a:solidFill>
+              <a:effectLst/>
+              <a:uLnTx/>
+              <a:uFillTx/>
+              <a:latin typeface="Calibri" panose="020F0502020204030204"/>
+              <a:ea typeface="+mn-ea"/>
+              <a:cs typeface="+mn-cs"/>
+            </a:endParaRPr>
+          </a:p>
+        </p:txBody>
+      </p:sp>
+      <p:sp>
+        <p:nvSpPr>
+          <p:cNvPr id="9" name="Text Placeholder 26">
+            <a:extLst>
+              <a:ext uri="{FF2B5EF4-FFF2-40B4-BE49-F238E27FC236}">
+                <a16:creationId xmlns:a16="http://schemas.microsoft.com/office/drawing/2014/main" id="{1C9F8A2F-70A3-13B5-5F90-88CBE4CD3DF9}"/>
               </a:ext>
             </a:extLst>
           </p:cNvPr>
@@ -11300,8 +13030,8 @@
         </p:nvSpPr>
         <p:spPr>
           <a:xfrm>
-            <a:off x="6182500" y="4460789"/>
-            <a:ext cx="5130957" cy="1659925"/>
+            <a:off x="5099524" y="4567602"/>
+            <a:ext cx="6556065" cy="1371600"/>
           </a:xfrm>
           <a:prstGeom prst="rect">
             <a:avLst/>
@@ -11321,7 +13051,7 @@
               </a:spcBef>
               <a:buFontTx/>
               <a:buBlip>
-                <a:blip r:embed="rId3"/>
+                <a:blip r:embed="rId4"/>
               </a:buBlip>
               <a:defRPr sz="1600" kern="1200">
                 <a:solidFill>
@@ -11344,7 +13074,7 @@
               </a:spcBef>
               <a:buFontTx/>
               <a:buBlip>
-                <a:blip r:embed="rId4"/>
+                <a:blip r:embed="rId5"/>
               </a:buBlip>
               <a:defRPr sz="1600" kern="1200">
                 <a:solidFill>
@@ -11506,12 +13236,13 @@
               <a:buChar char="•"/>
             </a:pPr>
             <a:r>
-              <a:rPr lang="en-US" sz="1700" dirty="0">
-                <a:solidFill>
-                  <a:schemeClr val="tx1"/>
-                </a:solidFill>
+              <a:rPr lang="en-US" sz="1500" dirty="0">
+                <a:solidFill>
+                  <a:schemeClr val="tx1"/>
+                </a:solidFill>
+                <a:latin typeface="Century Gothic" panose="020B0502020202020204" pitchFamily="34" charset="0"/>
               </a:rPr>
-              <a:t>Influx of South region in the year 2021 </a:t>
+              <a:t>Significant improvement in sales as compared to 2020 in 2021</a:t>
             </a:r>
           </a:p>
           <a:p>
@@ -11526,56 +13257,21 @@
               <a:buChar char="•"/>
             </a:pPr>
             <a:r>
-              <a:rPr lang="en-US" sz="1700" dirty="0">
-                <a:solidFill>
-                  <a:schemeClr val="tx1"/>
-                </a:solidFill>
+              <a:rPr lang="en-US" sz="1500" dirty="0">
+                <a:solidFill>
+                  <a:schemeClr val="tx1"/>
+                </a:solidFill>
+                <a:latin typeface="Century Gothic" panose="020B0502020202020204" pitchFamily="34" charset="0"/>
               </a:rPr>
-              <a:t>Various other cities have picked up on sales the coming year</a:t>
+              <a:t>Online sales have surfaced in the year 2021 which can suggest the possible jump in the overall sales</a:t>
             </a:r>
           </a:p>
         </p:txBody>
       </p:sp>
-      <p:pic>
-        <p:nvPicPr>
-          <p:cNvPr id="10" name="Picture 9" descr="Histogram&#10;&#10;Description automatically generated with medium confidence">
-            <a:extLst>
-              <a:ext uri="{FF2B5EF4-FFF2-40B4-BE49-F238E27FC236}">
-                <a16:creationId xmlns:a16="http://schemas.microsoft.com/office/drawing/2014/main" id="{AD85EE8F-09F2-C64C-9B03-A8F36581E99C}"/>
-              </a:ext>
-            </a:extLst>
-          </p:cNvPr>
-          <p:cNvPicPr>
-            <a:picLocks noChangeAspect="1"/>
-          </p:cNvPicPr>
-          <p:nvPr/>
-        </p:nvPicPr>
-        <p:blipFill>
-          <a:blip r:embed="rId5">
-            <a:extLst>
-              <a:ext uri="{28A0092B-C50C-407E-A947-70E740481C1C}">
-                <a14:useLocalDpi xmlns:a14="http://schemas.microsoft.com/office/drawing/2010/main" val="0"/>
-              </a:ext>
-            </a:extLst>
-          </a:blip>
-          <a:stretch>
-            <a:fillRect/>
-          </a:stretch>
-        </p:blipFill>
-        <p:spPr>
-          <a:xfrm>
-            <a:off x="5401444" y="461047"/>
-            <a:ext cx="6693068" cy="6273800"/>
-          </a:xfrm>
-          <a:prstGeom prst="rect">
-            <a:avLst/>
-          </a:prstGeom>
-        </p:spPr>
-      </p:pic>
     </p:spTree>
     <p:extLst>
       <p:ext uri="{BB962C8B-B14F-4D97-AF65-F5344CB8AC3E}">
-        <p14:creationId xmlns:p14="http://schemas.microsoft.com/office/powerpoint/2010/main" val="2748576771"/>
+        <p14:creationId xmlns:p14="http://schemas.microsoft.com/office/powerpoint/2010/main" val="4186582154"/>
       </p:ext>
     </p:extLst>
   </p:cSld>
@@ -11622,72 +13318,12 @@
           <a:chExt cx="0" cy="0"/>
         </a:xfrm>
       </p:grpSpPr>
-      <p:sp useBgFill="1">
-        <p:nvSpPr>
-          <p:cNvPr id="54" name="Rectangle 51">
-            <a:extLst>
-              <a:ext uri="{FF2B5EF4-FFF2-40B4-BE49-F238E27FC236}">
-                <a16:creationId xmlns:a16="http://schemas.microsoft.com/office/drawing/2014/main" id="{0AAD52C3-F510-4AD2-8B1D-7D8A574BA0F3}"/>
-              </a:ext>
-              <a:ext uri="{C183D7F6-B498-43B3-948B-1728B52AA6E4}">
-                <adec:decorative xmlns:adec="http://schemas.microsoft.com/office/drawing/2017/decorative" val="1"/>
-              </a:ext>
-            </a:extLst>
-          </p:cNvPr>
-          <p:cNvSpPr>
-            <a:spLocks noGrp="1" noRot="1" noChangeAspect="1" noMove="1" noResize="1" noEditPoints="1" noAdjustHandles="1" noChangeArrowheads="1" noChangeShapeType="1" noTextEdit="1"/>
-          </p:cNvSpPr>
-          <p:nvPr>
-            <p:extLst>
-              <p:ext uri="{386F3935-93C4-4BCD-93E2-E3B085C9AB24}">
-                <p16:designElem xmlns:p16="http://schemas.microsoft.com/office/powerpoint/2015/main" val="1"/>
-              </p:ext>
-            </p:extLst>
-          </p:nvPr>
-        </p:nvSpPr>
-        <p:spPr>
-          <a:xfrm>
-            <a:off x="-1" y="0"/>
-            <a:ext cx="12188952" cy="6858000"/>
-          </a:xfrm>
-          <a:prstGeom prst="rect">
-            <a:avLst/>
-          </a:prstGeom>
-          <a:ln>
-            <a:noFill/>
-          </a:ln>
-        </p:spPr>
-        <p:style>
-          <a:lnRef idx="2">
-            <a:schemeClr val="accent1">
-              <a:shade val="50000"/>
-            </a:schemeClr>
-          </a:lnRef>
-          <a:fillRef idx="1">
-            <a:schemeClr val="accent1"/>
-          </a:fillRef>
-          <a:effectRef idx="0">
-            <a:schemeClr val="accent1"/>
-          </a:effectRef>
-          <a:fontRef idx="minor">
-            <a:schemeClr val="lt1"/>
-          </a:fontRef>
-        </p:style>
-        <p:txBody>
-          <a:bodyPr rtlCol="0" anchor="ctr"/>
-          <a:lstStyle/>
-          <a:p>
-            <a:pPr algn="ctr"/>
-            <a:endParaRPr lang="en-US"/>
-          </a:p>
-        </p:txBody>
-      </p:sp>
       <p:sp>
         <p:nvSpPr>
-          <p:cNvPr id="26" name="Title 25">
+          <p:cNvPr id="2" name="Title 25">
             <a:extLst>
               <a:ext uri="{FF2B5EF4-FFF2-40B4-BE49-F238E27FC236}">
-                <a16:creationId xmlns:a16="http://schemas.microsoft.com/office/drawing/2014/main" id="{27ED0F80-138B-4A4E-B34B-8C68CC474DC4}"/>
+                <a16:creationId xmlns:a16="http://schemas.microsoft.com/office/drawing/2014/main" id="{23797068-7A20-F32D-9416-868C3C2B1BBC}"/>
               </a:ext>
             </a:extLst>
           </p:cNvPr>
@@ -11700,8 +13336,8 @@
         </p:nvSpPr>
         <p:spPr>
           <a:xfrm>
-            <a:off x="8809118" y="2327885"/>
-            <a:ext cx="3166799" cy="933173"/>
+            <a:off x="838197" y="4451009"/>
+            <a:ext cx="5171299" cy="1659925"/>
           </a:xfrm>
         </p:spPr>
         <p:txBody>
@@ -11710,42 +13346,41 @@
           </a:bodyPr>
           <a:lstStyle/>
           <a:p>
-            <a:pPr algn="ctr"/>
-            <a:r>
-              <a:rPr lang="en-US" sz="2000" dirty="0">
-                <a:solidFill>
-                  <a:schemeClr val="tx1"/>
-                </a:solidFill>
-                <a:latin typeface="Avenir Next LT Pro" panose="020B0504020202020204" pitchFamily="34" charset="0"/>
+            <a:r>
+              <a:rPr lang="en-US" sz="3700" b="1">
+                <a:solidFill>
+                  <a:schemeClr val="tx1"/>
+                </a:solidFill>
+                <a:latin typeface="+mj-lt"/>
               </a:rPr>
-              <a:t>K- Prototype</a:t>
+              <a:t>Exploratory Data Analysis</a:t>
             </a:r>
             <a:br>
-              <a:rPr lang="en-US" sz="2000" dirty="0">
-                <a:solidFill>
-                  <a:schemeClr val="tx1"/>
-                </a:solidFill>
-                <a:latin typeface="Avenir Next LT Pro" panose="020B0504020202020204" pitchFamily="34" charset="0"/>
+              <a:rPr lang="en-US" sz="3700" b="1">
+                <a:solidFill>
+                  <a:schemeClr val="tx1"/>
+                </a:solidFill>
+                <a:latin typeface="+mj-lt"/>
               </a:rPr>
             </a:br>
             <a:r>
-              <a:rPr lang="en-US" sz="2000" dirty="0">
-                <a:solidFill>
-                  <a:schemeClr val="tx1"/>
-                </a:solidFill>
-                <a:latin typeface="Avenir Next LT Pro" panose="020B0504020202020204" pitchFamily="34" charset="0"/>
+              <a:rPr lang="en-US" sz="3700" b="1">
+                <a:solidFill>
+                  <a:schemeClr val="tx1"/>
+                </a:solidFill>
+                <a:latin typeface="+mj-lt"/>
               </a:rPr>
-              <a:t>Clustering</a:t>
+              <a:t>(Bi-variate)</a:t>
             </a:r>
           </a:p>
         </p:txBody>
       </p:sp>
       <p:pic>
         <p:nvPicPr>
-          <p:cNvPr id="9" name="Picture 8" descr="A screenshot of a computer&#10;&#10;Description automatically generated">
+          <p:cNvPr id="3" name="Picture 2" descr="Chart, bar chart&#10;&#10;Description automatically generated">
             <a:extLst>
               <a:ext uri="{FF2B5EF4-FFF2-40B4-BE49-F238E27FC236}">
-                <a16:creationId xmlns:a16="http://schemas.microsoft.com/office/drawing/2014/main" id="{13D8ECA4-3D22-A556-3847-B5F00A2FBD4C}"/>
+                <a16:creationId xmlns:a16="http://schemas.microsoft.com/office/drawing/2014/main" id="{E3A0556B-06B8-90EC-D1E8-CE5322EBABF0}"/>
               </a:ext>
             </a:extLst>
           </p:cNvPr>
@@ -11754,7 +13389,7 @@
           </p:cNvPicPr>
           <p:nvPr/>
         </p:nvPicPr>
-        <p:blipFill rotWithShape="1">
+        <p:blipFill>
           <a:blip r:embed="rId2">
             <a:extLst>
               <a:ext uri="{28A0092B-C50C-407E-A947-70E740481C1C}">
@@ -11762,13 +13397,14 @@
               </a:ext>
             </a:extLst>
           </a:blip>
-          <a:srcRect l="34197" t="35926" r="29507" b="19444"/>
-          <a:stretch/>
+          <a:stretch>
+            <a:fillRect/>
+          </a:stretch>
         </p:blipFill>
         <p:spPr>
           <a:xfrm>
-            <a:off x="8276606" y="3118283"/>
-            <a:ext cx="3771668" cy="3091740"/>
+            <a:off x="354141" y="257847"/>
+            <a:ext cx="4952864" cy="3528916"/>
           </a:xfrm>
           <a:prstGeom prst="rect">
             <a:avLst/>
@@ -11777,10 +13413,10 @@
       </p:pic>
       <p:sp>
         <p:nvSpPr>
-          <p:cNvPr id="6" name="Title 25">
+          <p:cNvPr id="4" name="Text Placeholder 26">
             <a:extLst>
               <a:ext uri="{FF2B5EF4-FFF2-40B4-BE49-F238E27FC236}">
-                <a16:creationId xmlns:a16="http://schemas.microsoft.com/office/drawing/2014/main" id="{E3E1CC66-826A-4CA8-2736-C4567DFA42E6}"/>
+                <a16:creationId xmlns:a16="http://schemas.microsoft.com/office/drawing/2014/main" id="{F18A42C8-D7A7-E567-4508-164677BEA752}"/>
               </a:ext>
             </a:extLst>
           </p:cNvPr>
@@ -11791,244 +13427,8 @@
         </p:nvSpPr>
         <p:spPr>
           <a:xfrm>
-            <a:off x="734292" y="2327885"/>
-            <a:ext cx="2767818" cy="933173"/>
-          </a:xfrm>
-          <a:prstGeom prst="rect">
-            <a:avLst/>
-          </a:prstGeom>
-        </p:spPr>
-        <p:txBody>
-          <a:bodyPr vert="horz" lIns="91440" tIns="45720" rIns="91440" bIns="45720" rtlCol="0" anchor="ctr">
-            <a:normAutofit/>
-          </a:bodyPr>
-          <a:lstStyle>
-            <a:lvl1pPr algn="l" defTabSz="914400" rtl="0" eaLnBrk="1" latinLnBrk="0" hangingPunct="1">
-              <a:lnSpc>
-                <a:spcPct val="90000"/>
-              </a:lnSpc>
-              <a:spcBef>
-                <a:spcPct val="0"/>
-              </a:spcBef>
-              <a:buNone/>
-              <a:defRPr sz="3600" kern="1200">
-                <a:solidFill>
-                  <a:schemeClr val="tx1">
-                    <a:lumMod val="85000"/>
-                    <a:lumOff val="15000"/>
-                  </a:schemeClr>
-                </a:solidFill>
-                <a:latin typeface="Arial Narrow" panose="020B0606020202030204" pitchFamily="34" charset="0"/>
-                <a:ea typeface="+mj-ea"/>
-                <a:cs typeface="+mj-cs"/>
-              </a:defRPr>
-            </a:lvl1pPr>
-          </a:lstStyle>
-          <a:p>
-            <a:pPr algn="ctr"/>
-            <a:r>
-              <a:rPr lang="en-US" sz="2000" dirty="0">
-                <a:solidFill>
-                  <a:schemeClr val="tx1"/>
-                </a:solidFill>
-                <a:latin typeface="Avenir Next LT Pro" panose="020B0504020202020204" pitchFamily="34" charset="0"/>
-              </a:rPr>
-              <a:t>Hierarchal</a:t>
-            </a:r>
-          </a:p>
-          <a:p>
-            <a:pPr algn="ctr"/>
-            <a:r>
-              <a:rPr lang="en-US" sz="2000" dirty="0">
-                <a:solidFill>
-                  <a:schemeClr val="tx1"/>
-                </a:solidFill>
-                <a:latin typeface="Avenir Next LT Pro" panose="020B0504020202020204" pitchFamily="34" charset="0"/>
-              </a:rPr>
-              <a:t>Clustering</a:t>
-            </a:r>
-          </a:p>
-        </p:txBody>
-      </p:sp>
-      <p:pic>
-        <p:nvPicPr>
-          <p:cNvPr id="8" name="Picture 7" descr="A screenshot of a computer&#10;&#10;Description automatically generated">
-            <a:extLst>
-              <a:ext uri="{FF2B5EF4-FFF2-40B4-BE49-F238E27FC236}">
-                <a16:creationId xmlns:a16="http://schemas.microsoft.com/office/drawing/2014/main" id="{151F8FBF-49AF-A2D7-6E80-3462F419E5AF}"/>
-              </a:ext>
-            </a:extLst>
-          </p:cNvPr>
-          <p:cNvPicPr>
-            <a:picLocks noChangeAspect="1"/>
-          </p:cNvPicPr>
-          <p:nvPr/>
-        </p:nvPicPr>
-        <p:blipFill rotWithShape="1">
-          <a:blip r:embed="rId3">
-            <a:extLst>
-              <a:ext uri="{28A0092B-C50C-407E-A947-70E740481C1C}">
-                <a14:useLocalDpi xmlns:a14="http://schemas.microsoft.com/office/drawing/2010/main" val="0"/>
-              </a:ext>
-            </a:extLst>
-          </a:blip>
-          <a:srcRect l="33533" t="38333" r="29159" b="17037"/>
-          <a:stretch/>
-        </p:blipFill>
-        <p:spPr>
-          <a:xfrm>
-            <a:off x="36202" y="3124855"/>
-            <a:ext cx="3855680" cy="3075008"/>
-          </a:xfrm>
-          <a:prstGeom prst="rect">
-            <a:avLst/>
-          </a:prstGeom>
-        </p:spPr>
-      </p:pic>
-      <p:sp>
-        <p:nvSpPr>
-          <p:cNvPr id="11" name="Title 25">
-            <a:extLst>
-              <a:ext uri="{FF2B5EF4-FFF2-40B4-BE49-F238E27FC236}">
-                <a16:creationId xmlns:a16="http://schemas.microsoft.com/office/drawing/2014/main" id="{EB66A8A1-BD18-01A2-ECAC-7BCE5FDF3598}"/>
-              </a:ext>
-            </a:extLst>
-          </p:cNvPr>
-          <p:cNvSpPr txBox="1">
-            <a:spLocks/>
-          </p:cNvSpPr>
-          <p:nvPr/>
-        </p:nvSpPr>
-        <p:spPr>
-          <a:xfrm>
-            <a:off x="4772547" y="2317356"/>
-            <a:ext cx="2767818" cy="933173"/>
-          </a:xfrm>
-          <a:prstGeom prst="rect">
-            <a:avLst/>
-          </a:prstGeom>
-        </p:spPr>
-        <p:txBody>
-          <a:bodyPr vert="horz" lIns="91440" tIns="45720" rIns="91440" bIns="45720" rtlCol="0" anchor="ctr">
-            <a:normAutofit/>
-          </a:bodyPr>
-          <a:lstStyle>
-            <a:lvl1pPr algn="l" defTabSz="914400" rtl="0" eaLnBrk="1" latinLnBrk="0" hangingPunct="1">
-              <a:lnSpc>
-                <a:spcPct val="90000"/>
-              </a:lnSpc>
-              <a:spcBef>
-                <a:spcPct val="0"/>
-              </a:spcBef>
-              <a:buNone/>
-              <a:defRPr sz="3600" kern="1200">
-                <a:solidFill>
-                  <a:schemeClr val="tx1">
-                    <a:lumMod val="85000"/>
-                    <a:lumOff val="15000"/>
-                  </a:schemeClr>
-                </a:solidFill>
-                <a:latin typeface="Arial Narrow" panose="020B0606020202030204" pitchFamily="34" charset="0"/>
-                <a:ea typeface="+mj-ea"/>
-                <a:cs typeface="+mj-cs"/>
-              </a:defRPr>
-            </a:lvl1pPr>
-          </a:lstStyle>
-          <a:p>
-            <a:pPr algn="ctr"/>
-            <a:r>
-              <a:rPr lang="en-US" sz="2000" dirty="0">
-                <a:solidFill>
-                  <a:schemeClr val="tx1"/>
-                </a:solidFill>
-                <a:latin typeface="Avenir Next LT Pro" panose="020B0504020202020204" pitchFamily="34" charset="0"/>
-              </a:rPr>
-              <a:t>DB Scan</a:t>
-            </a:r>
-          </a:p>
-        </p:txBody>
-      </p:sp>
-      <p:sp>
-        <p:nvSpPr>
-          <p:cNvPr id="14" name="Title 25">
-            <a:extLst>
-              <a:ext uri="{FF2B5EF4-FFF2-40B4-BE49-F238E27FC236}">
-                <a16:creationId xmlns:a16="http://schemas.microsoft.com/office/drawing/2014/main" id="{44435DC4-5E12-5313-2442-AFECDC02ED20}"/>
-              </a:ext>
-            </a:extLst>
-          </p:cNvPr>
-          <p:cNvSpPr txBox="1">
-            <a:spLocks/>
-          </p:cNvSpPr>
-          <p:nvPr/>
-        </p:nvSpPr>
-        <p:spPr>
-          <a:xfrm>
-            <a:off x="756921" y="498522"/>
-            <a:ext cx="2504440" cy="1645920"/>
-          </a:xfrm>
-          <a:prstGeom prst="rect">
-            <a:avLst/>
-          </a:prstGeom>
-        </p:spPr>
-        <p:txBody>
-          <a:bodyPr vert="horz" lIns="91440" tIns="45720" rIns="91440" bIns="45720" rtlCol="0" anchor="ctr">
-            <a:normAutofit/>
-          </a:bodyPr>
-          <a:lstStyle>
-            <a:lvl1pPr algn="l" defTabSz="914400" rtl="0" eaLnBrk="1" latinLnBrk="0" hangingPunct="1">
-              <a:lnSpc>
-                <a:spcPct val="90000"/>
-              </a:lnSpc>
-              <a:spcBef>
-                <a:spcPct val="0"/>
-              </a:spcBef>
-              <a:buNone/>
-              <a:defRPr sz="3600" kern="1200">
-                <a:solidFill>
-                  <a:schemeClr val="tx1">
-                    <a:lumMod val="85000"/>
-                    <a:lumOff val="15000"/>
-                  </a:schemeClr>
-                </a:solidFill>
-                <a:latin typeface="Arial Narrow" panose="020B0606020202030204" pitchFamily="34" charset="0"/>
-                <a:ea typeface="+mj-ea"/>
-                <a:cs typeface="+mj-cs"/>
-              </a:defRPr>
-            </a:lvl1pPr>
-          </a:lstStyle>
-          <a:p>
-            <a:pPr algn="ctr"/>
-            <a:r>
-              <a:rPr lang="en-US" sz="2800" b="1" dirty="0">
-                <a:solidFill>
-                  <a:schemeClr val="tx1"/>
-                </a:solidFill>
-                <a:latin typeface="Avenir Next LT Pro" panose="020B0504020202020204" pitchFamily="34" charset="0"/>
-              </a:rPr>
-              <a:t>Clustering technique Selection </a:t>
-            </a:r>
-          </a:p>
-        </p:txBody>
-      </p:sp>
-      <p:sp>
-        <p:nvSpPr>
-          <p:cNvPr id="15" name="Text Placeholder 26">
-            <a:extLst>
-              <a:ext uri="{FF2B5EF4-FFF2-40B4-BE49-F238E27FC236}">
-                <a16:creationId xmlns:a16="http://schemas.microsoft.com/office/drawing/2014/main" id="{DC47BF33-00A6-B2DF-9357-236C69D12A01}"/>
-              </a:ext>
-            </a:extLst>
-          </p:cNvPr>
-          <p:cNvSpPr txBox="1">
-            <a:spLocks/>
-          </p:cNvSpPr>
-          <p:nvPr/>
-        </p:nvSpPr>
-        <p:spPr>
-          <a:xfrm>
-            <a:off x="3149600" y="498522"/>
-            <a:ext cx="8360528" cy="1645920"/>
+            <a:off x="6182500" y="4460789"/>
+            <a:ext cx="5130957" cy="1659925"/>
           </a:xfrm>
           <a:prstGeom prst="rect">
             <a:avLst/>
@@ -12048,7 +13448,7 @@
               </a:spcBef>
               <a:buFontTx/>
               <a:buBlip>
-                <a:blip r:embed="rId4"/>
+                <a:blip r:embed="rId3"/>
               </a:buBlip>
               <a:defRPr sz="1600" kern="1200">
                 <a:solidFill>
@@ -12071,7 +13471,7 @@
               </a:spcBef>
               <a:buFontTx/>
               <a:buBlip>
-                <a:blip r:embed="rId5"/>
+                <a:blip r:embed="rId4"/>
               </a:buBlip>
               <a:defRPr sz="1600" kern="1200">
                 <a:solidFill>
@@ -12224,74 +13624,51 @@
           <a:p>
             <a:pPr>
               <a:spcBef>
-                <a:spcPts val="400"/>
+                <a:spcPts val="1800"/>
               </a:spcBef>
               <a:spcAft>
-                <a:spcPts val="400"/>
+                <a:spcPts val="1200"/>
               </a:spcAft>
               <a:buFont typeface="Arial" panose="020B0604020202020204" pitchFamily="34" charset="0"/>
               <a:buChar char="•"/>
             </a:pPr>
             <a:r>
-              <a:rPr lang="en-US" sz="1500" dirty="0">
-                <a:solidFill>
-                  <a:schemeClr val="tx1"/>
-                </a:solidFill>
-                <a:latin typeface="Avenir Next LT Pro" panose="020B0504020202020204" pitchFamily="34" charset="0"/>
+              <a:rPr lang="en-US" sz="1700" dirty="0">
+                <a:solidFill>
+                  <a:schemeClr val="tx1"/>
+                </a:solidFill>
               </a:rPr>
-              <a:t>K – means clustering was initially performed as the base level clustering to compare the results based on the mean</a:t>
+              <a:t>Influx of South region in the year 2021 </a:t>
             </a:r>
           </a:p>
           <a:p>
             <a:pPr>
               <a:spcBef>
-                <a:spcPts val="400"/>
+                <a:spcPts val="1800"/>
               </a:spcBef>
               <a:spcAft>
-                <a:spcPts val="400"/>
+                <a:spcPts val="1200"/>
               </a:spcAft>
               <a:buFont typeface="Arial" panose="020B0604020202020204" pitchFamily="34" charset="0"/>
               <a:buChar char="•"/>
             </a:pPr>
             <a:r>
-              <a:rPr lang="en-US" sz="1500" dirty="0">
-                <a:solidFill>
-                  <a:schemeClr val="tx1"/>
-                </a:solidFill>
-                <a:latin typeface="Avenir Next LT Pro" panose="020B0504020202020204" pitchFamily="34" charset="0"/>
+              <a:rPr lang="en-US" sz="1700" dirty="0">
+                <a:solidFill>
+                  <a:schemeClr val="tx1"/>
+                </a:solidFill>
               </a:rPr>
-              <a:t>Hierarchal and K-prototype clustering was done going forward. However, all three techniques resulted in clusters with similar characteristics</a:t>
-            </a:r>
-          </a:p>
-          <a:p>
-            <a:pPr>
-              <a:spcBef>
-                <a:spcPts val="400"/>
-              </a:spcBef>
-              <a:spcAft>
-                <a:spcPts val="400"/>
-              </a:spcAft>
-              <a:buFont typeface="Arial" panose="020B0604020202020204" pitchFamily="34" charset="0"/>
-              <a:buChar char="•"/>
-            </a:pPr>
-            <a:r>
-              <a:rPr lang="en-US" sz="1500" dirty="0">
-                <a:solidFill>
-                  <a:schemeClr val="tx1"/>
-                </a:solidFill>
-                <a:latin typeface="Avenir Next LT Pro" panose="020B0504020202020204" pitchFamily="34" charset="0"/>
-              </a:rPr>
-              <a:t>As K-prototype had the ability to cluster categorical features based on the mode, it was chosen to better interpret the clusters </a:t>
+              <a:t>Various other cities have picked up on sales the coming year</a:t>
             </a:r>
           </a:p>
         </p:txBody>
       </p:sp>
       <p:pic>
         <p:nvPicPr>
-          <p:cNvPr id="2" name="Picture 1" descr="Chart, radar chart&#10;&#10;Description automatically generated">
+          <p:cNvPr id="5" name="Picture 4" descr="Histogram&#10;&#10;Description automatically generated with medium confidence">
             <a:extLst>
               <a:ext uri="{FF2B5EF4-FFF2-40B4-BE49-F238E27FC236}">
-                <a16:creationId xmlns:a16="http://schemas.microsoft.com/office/drawing/2014/main" id="{D295EB13-C549-D1BC-66CE-F7BC257EC77C}"/>
+                <a16:creationId xmlns:a16="http://schemas.microsoft.com/office/drawing/2014/main" id="{5F585B27-EEF3-2E92-8A6F-57F381D01B75}"/>
               </a:ext>
             </a:extLst>
           </p:cNvPr>
@@ -12300,21 +13677,22 @@
           </p:cNvPicPr>
           <p:nvPr/>
         </p:nvPicPr>
-        <p:blipFill rotWithShape="1">
-          <a:blip r:embed="rId6">
+        <p:blipFill>
+          <a:blip r:embed="rId5">
             <a:extLst>
               <a:ext uri="{28A0092B-C50C-407E-A947-70E740481C1C}">
                 <a14:useLocalDpi xmlns:a14="http://schemas.microsoft.com/office/drawing/2010/main" val="0"/>
               </a:ext>
             </a:extLst>
           </a:blip>
-          <a:srcRect l="17854" t="5785" r="22097" b="12880"/>
-          <a:stretch/>
+          <a:stretch>
+            <a:fillRect/>
+          </a:stretch>
         </p:blipFill>
         <p:spPr>
           <a:xfrm>
-            <a:off x="3953568" y="3148928"/>
-            <a:ext cx="4186236" cy="3091741"/>
+            <a:off x="5401444" y="92747"/>
+            <a:ext cx="6693068" cy="6273800"/>
           </a:xfrm>
           <a:prstGeom prst="rect">
             <a:avLst/>
@@ -12324,7 +13702,7 @@
     </p:spTree>
     <p:extLst>
       <p:ext uri="{BB962C8B-B14F-4D97-AF65-F5344CB8AC3E}">
-        <p14:creationId xmlns:p14="http://schemas.microsoft.com/office/powerpoint/2010/main" val="3520342423"/>
+        <p14:creationId xmlns:p14="http://schemas.microsoft.com/office/powerpoint/2010/main" val="578221060"/>
       </p:ext>
     </p:extLst>
   </p:cSld>
@@ -12371,72 +13749,12 @@
           <a:chExt cx="0" cy="0"/>
         </a:xfrm>
       </p:grpSpPr>
-      <p:sp useBgFill="1">
-        <p:nvSpPr>
-          <p:cNvPr id="54" name="Rectangle 51">
-            <a:extLst>
-              <a:ext uri="{FF2B5EF4-FFF2-40B4-BE49-F238E27FC236}">
-                <a16:creationId xmlns:a16="http://schemas.microsoft.com/office/drawing/2014/main" id="{0AAD52C3-F510-4AD2-8B1D-7D8A574BA0F3}"/>
-              </a:ext>
-              <a:ext uri="{C183D7F6-B498-43B3-948B-1728B52AA6E4}">
-                <adec:decorative xmlns:adec="http://schemas.microsoft.com/office/drawing/2017/decorative" val="1"/>
-              </a:ext>
-            </a:extLst>
-          </p:cNvPr>
-          <p:cNvSpPr>
-            <a:spLocks noGrp="1" noRot="1" noChangeAspect="1" noMove="1" noResize="1" noEditPoints="1" noAdjustHandles="1" noChangeArrowheads="1" noChangeShapeType="1" noTextEdit="1"/>
-          </p:cNvSpPr>
-          <p:nvPr>
-            <p:extLst>
-              <p:ext uri="{386F3935-93C4-4BCD-93E2-E3B085C9AB24}">
-                <p16:designElem xmlns:p16="http://schemas.microsoft.com/office/powerpoint/2015/main" val="1"/>
-              </p:ext>
-            </p:extLst>
-          </p:nvPr>
-        </p:nvSpPr>
-        <p:spPr>
-          <a:xfrm>
-            <a:off x="-1" y="0"/>
-            <a:ext cx="12188952" cy="6858000"/>
-          </a:xfrm>
-          <a:prstGeom prst="rect">
-            <a:avLst/>
-          </a:prstGeom>
-          <a:ln>
-            <a:noFill/>
-          </a:ln>
-        </p:spPr>
-        <p:style>
-          <a:lnRef idx="2">
-            <a:schemeClr val="accent1">
-              <a:shade val="50000"/>
-            </a:schemeClr>
-          </a:lnRef>
-          <a:fillRef idx="1">
-            <a:schemeClr val="accent1"/>
-          </a:fillRef>
-          <a:effectRef idx="0">
-            <a:schemeClr val="accent1"/>
-          </a:effectRef>
-          <a:fontRef idx="minor">
-            <a:schemeClr val="lt1"/>
-          </a:fontRef>
-        </p:style>
-        <p:txBody>
-          <a:bodyPr rtlCol="0" anchor="ctr"/>
-          <a:lstStyle/>
-          <a:p>
-            <a:pPr algn="ctr"/>
-            <a:endParaRPr lang="en-US"/>
-          </a:p>
-        </p:txBody>
-      </p:sp>
       <p:sp>
         <p:nvSpPr>
-          <p:cNvPr id="26" name="Title 25">
+          <p:cNvPr id="20" name="Title 25">
             <a:extLst>
               <a:ext uri="{FF2B5EF4-FFF2-40B4-BE49-F238E27FC236}">
-                <a16:creationId xmlns:a16="http://schemas.microsoft.com/office/drawing/2014/main" id="{27ED0F80-138B-4A4E-B34B-8C68CC474DC4}"/>
+                <a16:creationId xmlns:a16="http://schemas.microsoft.com/office/drawing/2014/main" id="{3AD00AD5-2A5F-8CFB-59DB-4E67594191BD}"/>
               </a:ext>
             </a:extLst>
           </p:cNvPr>
@@ -12449,8 +13767,8 @@
         </p:nvSpPr>
         <p:spPr>
           <a:xfrm>
-            <a:off x="507997" y="580365"/>
-            <a:ext cx="5171299" cy="933173"/>
+            <a:off x="8623699" y="2327885"/>
+            <a:ext cx="3166799" cy="933173"/>
           </a:xfrm>
         </p:spPr>
         <p:txBody>
@@ -12459,47 +13777,77 @@
           </a:bodyPr>
           <a:lstStyle/>
           <a:p>
-            <a:r>
-              <a:rPr lang="en-US" sz="3700" b="1" dirty="0">
-                <a:solidFill>
-                  <a:schemeClr val="tx1"/>
-                </a:solidFill>
-                <a:latin typeface="+mj-lt"/>
+            <a:pPr algn="ctr"/>
+            <a:r>
+              <a:rPr lang="en-US" sz="2000" dirty="0">
+                <a:solidFill>
+                  <a:schemeClr val="tx1"/>
+                </a:solidFill>
+                <a:latin typeface="Avenir Next LT Pro" panose="020B0504020202020204" pitchFamily="34" charset="0"/>
+              </a:rPr>
+              <a:t>K- Prototype</a:t>
+            </a:r>
+            <a:br>
+              <a:rPr lang="en-US" sz="2000" dirty="0">
+                <a:solidFill>
+                  <a:schemeClr val="tx1"/>
+                </a:solidFill>
+                <a:latin typeface="Avenir Next LT Pro" panose="020B0504020202020204" pitchFamily="34" charset="0"/>
+              </a:rPr>
+            </a:br>
+            <a:r>
+              <a:rPr lang="en-US" sz="2000" dirty="0">
+                <a:solidFill>
+                  <a:schemeClr val="tx1"/>
+                </a:solidFill>
+                <a:latin typeface="Avenir Next LT Pro" panose="020B0504020202020204" pitchFamily="34" charset="0"/>
               </a:rPr>
               <a:t>Clustering</a:t>
             </a:r>
-            <a:br>
-              <a:rPr lang="en-US" sz="3700" b="1" dirty="0">
-                <a:solidFill>
-                  <a:schemeClr val="tx1"/>
-                </a:solidFill>
-                <a:latin typeface="+mj-lt"/>
-              </a:rPr>
-            </a:br>
-            <a:r>
-              <a:rPr lang="en-US" sz="1500" b="1" dirty="0">
-                <a:solidFill>
-                  <a:schemeClr val="tx1"/>
-                </a:solidFill>
-                <a:latin typeface="+mj-lt"/>
-              </a:rPr>
-              <a:t>(K- means Method)</a:t>
-            </a:r>
-            <a:endParaRPr lang="en-US" sz="3700" b="1" dirty="0">
-              <a:solidFill>
-                <a:schemeClr val="tx1"/>
-              </a:solidFill>
-              <a:latin typeface="+mj-lt"/>
-            </a:endParaRPr>
           </a:p>
         </p:txBody>
       </p:sp>
+      <p:pic>
+        <p:nvPicPr>
+          <p:cNvPr id="21" name="Picture 20" descr="A screenshot of a computer&#10;&#10;Description automatically generated">
+            <a:extLst>
+              <a:ext uri="{FF2B5EF4-FFF2-40B4-BE49-F238E27FC236}">
+                <a16:creationId xmlns:a16="http://schemas.microsoft.com/office/drawing/2014/main" id="{06D638C0-E988-1B33-E3F9-F86E10D9F5A4}"/>
+              </a:ext>
+            </a:extLst>
+          </p:cNvPr>
+          <p:cNvPicPr>
+            <a:picLocks noChangeAspect="1"/>
+          </p:cNvPicPr>
+          <p:nvPr/>
+        </p:nvPicPr>
+        <p:blipFill rotWithShape="1">
+          <a:blip r:embed="rId2">
+            <a:extLst>
+              <a:ext uri="{28A0092B-C50C-407E-A947-70E740481C1C}">
+                <a14:useLocalDpi xmlns:a14="http://schemas.microsoft.com/office/drawing/2010/main" val="0"/>
+              </a:ext>
+            </a:extLst>
+          </a:blip>
+          <a:srcRect l="34197" t="35926" r="29507" b="19444"/>
+          <a:stretch/>
+        </p:blipFill>
+        <p:spPr>
+          <a:xfrm>
+            <a:off x="8139804" y="3118283"/>
+            <a:ext cx="3771668" cy="3091740"/>
+          </a:xfrm>
+          <a:prstGeom prst="rect">
+            <a:avLst/>
+          </a:prstGeom>
+        </p:spPr>
+      </p:pic>
       <p:sp>
         <p:nvSpPr>
-          <p:cNvPr id="3" name="Text Placeholder 26">
+          <p:cNvPr id="22" name="Title 25">
             <a:extLst>
               <a:ext uri="{FF2B5EF4-FFF2-40B4-BE49-F238E27FC236}">
-                <a16:creationId xmlns:a16="http://schemas.microsoft.com/office/drawing/2014/main" id="{24EC3D39-AF9A-CD00-4D45-AA3BDEAECA03}"/>
+                <a16:creationId xmlns:a16="http://schemas.microsoft.com/office/drawing/2014/main" id="{1ADBFBC1-E67D-DC06-7C42-6D0BCD112B27}"/>
               </a:ext>
             </a:extLst>
           </p:cNvPr>
@@ -12510,8 +13858,8 @@
         </p:nvSpPr>
         <p:spPr>
           <a:xfrm>
-            <a:off x="513279" y="1431838"/>
-            <a:ext cx="5669581" cy="4613361"/>
+            <a:off x="548873" y="2327885"/>
+            <a:ext cx="2767818" cy="933173"/>
           </a:xfrm>
           <a:prstGeom prst="rect">
             <a:avLst/>
@@ -12519,484 +13867,62 @@
         </p:spPr>
         <p:txBody>
           <a:bodyPr vert="horz" lIns="91440" tIns="45720" rIns="91440" bIns="45720" rtlCol="0" anchor="ctr">
-            <a:normAutofit fontScale="92500" lnSpcReduction="10000"/>
+            <a:normAutofit/>
           </a:bodyPr>
           <a:lstStyle>
-            <a:lvl1pPr marL="228600" indent="-228600" algn="l" defTabSz="914400" rtl="0" eaLnBrk="1" latinLnBrk="0" hangingPunct="1">
+            <a:lvl1pPr algn="l" defTabSz="914400" rtl="0" eaLnBrk="1" latinLnBrk="0" hangingPunct="1">
               <a:lnSpc>
                 <a:spcPct val="90000"/>
               </a:lnSpc>
               <a:spcBef>
-                <a:spcPts val="1000"/>
-              </a:spcBef>
-              <a:buFontTx/>
-              <a:buBlip>
-                <a:blip r:embed="rId2"/>
-              </a:buBlip>
-              <a:defRPr sz="1600" kern="1200">
+                <a:spcPct val="0"/>
+              </a:spcBef>
+              <a:buNone/>
+              <a:defRPr sz="3600" kern="1200">
                 <a:solidFill>
                   <a:schemeClr val="tx1">
                     <a:lumMod val="85000"/>
                     <a:lumOff val="15000"/>
                   </a:schemeClr>
                 </a:solidFill>
-                <a:latin typeface="+mn-lt"/>
-                <a:ea typeface="+mn-ea"/>
-                <a:cs typeface="+mn-cs"/>
+                <a:latin typeface="Arial Narrow" panose="020B0606020202030204" pitchFamily="34" charset="0"/>
+                <a:ea typeface="+mj-ea"/>
+                <a:cs typeface="+mj-cs"/>
               </a:defRPr>
             </a:lvl1pPr>
-            <a:lvl2pPr marL="685800" indent="-228600" algn="l" defTabSz="914400" rtl="0" eaLnBrk="1" latinLnBrk="0" hangingPunct="1">
-              <a:lnSpc>
-                <a:spcPct val="90000"/>
-              </a:lnSpc>
-              <a:spcBef>
-                <a:spcPts val="500"/>
-              </a:spcBef>
-              <a:buFontTx/>
-              <a:buBlip>
-                <a:blip r:embed="rId3"/>
-              </a:buBlip>
-              <a:defRPr sz="1600" kern="1200">
-                <a:solidFill>
-                  <a:schemeClr val="tx1">
-                    <a:lumMod val="85000"/>
-                    <a:lumOff val="15000"/>
-                  </a:schemeClr>
-                </a:solidFill>
-                <a:latin typeface="+mn-lt"/>
-                <a:ea typeface="+mn-ea"/>
-                <a:cs typeface="+mn-cs"/>
-              </a:defRPr>
-            </a:lvl2pPr>
-            <a:lvl3pPr marL="1143000" indent="-228600" algn="l" defTabSz="914400" rtl="0" eaLnBrk="1" latinLnBrk="0" hangingPunct="1">
-              <a:lnSpc>
-                <a:spcPct val="90000"/>
-              </a:lnSpc>
-              <a:spcBef>
-                <a:spcPts val="500"/>
-              </a:spcBef>
-              <a:buFont typeface="Arial" panose="020B0604020202020204" pitchFamily="34" charset="0"/>
-              <a:buChar char="•"/>
-              <a:defRPr sz="2000" kern="1200">
-                <a:solidFill>
-                  <a:schemeClr val="tx1">
-                    <a:lumMod val="50000"/>
-                    <a:lumOff val="50000"/>
-                  </a:schemeClr>
-                </a:solidFill>
-                <a:latin typeface="+mn-lt"/>
-                <a:ea typeface="+mn-ea"/>
-                <a:cs typeface="+mn-cs"/>
-              </a:defRPr>
-            </a:lvl3pPr>
-            <a:lvl4pPr marL="1600200" indent="-228600" algn="l" defTabSz="914400" rtl="0" eaLnBrk="1" latinLnBrk="0" hangingPunct="1">
-              <a:lnSpc>
-                <a:spcPct val="90000"/>
-              </a:lnSpc>
-              <a:spcBef>
-                <a:spcPts val="500"/>
-              </a:spcBef>
-              <a:buFont typeface="Arial" panose="020B0604020202020204" pitchFamily="34" charset="0"/>
-              <a:buChar char="•"/>
-              <a:defRPr sz="1800" kern="1200">
-                <a:solidFill>
-                  <a:schemeClr val="tx1">
-                    <a:lumMod val="50000"/>
-                    <a:lumOff val="50000"/>
-                  </a:schemeClr>
-                </a:solidFill>
-                <a:latin typeface="+mn-lt"/>
-                <a:ea typeface="+mn-ea"/>
-                <a:cs typeface="+mn-cs"/>
-              </a:defRPr>
-            </a:lvl4pPr>
-            <a:lvl5pPr marL="2057400" indent="-228600" algn="l" defTabSz="914400" rtl="0" eaLnBrk="1" latinLnBrk="0" hangingPunct="1">
-              <a:lnSpc>
-                <a:spcPct val="90000"/>
-              </a:lnSpc>
-              <a:spcBef>
-                <a:spcPts val="500"/>
-              </a:spcBef>
-              <a:buFont typeface="Arial" panose="020B0604020202020204" pitchFamily="34" charset="0"/>
-              <a:buChar char="•"/>
-              <a:defRPr sz="1800" kern="1200">
-                <a:solidFill>
-                  <a:schemeClr val="tx1">
-                    <a:lumMod val="50000"/>
-                    <a:lumOff val="50000"/>
-                  </a:schemeClr>
-                </a:solidFill>
-                <a:latin typeface="+mn-lt"/>
-                <a:ea typeface="+mn-ea"/>
-                <a:cs typeface="+mn-cs"/>
-              </a:defRPr>
-            </a:lvl5pPr>
-            <a:lvl6pPr marL="2514600" indent="-228600" algn="l" defTabSz="914400" rtl="0" eaLnBrk="1" latinLnBrk="0" hangingPunct="1">
-              <a:lnSpc>
-                <a:spcPct val="90000"/>
-              </a:lnSpc>
-              <a:spcBef>
-                <a:spcPts val="500"/>
-              </a:spcBef>
-              <a:buFont typeface="Arial" panose="020B0604020202020204" pitchFamily="34" charset="0"/>
-              <a:buChar char="•"/>
-              <a:defRPr sz="1800" kern="1200">
-                <a:solidFill>
-                  <a:schemeClr val="tx1"/>
-                </a:solidFill>
-                <a:latin typeface="+mn-lt"/>
-                <a:ea typeface="+mn-ea"/>
-                <a:cs typeface="+mn-cs"/>
-              </a:defRPr>
-            </a:lvl6pPr>
-            <a:lvl7pPr marL="2971800" indent="-228600" algn="l" defTabSz="914400" rtl="0" eaLnBrk="1" latinLnBrk="0" hangingPunct="1">
-              <a:lnSpc>
-                <a:spcPct val="90000"/>
-              </a:lnSpc>
-              <a:spcBef>
-                <a:spcPts val="500"/>
-              </a:spcBef>
-              <a:buFont typeface="Arial" panose="020B0604020202020204" pitchFamily="34" charset="0"/>
-              <a:buChar char="•"/>
-              <a:defRPr sz="1800" kern="1200">
-                <a:solidFill>
-                  <a:schemeClr val="tx1"/>
-                </a:solidFill>
-                <a:latin typeface="+mn-lt"/>
-                <a:ea typeface="+mn-ea"/>
-                <a:cs typeface="+mn-cs"/>
-              </a:defRPr>
-            </a:lvl7pPr>
-            <a:lvl8pPr marL="3429000" indent="-228600" algn="l" defTabSz="914400" rtl="0" eaLnBrk="1" latinLnBrk="0" hangingPunct="1">
-              <a:lnSpc>
-                <a:spcPct val="90000"/>
-              </a:lnSpc>
-              <a:spcBef>
-                <a:spcPts val="500"/>
-              </a:spcBef>
-              <a:buFont typeface="Arial" panose="020B0604020202020204" pitchFamily="34" charset="0"/>
-              <a:buChar char="•"/>
-              <a:defRPr sz="1800" kern="1200">
-                <a:solidFill>
-                  <a:schemeClr val="tx1"/>
-                </a:solidFill>
-                <a:latin typeface="+mn-lt"/>
-                <a:ea typeface="+mn-ea"/>
-                <a:cs typeface="+mn-cs"/>
-              </a:defRPr>
-            </a:lvl8pPr>
-            <a:lvl9pPr marL="3886200" indent="-228600" algn="l" defTabSz="914400" rtl="0" eaLnBrk="1" latinLnBrk="0" hangingPunct="1">
-              <a:lnSpc>
-                <a:spcPct val="90000"/>
-              </a:lnSpc>
-              <a:spcBef>
-                <a:spcPts val="500"/>
-              </a:spcBef>
-              <a:buFont typeface="Arial" panose="020B0604020202020204" pitchFamily="34" charset="0"/>
-              <a:buChar char="•"/>
-              <a:defRPr sz="1800" kern="1200">
-                <a:solidFill>
-                  <a:schemeClr val="tx1"/>
-                </a:solidFill>
-                <a:latin typeface="+mn-lt"/>
-                <a:ea typeface="+mn-ea"/>
-                <a:cs typeface="+mn-cs"/>
-              </a:defRPr>
-            </a:lvl9pPr>
           </a:lstStyle>
           <a:p>
-            <a:pPr marL="0" indent="0">
-              <a:spcBef>
-                <a:spcPts val="300"/>
-              </a:spcBef>
-              <a:spcAft>
-                <a:spcPts val="300"/>
-              </a:spcAft>
-              <a:buNone/>
-            </a:pPr>
-            <a:endParaRPr lang="en-US" sz="1700" dirty="0">
-              <a:solidFill>
-                <a:schemeClr val="tx1"/>
-              </a:solidFill>
-              <a:latin typeface="Avenir Next LT Pro" panose="020B0504020202020204" pitchFamily="34" charset="0"/>
-              <a:cs typeface="Levenim MT" panose="020B0604020202020204" pitchFamily="2" charset="-79"/>
-            </a:endParaRPr>
-          </a:p>
-          <a:p>
-            <a:pPr>
-              <a:spcBef>
-                <a:spcPts val="300"/>
-              </a:spcBef>
-              <a:spcAft>
-                <a:spcPts val="300"/>
-              </a:spcAft>
-              <a:buFont typeface="Arial" panose="020B0604020202020204" pitchFamily="34" charset="0"/>
-              <a:buChar char="•"/>
-            </a:pPr>
-            <a:r>
-              <a:rPr lang="en-US" sz="1700" dirty="0">
+            <a:pPr algn="ctr"/>
+            <a:r>
+              <a:rPr lang="en-US" sz="2000" dirty="0">
                 <a:solidFill>
                   <a:schemeClr val="tx1"/>
                 </a:solidFill>
                 <a:latin typeface="Avenir Next LT Pro" panose="020B0504020202020204" pitchFamily="34" charset="0"/>
-                <a:cs typeface="Levenim MT" panose="020B0604020202020204" pitchFamily="2" charset="-79"/>
               </a:rPr>
-              <a:t>K-means clustering has been chosen considering its clear distinguishing feature of each cluster characteristics</a:t>
-            </a:r>
-          </a:p>
-          <a:p>
-            <a:pPr>
-              <a:spcBef>
-                <a:spcPts val="300"/>
-              </a:spcBef>
-              <a:spcAft>
-                <a:spcPts val="300"/>
-              </a:spcAft>
-              <a:buFont typeface="Arial" panose="020B0604020202020204" pitchFamily="34" charset="0"/>
-              <a:buChar char="•"/>
-            </a:pPr>
-            <a:endParaRPr lang="en-US" sz="1700" dirty="0">
-              <a:solidFill>
-                <a:schemeClr val="tx1"/>
-              </a:solidFill>
-              <a:latin typeface="Avenir Next LT Pro" panose="020B0504020202020204" pitchFamily="34" charset="0"/>
-              <a:cs typeface="Levenim MT" panose="020B0604020202020204" pitchFamily="2" charset="-79"/>
-            </a:endParaRPr>
-          </a:p>
-          <a:p>
-            <a:pPr>
-              <a:spcBef>
-                <a:spcPts val="300"/>
-              </a:spcBef>
-              <a:spcAft>
-                <a:spcPts val="300"/>
-              </a:spcAft>
-              <a:buFont typeface="Arial" panose="020B0604020202020204" pitchFamily="34" charset="0"/>
-              <a:buChar char="•"/>
-            </a:pPr>
-            <a:r>
-              <a:rPr lang="en-US" sz="1700" dirty="0">
+              <a:t>Hierarchal</a:t>
+            </a:r>
+          </a:p>
+          <a:p>
+            <a:pPr algn="ctr"/>
+            <a:r>
+              <a:rPr lang="en-US" sz="2000" dirty="0">
                 <a:solidFill>
                   <a:schemeClr val="tx1"/>
                 </a:solidFill>
                 <a:latin typeface="Avenir Next LT Pro" panose="020B0504020202020204" pitchFamily="34" charset="0"/>
-                <a:cs typeface="Levenim MT" panose="020B0604020202020204" pitchFamily="2" charset="-79"/>
               </a:rPr>
-              <a:t>3 clusters have been passed as the parameter as per the elbow graph and testing the cluster characteristics with higher numbers</a:t>
-            </a:r>
-            <a:br>
-              <a:rPr lang="en-US" sz="1700" dirty="0">
-                <a:solidFill>
-                  <a:schemeClr val="tx1"/>
-                </a:solidFill>
-                <a:latin typeface="Avenir Next LT Pro" panose="020B0504020202020204" pitchFamily="34" charset="0"/>
-                <a:cs typeface="Levenim MT" panose="020B0604020202020204" pitchFamily="2" charset="-79"/>
-              </a:rPr>
-            </a:br>
-            <a:endParaRPr lang="en-US" sz="1700" dirty="0">
-              <a:solidFill>
-                <a:schemeClr val="tx1"/>
-              </a:solidFill>
-              <a:latin typeface="Avenir Next LT Pro" panose="020B0504020202020204" pitchFamily="34" charset="0"/>
-              <a:cs typeface="Levenim MT" panose="020B0604020202020204" pitchFamily="2" charset="-79"/>
-            </a:endParaRPr>
-          </a:p>
-          <a:p>
-            <a:pPr>
-              <a:spcBef>
-                <a:spcPts val="300"/>
-              </a:spcBef>
-              <a:spcAft>
-                <a:spcPts val="300"/>
-              </a:spcAft>
-              <a:buFont typeface="Arial" panose="020B0604020202020204" pitchFamily="34" charset="0"/>
-              <a:buChar char="•"/>
-            </a:pPr>
-            <a:r>
-              <a:rPr lang="en-US" sz="1700" dirty="0">
-                <a:solidFill>
-                  <a:schemeClr val="tx1"/>
-                </a:solidFill>
-                <a:latin typeface="Avenir Next LT Pro" panose="020B0504020202020204" pitchFamily="34" charset="0"/>
-                <a:cs typeface="Levenim MT" panose="020B0604020202020204" pitchFamily="2" charset="-79"/>
-              </a:rPr>
-              <a:t>The clusters formed distinctly had the following features</a:t>
-            </a:r>
-            <a:br>
-              <a:rPr lang="en-US" sz="1700" dirty="0">
-                <a:solidFill>
-                  <a:schemeClr val="tx1"/>
-                </a:solidFill>
-                <a:latin typeface="Avenir Next LT Pro" panose="020B0504020202020204" pitchFamily="34" charset="0"/>
-                <a:cs typeface="Levenim MT" panose="020B0604020202020204" pitchFamily="2" charset="-79"/>
-              </a:rPr>
-            </a:br>
-            <a:endParaRPr lang="en-US" sz="1700" dirty="0">
-              <a:solidFill>
-                <a:schemeClr val="tx1"/>
-              </a:solidFill>
-              <a:latin typeface="Avenir Next LT Pro" panose="020B0504020202020204" pitchFamily="34" charset="0"/>
-              <a:cs typeface="Levenim MT" panose="020B0604020202020204" pitchFamily="2" charset="-79"/>
-            </a:endParaRPr>
-          </a:p>
-          <a:p>
-            <a:pPr lvl="1">
-              <a:spcBef>
-                <a:spcPts val="300"/>
-              </a:spcBef>
-              <a:spcAft>
-                <a:spcPts val="300"/>
-              </a:spcAft>
-              <a:buFont typeface="Wingdings" panose="05000000000000000000" pitchFamily="2" charset="2"/>
-              <a:buChar char="§"/>
-            </a:pPr>
-            <a:r>
-              <a:rPr lang="en-US" sz="1500" dirty="0">
-                <a:solidFill>
-                  <a:schemeClr val="tx1"/>
-                </a:solidFill>
-                <a:latin typeface="Avenir Next LT Pro" panose="020B0504020202020204" pitchFamily="34" charset="0"/>
-                <a:cs typeface="Levenim MT" panose="020B0604020202020204" pitchFamily="2" charset="-79"/>
-              </a:rPr>
-              <a:t>Cluster 1 (blue): Low operating margin but the other features are trending high </a:t>
-            </a:r>
-            <a:br>
-              <a:rPr lang="en-US" sz="1500" dirty="0">
-                <a:solidFill>
-                  <a:schemeClr val="tx1"/>
-                </a:solidFill>
-                <a:latin typeface="Avenir Next LT Pro" panose="020B0504020202020204" pitchFamily="34" charset="0"/>
-                <a:cs typeface="Levenim MT" panose="020B0604020202020204" pitchFamily="2" charset="-79"/>
-              </a:rPr>
-            </a:br>
-            <a:endParaRPr lang="en-US" sz="1500" dirty="0">
-              <a:solidFill>
-                <a:schemeClr val="tx1"/>
-              </a:solidFill>
-              <a:latin typeface="Avenir Next LT Pro" panose="020B0504020202020204" pitchFamily="34" charset="0"/>
-              <a:cs typeface="Levenim MT" panose="020B0604020202020204" pitchFamily="2" charset="-79"/>
-            </a:endParaRPr>
-          </a:p>
-          <a:p>
-            <a:pPr lvl="1">
-              <a:spcBef>
-                <a:spcPts val="300"/>
-              </a:spcBef>
-              <a:spcAft>
-                <a:spcPts val="300"/>
-              </a:spcAft>
-              <a:buFont typeface="Wingdings" panose="05000000000000000000" pitchFamily="2" charset="2"/>
-              <a:buChar char="§"/>
-            </a:pPr>
-            <a:r>
-              <a:rPr lang="en-US" sz="1500" dirty="0">
-                <a:solidFill>
-                  <a:schemeClr val="tx1"/>
-                </a:solidFill>
-                <a:latin typeface="Avenir Next LT Pro" panose="020B0504020202020204" pitchFamily="34" charset="0"/>
-                <a:cs typeface="Levenim MT" panose="020B0604020202020204" pitchFamily="2" charset="-79"/>
-              </a:rPr>
-              <a:t>Cluster 2 (red): Similar characteristics as cluster 1 but the averages for the features are significantly low</a:t>
-            </a:r>
-            <a:br>
-              <a:rPr lang="en-US" sz="1500" dirty="0">
-                <a:solidFill>
-                  <a:schemeClr val="tx1"/>
-                </a:solidFill>
-                <a:latin typeface="Avenir Next LT Pro" panose="020B0504020202020204" pitchFamily="34" charset="0"/>
-                <a:cs typeface="Levenim MT" panose="020B0604020202020204" pitchFamily="2" charset="-79"/>
-              </a:rPr>
-            </a:br>
-            <a:endParaRPr lang="en-US" sz="1500" dirty="0">
-              <a:solidFill>
-                <a:schemeClr val="tx1"/>
-              </a:solidFill>
-              <a:latin typeface="Avenir Next LT Pro" panose="020B0504020202020204" pitchFamily="34" charset="0"/>
-              <a:cs typeface="Levenim MT" panose="020B0604020202020204" pitchFamily="2" charset="-79"/>
-            </a:endParaRPr>
-          </a:p>
-          <a:p>
-            <a:pPr lvl="1">
-              <a:spcBef>
-                <a:spcPts val="300"/>
-              </a:spcBef>
-              <a:spcAft>
-                <a:spcPts val="300"/>
-              </a:spcAft>
-              <a:buFont typeface="Wingdings" panose="05000000000000000000" pitchFamily="2" charset="2"/>
-              <a:buChar char="§"/>
-            </a:pPr>
-            <a:r>
-              <a:rPr lang="en-US" sz="1500" dirty="0">
-                <a:solidFill>
-                  <a:schemeClr val="tx1"/>
-                </a:solidFill>
-                <a:latin typeface="Avenir Next LT Pro" panose="020B0504020202020204" pitchFamily="34" charset="0"/>
-                <a:cs typeface="Levenim MT" panose="020B0604020202020204" pitchFamily="2" charset="-79"/>
-              </a:rPr>
-              <a:t>Cluster 3 (green): High operating margin whereas the other features are trending comparatively low</a:t>
-            </a:r>
-            <a:br>
-              <a:rPr lang="en-US" sz="1500" dirty="0">
-                <a:solidFill>
-                  <a:schemeClr val="tx1"/>
-                </a:solidFill>
-                <a:latin typeface="Avenir Next LT Pro" panose="020B0504020202020204" pitchFamily="34" charset="0"/>
-                <a:cs typeface="Levenim MT" panose="020B0604020202020204" pitchFamily="2" charset="-79"/>
-              </a:rPr>
-            </a:br>
-            <a:endParaRPr lang="en-US" sz="1500" dirty="0">
-              <a:solidFill>
-                <a:schemeClr val="tx1"/>
-              </a:solidFill>
-              <a:latin typeface="Avenir Next LT Pro" panose="020B0504020202020204" pitchFamily="34" charset="0"/>
-              <a:cs typeface="Levenim MT" panose="020B0604020202020204" pitchFamily="2" charset="-79"/>
-            </a:endParaRPr>
+              <a:t>Clustering</a:t>
+            </a:r>
           </a:p>
         </p:txBody>
       </p:sp>
       <p:pic>
         <p:nvPicPr>
-          <p:cNvPr id="5" name="Picture 4" descr="Chart, line chart&#10;&#10;Description automatically generated">
+          <p:cNvPr id="23" name="Picture 22" descr="A screenshot of a computer&#10;&#10;Description automatically generated">
             <a:extLst>
               <a:ext uri="{FF2B5EF4-FFF2-40B4-BE49-F238E27FC236}">
-                <a16:creationId xmlns:a16="http://schemas.microsoft.com/office/drawing/2014/main" id="{B244F6DA-1498-DAE9-3D93-82AB35AB0545}"/>
-              </a:ext>
-            </a:extLst>
-          </p:cNvPr>
-          <p:cNvPicPr>
-            <a:picLocks noChangeAspect="1"/>
-          </p:cNvPicPr>
-          <p:nvPr/>
-        </p:nvPicPr>
-        <p:blipFill>
-          <a:blip r:embed="rId4">
-            <a:extLst>
-              <a:ext uri="{28A0092B-C50C-407E-A947-70E740481C1C}">
-                <a14:useLocalDpi xmlns:a14="http://schemas.microsoft.com/office/drawing/2010/main" val="0"/>
-              </a:ext>
-            </a:extLst>
-          </a:blip>
-          <a:stretch>
-            <a:fillRect/>
-          </a:stretch>
-        </p:blipFill>
-        <p:spPr>
-          <a:xfrm>
-            <a:off x="6844226" y="168423"/>
-            <a:ext cx="4683358" cy="2993486"/>
-          </a:xfrm>
-          <a:prstGeom prst="rect">
-            <a:avLst/>
-          </a:prstGeom>
-        </p:spPr>
-      </p:pic>
-      <p:pic>
-        <p:nvPicPr>
-          <p:cNvPr id="10" name="Picture 9" descr="Chart, radar chart&#10;&#10;Description automatically generated">
-            <a:extLst>
-              <a:ext uri="{FF2B5EF4-FFF2-40B4-BE49-F238E27FC236}">
-                <a16:creationId xmlns:a16="http://schemas.microsoft.com/office/drawing/2014/main" id="{4ADB4940-72B9-F99B-5A64-EF4EBCC13A90}"/>
+                <a16:creationId xmlns:a16="http://schemas.microsoft.com/office/drawing/2014/main" id="{D03075C9-1391-7455-8B4A-13048D6CE258}"/>
               </a:ext>
             </a:extLst>
           </p:cNvPr>
@@ -13006,20 +13932,456 @@
           <p:nvPr/>
         </p:nvPicPr>
         <p:blipFill rotWithShape="1">
-          <a:blip r:embed="rId5">
+          <a:blip r:embed="rId3">
             <a:extLst>
               <a:ext uri="{28A0092B-C50C-407E-A947-70E740481C1C}">
                 <a14:useLocalDpi xmlns:a14="http://schemas.microsoft.com/office/drawing/2010/main" val="0"/>
               </a:ext>
             </a:extLst>
           </a:blip>
-          <a:srcRect l="18554"/>
+          <a:srcRect l="33533" t="38333" r="29159" b="17037"/>
           <a:stretch/>
         </p:blipFill>
         <p:spPr>
           <a:xfrm>
-            <a:off x="6829352" y="3093995"/>
-            <a:ext cx="5375654" cy="3632198"/>
+            <a:off x="36202" y="3124855"/>
+            <a:ext cx="3855680" cy="3075008"/>
+          </a:xfrm>
+          <a:prstGeom prst="rect">
+            <a:avLst/>
+          </a:prstGeom>
+        </p:spPr>
+      </p:pic>
+      <p:sp>
+        <p:nvSpPr>
+          <p:cNvPr id="24" name="Title 25">
+            <a:extLst>
+              <a:ext uri="{FF2B5EF4-FFF2-40B4-BE49-F238E27FC236}">
+                <a16:creationId xmlns:a16="http://schemas.microsoft.com/office/drawing/2014/main" id="{CE9F1DC6-C960-E5DA-5AC0-8335D07B3800}"/>
+              </a:ext>
+            </a:extLst>
+          </p:cNvPr>
+          <p:cNvSpPr txBox="1">
+            <a:spLocks/>
+          </p:cNvSpPr>
+          <p:nvPr/>
+        </p:nvSpPr>
+        <p:spPr>
+          <a:xfrm>
+            <a:off x="4587128" y="2317356"/>
+            <a:ext cx="2767818" cy="933173"/>
+          </a:xfrm>
+          <a:prstGeom prst="rect">
+            <a:avLst/>
+          </a:prstGeom>
+        </p:spPr>
+        <p:txBody>
+          <a:bodyPr vert="horz" lIns="91440" tIns="45720" rIns="91440" bIns="45720" rtlCol="0" anchor="ctr">
+            <a:normAutofit/>
+          </a:bodyPr>
+          <a:lstStyle>
+            <a:lvl1pPr algn="l" defTabSz="914400" rtl="0" eaLnBrk="1" latinLnBrk="0" hangingPunct="1">
+              <a:lnSpc>
+                <a:spcPct val="90000"/>
+              </a:lnSpc>
+              <a:spcBef>
+                <a:spcPct val="0"/>
+              </a:spcBef>
+              <a:buNone/>
+              <a:defRPr sz="3600" kern="1200">
+                <a:solidFill>
+                  <a:schemeClr val="tx1">
+                    <a:lumMod val="85000"/>
+                    <a:lumOff val="15000"/>
+                  </a:schemeClr>
+                </a:solidFill>
+                <a:latin typeface="Arial Narrow" panose="020B0606020202030204" pitchFamily="34" charset="0"/>
+                <a:ea typeface="+mj-ea"/>
+                <a:cs typeface="+mj-cs"/>
+              </a:defRPr>
+            </a:lvl1pPr>
+          </a:lstStyle>
+          <a:p>
+            <a:pPr algn="ctr"/>
+            <a:r>
+              <a:rPr lang="en-US" sz="2000" dirty="0">
+                <a:solidFill>
+                  <a:schemeClr val="tx1"/>
+                </a:solidFill>
+                <a:latin typeface="Avenir Next LT Pro" panose="020B0504020202020204" pitchFamily="34" charset="0"/>
+              </a:rPr>
+              <a:t>DB Scan</a:t>
+            </a:r>
+          </a:p>
+        </p:txBody>
+      </p:sp>
+      <p:sp>
+        <p:nvSpPr>
+          <p:cNvPr id="25" name="Title 25">
+            <a:extLst>
+              <a:ext uri="{FF2B5EF4-FFF2-40B4-BE49-F238E27FC236}">
+                <a16:creationId xmlns:a16="http://schemas.microsoft.com/office/drawing/2014/main" id="{8F202EFD-0B01-CA55-2086-954AFA33A196}"/>
+              </a:ext>
+            </a:extLst>
+          </p:cNvPr>
+          <p:cNvSpPr txBox="1">
+            <a:spLocks/>
+          </p:cNvSpPr>
+          <p:nvPr/>
+        </p:nvSpPr>
+        <p:spPr>
+          <a:xfrm>
+            <a:off x="571502" y="498522"/>
+            <a:ext cx="2504440" cy="1645920"/>
+          </a:xfrm>
+          <a:prstGeom prst="rect">
+            <a:avLst/>
+          </a:prstGeom>
+        </p:spPr>
+        <p:txBody>
+          <a:bodyPr vert="horz" lIns="91440" tIns="45720" rIns="91440" bIns="45720" rtlCol="0" anchor="ctr">
+            <a:normAutofit/>
+          </a:bodyPr>
+          <a:lstStyle>
+            <a:lvl1pPr algn="l" defTabSz="914400" rtl="0" eaLnBrk="1" latinLnBrk="0" hangingPunct="1">
+              <a:lnSpc>
+                <a:spcPct val="90000"/>
+              </a:lnSpc>
+              <a:spcBef>
+                <a:spcPct val="0"/>
+              </a:spcBef>
+              <a:buNone/>
+              <a:defRPr sz="3600" kern="1200">
+                <a:solidFill>
+                  <a:schemeClr val="tx1">
+                    <a:lumMod val="85000"/>
+                    <a:lumOff val="15000"/>
+                  </a:schemeClr>
+                </a:solidFill>
+                <a:latin typeface="Arial Narrow" panose="020B0606020202030204" pitchFamily="34" charset="0"/>
+                <a:ea typeface="+mj-ea"/>
+                <a:cs typeface="+mj-cs"/>
+              </a:defRPr>
+            </a:lvl1pPr>
+          </a:lstStyle>
+          <a:p>
+            <a:pPr algn="ctr"/>
+            <a:r>
+              <a:rPr lang="en-US" sz="2800" b="1" dirty="0">
+                <a:solidFill>
+                  <a:schemeClr val="tx1"/>
+                </a:solidFill>
+                <a:latin typeface="Avenir Next LT Pro" panose="020B0504020202020204" pitchFamily="34" charset="0"/>
+              </a:rPr>
+              <a:t>Clustering technique Selection </a:t>
+            </a:r>
+          </a:p>
+        </p:txBody>
+      </p:sp>
+      <p:sp>
+        <p:nvSpPr>
+          <p:cNvPr id="26" name="Text Placeholder 26">
+            <a:extLst>
+              <a:ext uri="{FF2B5EF4-FFF2-40B4-BE49-F238E27FC236}">
+                <a16:creationId xmlns:a16="http://schemas.microsoft.com/office/drawing/2014/main" id="{D0CCE131-232F-147D-5016-4D60E5717052}"/>
+              </a:ext>
+            </a:extLst>
+          </p:cNvPr>
+          <p:cNvSpPr txBox="1">
+            <a:spLocks/>
+          </p:cNvSpPr>
+          <p:nvPr/>
+        </p:nvSpPr>
+        <p:spPr>
+          <a:xfrm>
+            <a:off x="2964181" y="498522"/>
+            <a:ext cx="8360528" cy="1645920"/>
+          </a:xfrm>
+          <a:prstGeom prst="rect">
+            <a:avLst/>
+          </a:prstGeom>
+        </p:spPr>
+        <p:txBody>
+          <a:bodyPr vert="horz" lIns="91440" tIns="45720" rIns="91440" bIns="45720" rtlCol="0" anchor="ctr">
+            <a:normAutofit/>
+          </a:bodyPr>
+          <a:lstStyle>
+            <a:lvl1pPr marL="228600" indent="-228600" algn="l" defTabSz="914400" rtl="0" eaLnBrk="1" latinLnBrk="0" hangingPunct="1">
+              <a:lnSpc>
+                <a:spcPct val="90000"/>
+              </a:lnSpc>
+              <a:spcBef>
+                <a:spcPts val="1000"/>
+              </a:spcBef>
+              <a:buFontTx/>
+              <a:buBlip>
+                <a:blip r:embed="rId4"/>
+              </a:buBlip>
+              <a:defRPr sz="1600" kern="1200">
+                <a:solidFill>
+                  <a:schemeClr val="tx1">
+                    <a:lumMod val="85000"/>
+                    <a:lumOff val="15000"/>
+                  </a:schemeClr>
+                </a:solidFill>
+                <a:latin typeface="+mn-lt"/>
+                <a:ea typeface="+mn-ea"/>
+                <a:cs typeface="+mn-cs"/>
+              </a:defRPr>
+            </a:lvl1pPr>
+            <a:lvl2pPr marL="685800" indent="-228600" algn="l" defTabSz="914400" rtl="0" eaLnBrk="1" latinLnBrk="0" hangingPunct="1">
+              <a:lnSpc>
+                <a:spcPct val="90000"/>
+              </a:lnSpc>
+              <a:spcBef>
+                <a:spcPts val="500"/>
+              </a:spcBef>
+              <a:buFontTx/>
+              <a:buBlip>
+                <a:blip r:embed="rId5"/>
+              </a:buBlip>
+              <a:defRPr sz="1600" kern="1200">
+                <a:solidFill>
+                  <a:schemeClr val="tx1">
+                    <a:lumMod val="85000"/>
+                    <a:lumOff val="15000"/>
+                  </a:schemeClr>
+                </a:solidFill>
+                <a:latin typeface="+mn-lt"/>
+                <a:ea typeface="+mn-ea"/>
+                <a:cs typeface="+mn-cs"/>
+              </a:defRPr>
+            </a:lvl2pPr>
+            <a:lvl3pPr marL="1143000" indent="-228600" algn="l" defTabSz="914400" rtl="0" eaLnBrk="1" latinLnBrk="0" hangingPunct="1">
+              <a:lnSpc>
+                <a:spcPct val="90000"/>
+              </a:lnSpc>
+              <a:spcBef>
+                <a:spcPts val="500"/>
+              </a:spcBef>
+              <a:buFont typeface="Arial" panose="020B0604020202020204" pitchFamily="34" charset="0"/>
+              <a:buChar char="•"/>
+              <a:defRPr sz="2000" kern="1200">
+                <a:solidFill>
+                  <a:schemeClr val="tx1">
+                    <a:lumMod val="50000"/>
+                    <a:lumOff val="50000"/>
+                  </a:schemeClr>
+                </a:solidFill>
+                <a:latin typeface="+mn-lt"/>
+                <a:ea typeface="+mn-ea"/>
+                <a:cs typeface="+mn-cs"/>
+              </a:defRPr>
+            </a:lvl3pPr>
+            <a:lvl4pPr marL="1600200" indent="-228600" algn="l" defTabSz="914400" rtl="0" eaLnBrk="1" latinLnBrk="0" hangingPunct="1">
+              <a:lnSpc>
+                <a:spcPct val="90000"/>
+              </a:lnSpc>
+              <a:spcBef>
+                <a:spcPts val="500"/>
+              </a:spcBef>
+              <a:buFont typeface="Arial" panose="020B0604020202020204" pitchFamily="34" charset="0"/>
+              <a:buChar char="•"/>
+              <a:defRPr sz="1800" kern="1200">
+                <a:solidFill>
+                  <a:schemeClr val="tx1">
+                    <a:lumMod val="50000"/>
+                    <a:lumOff val="50000"/>
+                  </a:schemeClr>
+                </a:solidFill>
+                <a:latin typeface="+mn-lt"/>
+                <a:ea typeface="+mn-ea"/>
+                <a:cs typeface="+mn-cs"/>
+              </a:defRPr>
+            </a:lvl4pPr>
+            <a:lvl5pPr marL="2057400" indent="-228600" algn="l" defTabSz="914400" rtl="0" eaLnBrk="1" latinLnBrk="0" hangingPunct="1">
+              <a:lnSpc>
+                <a:spcPct val="90000"/>
+              </a:lnSpc>
+              <a:spcBef>
+                <a:spcPts val="500"/>
+              </a:spcBef>
+              <a:buFont typeface="Arial" panose="020B0604020202020204" pitchFamily="34" charset="0"/>
+              <a:buChar char="•"/>
+              <a:defRPr sz="1800" kern="1200">
+                <a:solidFill>
+                  <a:schemeClr val="tx1">
+                    <a:lumMod val="50000"/>
+                    <a:lumOff val="50000"/>
+                  </a:schemeClr>
+                </a:solidFill>
+                <a:latin typeface="+mn-lt"/>
+                <a:ea typeface="+mn-ea"/>
+                <a:cs typeface="+mn-cs"/>
+              </a:defRPr>
+            </a:lvl5pPr>
+            <a:lvl6pPr marL="2514600" indent="-228600" algn="l" defTabSz="914400" rtl="0" eaLnBrk="1" latinLnBrk="0" hangingPunct="1">
+              <a:lnSpc>
+                <a:spcPct val="90000"/>
+              </a:lnSpc>
+              <a:spcBef>
+                <a:spcPts val="500"/>
+              </a:spcBef>
+              <a:buFont typeface="Arial" panose="020B0604020202020204" pitchFamily="34" charset="0"/>
+              <a:buChar char="•"/>
+              <a:defRPr sz="1800" kern="1200">
+                <a:solidFill>
+                  <a:schemeClr val="tx1"/>
+                </a:solidFill>
+                <a:latin typeface="+mn-lt"/>
+                <a:ea typeface="+mn-ea"/>
+                <a:cs typeface="+mn-cs"/>
+              </a:defRPr>
+            </a:lvl6pPr>
+            <a:lvl7pPr marL="2971800" indent="-228600" algn="l" defTabSz="914400" rtl="0" eaLnBrk="1" latinLnBrk="0" hangingPunct="1">
+              <a:lnSpc>
+                <a:spcPct val="90000"/>
+              </a:lnSpc>
+              <a:spcBef>
+                <a:spcPts val="500"/>
+              </a:spcBef>
+              <a:buFont typeface="Arial" panose="020B0604020202020204" pitchFamily="34" charset="0"/>
+              <a:buChar char="•"/>
+              <a:defRPr sz="1800" kern="1200">
+                <a:solidFill>
+                  <a:schemeClr val="tx1"/>
+                </a:solidFill>
+                <a:latin typeface="+mn-lt"/>
+                <a:ea typeface="+mn-ea"/>
+                <a:cs typeface="+mn-cs"/>
+              </a:defRPr>
+            </a:lvl7pPr>
+            <a:lvl8pPr marL="3429000" indent="-228600" algn="l" defTabSz="914400" rtl="0" eaLnBrk="1" latinLnBrk="0" hangingPunct="1">
+              <a:lnSpc>
+                <a:spcPct val="90000"/>
+              </a:lnSpc>
+              <a:spcBef>
+                <a:spcPts val="500"/>
+              </a:spcBef>
+              <a:buFont typeface="Arial" panose="020B0604020202020204" pitchFamily="34" charset="0"/>
+              <a:buChar char="•"/>
+              <a:defRPr sz="1800" kern="1200">
+                <a:solidFill>
+                  <a:schemeClr val="tx1"/>
+                </a:solidFill>
+                <a:latin typeface="+mn-lt"/>
+                <a:ea typeface="+mn-ea"/>
+                <a:cs typeface="+mn-cs"/>
+              </a:defRPr>
+            </a:lvl8pPr>
+            <a:lvl9pPr marL="3886200" indent="-228600" algn="l" defTabSz="914400" rtl="0" eaLnBrk="1" latinLnBrk="0" hangingPunct="1">
+              <a:lnSpc>
+                <a:spcPct val="90000"/>
+              </a:lnSpc>
+              <a:spcBef>
+                <a:spcPts val="500"/>
+              </a:spcBef>
+              <a:buFont typeface="Arial" panose="020B0604020202020204" pitchFamily="34" charset="0"/>
+              <a:buChar char="•"/>
+              <a:defRPr sz="1800" kern="1200">
+                <a:solidFill>
+                  <a:schemeClr val="tx1"/>
+                </a:solidFill>
+                <a:latin typeface="+mn-lt"/>
+                <a:ea typeface="+mn-ea"/>
+                <a:cs typeface="+mn-cs"/>
+              </a:defRPr>
+            </a:lvl9pPr>
+          </a:lstStyle>
+          <a:p>
+            <a:pPr>
+              <a:spcBef>
+                <a:spcPts val="400"/>
+              </a:spcBef>
+              <a:spcAft>
+                <a:spcPts val="400"/>
+              </a:spcAft>
+              <a:buFont typeface="Arial" panose="020B0604020202020204" pitchFamily="34" charset="0"/>
+              <a:buChar char="•"/>
+            </a:pPr>
+            <a:r>
+              <a:rPr lang="en-US" sz="1500" dirty="0">
+                <a:solidFill>
+                  <a:schemeClr val="tx1"/>
+                </a:solidFill>
+                <a:latin typeface="Avenir Next LT Pro" panose="020B0504020202020204" pitchFamily="34" charset="0"/>
+              </a:rPr>
+              <a:t>K – means clustering was initially performed as the base level clustering to compare the results based on the mean</a:t>
+            </a:r>
+          </a:p>
+          <a:p>
+            <a:pPr>
+              <a:spcBef>
+                <a:spcPts val="400"/>
+              </a:spcBef>
+              <a:spcAft>
+                <a:spcPts val="400"/>
+              </a:spcAft>
+              <a:buFont typeface="Arial" panose="020B0604020202020204" pitchFamily="34" charset="0"/>
+              <a:buChar char="•"/>
+            </a:pPr>
+            <a:r>
+              <a:rPr lang="en-US" sz="1500" dirty="0">
+                <a:solidFill>
+                  <a:schemeClr val="tx1"/>
+                </a:solidFill>
+                <a:latin typeface="Avenir Next LT Pro" panose="020B0504020202020204" pitchFamily="34" charset="0"/>
+              </a:rPr>
+              <a:t>Hierarchal and K-prototype clustering was done going forward. However, all three techniques resulted in clusters with similar characteristics</a:t>
+            </a:r>
+          </a:p>
+          <a:p>
+            <a:pPr>
+              <a:spcBef>
+                <a:spcPts val="400"/>
+              </a:spcBef>
+              <a:spcAft>
+                <a:spcPts val="400"/>
+              </a:spcAft>
+              <a:buFont typeface="Arial" panose="020B0604020202020204" pitchFamily="34" charset="0"/>
+              <a:buChar char="•"/>
+            </a:pPr>
+            <a:r>
+              <a:rPr lang="en-US" sz="1500" dirty="0">
+                <a:solidFill>
+                  <a:schemeClr val="tx1"/>
+                </a:solidFill>
+                <a:latin typeface="Avenir Next LT Pro" panose="020B0504020202020204" pitchFamily="34" charset="0"/>
+              </a:rPr>
+              <a:t>As K-prototype had the ability to cluster categorical features based on the mode, it was chosen to better interpret the clusters </a:t>
+            </a:r>
+          </a:p>
+        </p:txBody>
+      </p:sp>
+      <p:pic>
+        <p:nvPicPr>
+          <p:cNvPr id="27" name="Picture 26" descr="Chart, radar chart&#10;&#10;Description automatically generated">
+            <a:extLst>
+              <a:ext uri="{FF2B5EF4-FFF2-40B4-BE49-F238E27FC236}">
+                <a16:creationId xmlns:a16="http://schemas.microsoft.com/office/drawing/2014/main" id="{58E30080-E9DF-2161-F910-7C5FCC8228AA}"/>
+              </a:ext>
+            </a:extLst>
+          </p:cNvPr>
+          <p:cNvPicPr>
+            <a:picLocks noChangeAspect="1"/>
+          </p:cNvPicPr>
+          <p:nvPr/>
+        </p:nvPicPr>
+        <p:blipFill rotWithShape="1">
+          <a:blip r:embed="rId6">
+            <a:extLst>
+              <a:ext uri="{28A0092B-C50C-407E-A947-70E740481C1C}">
+                <a14:useLocalDpi xmlns:a14="http://schemas.microsoft.com/office/drawing/2010/main" val="0"/>
+              </a:ext>
+            </a:extLst>
+          </a:blip>
+          <a:srcRect l="17854" t="5785" r="22097" b="12880"/>
+          <a:stretch/>
+        </p:blipFill>
+        <p:spPr>
+          <a:xfrm>
+            <a:off x="3953568" y="3148928"/>
+            <a:ext cx="4186236" cy="3091741"/>
           </a:xfrm>
           <a:prstGeom prst="rect">
             <a:avLst/>
@@ -13029,7 +14391,7 @@
     </p:spTree>
     <p:extLst>
       <p:ext uri="{BB962C8B-B14F-4D97-AF65-F5344CB8AC3E}">
-        <p14:creationId xmlns:p14="http://schemas.microsoft.com/office/powerpoint/2010/main" val="3772805219"/>
+        <p14:creationId xmlns:p14="http://schemas.microsoft.com/office/powerpoint/2010/main" val="778179245"/>
       </p:ext>
     </p:extLst>
   </p:cSld>
